--- a/slides/introduction_to_the_command_line.pptx
+++ b/slides/introduction_to_the_command_line.pptx
@@ -18,6 +18,22 @@
     <p:sldId id="265" r:id="rId13"/>
     <p:sldId id="266" r:id="rId14"/>
     <p:sldId id="267" r:id="rId15"/>
+    <p:sldId id="268" r:id="rId16"/>
+    <p:sldId id="269" r:id="rId17"/>
+    <p:sldId id="270" r:id="rId18"/>
+    <p:sldId id="271" r:id="rId19"/>
+    <p:sldId id="272" r:id="rId20"/>
+    <p:sldId id="273" r:id="rId21"/>
+    <p:sldId id="274" r:id="rId22"/>
+    <p:sldId id="275" r:id="rId23"/>
+    <p:sldId id="276" r:id="rId24"/>
+    <p:sldId id="277" r:id="rId25"/>
+    <p:sldId id="278" r:id="rId26"/>
+    <p:sldId id="279" r:id="rId27"/>
+    <p:sldId id="280" r:id="rId28"/>
+    <p:sldId id="281" r:id="rId29"/>
+    <p:sldId id="282" r:id="rId30"/>
+    <p:sldId id="283" r:id="rId31"/>
   </p:sldIdLst>
   <p:sldSz cx="10080625" cy="7559675"/>
   <p:notesSz cx="7559675" cy="10691812"/>
@@ -2769,7 +2785,7 @@
         <p:spPr>
           <a:xfrm>
             <a:off x="0" y="3150000"/>
-            <a:ext cx="9718200" cy="1258200"/>
+            <a:ext cx="9717840" cy="1257840"/>
           </a:xfrm>
           <a:prstGeom prst="rect">
             <a:avLst/>
@@ -3057,7 +3073,7 @@
         <p:spPr>
           <a:xfrm>
             <a:off x="0" y="180000"/>
-            <a:ext cx="9718200" cy="1258200"/>
+            <a:ext cx="9717840" cy="1257840"/>
           </a:xfrm>
           <a:prstGeom prst="rect">
             <a:avLst/>
@@ -3085,7 +3101,7 @@
         <p:spPr>
           <a:xfrm>
             <a:off x="7560000" y="6840000"/>
-            <a:ext cx="2518200" cy="538200"/>
+            <a:ext cx="2517840" cy="537840"/>
           </a:xfrm>
           <a:prstGeom prst="rect">
             <a:avLst/>
@@ -3113,7 +3129,7 @@
         <p:spPr>
           <a:xfrm>
             <a:off x="900000" y="6840000"/>
-            <a:ext cx="6478200" cy="538200"/>
+            <a:ext cx="6477840" cy="537840"/>
           </a:xfrm>
           <a:prstGeom prst="rect">
             <a:avLst/>
@@ -3141,7 +3157,7 @@
         <p:spPr>
           <a:xfrm>
             <a:off x="180000" y="6840000"/>
-            <a:ext cx="538200" cy="538200"/>
+            <a:ext cx="537840" cy="537840"/>
           </a:xfrm>
           <a:prstGeom prst="rect">
             <a:avLst/>
@@ -3420,7 +3436,7 @@
         <p:spPr>
           <a:xfrm>
             <a:off x="360000" y="3330000"/>
-            <a:ext cx="9358200" cy="898200"/>
+            <a:ext cx="9357840" cy="897840"/>
           </a:xfrm>
           <a:prstGeom prst="rect">
             <a:avLst/>
@@ -3471,7 +3487,7 @@
         <p:spPr>
           <a:xfrm>
             <a:off x="540000" y="4680000"/>
-            <a:ext cx="9178200" cy="2518200"/>
+            <a:ext cx="9177840" cy="2517840"/>
           </a:xfrm>
           <a:prstGeom prst="rect">
             <a:avLst/>
@@ -3578,7 +3594,7 @@
         <p:spPr>
           <a:xfrm>
             <a:off x="7132320" y="4663440"/>
-            <a:ext cx="2467080" cy="2467080"/>
+            <a:ext cx="2466720" cy="2466720"/>
           </a:xfrm>
           <a:prstGeom prst="rect">
             <a:avLst/>
@@ -3626,8 +3642,8 @@
         </p:nvSpPr>
         <p:spPr>
           <a:xfrm>
-            <a:off x="360000" y="360000"/>
-            <a:ext cx="9358200" cy="898200"/>
+            <a:off x="360000" y="1980000"/>
+            <a:ext cx="9177840" cy="4677840"/>
           </a:xfrm>
           <a:prstGeom prst="rect">
             <a:avLst/>
@@ -3644,7 +3660,7 @@
           <a:fontRef idx="minor"/>
         </p:style>
         <p:txBody>
-          <a:bodyPr lIns="0" rIns="0" tIns="0" bIns="0" anchor="b">
+          <a:bodyPr lIns="0" rIns="0" tIns="0" bIns="0">
             <a:noAutofit/>
           </a:bodyPr>
           <a:p>
@@ -3653,17 +3669,58 @@
                 <a:spcPct val="100000"/>
               </a:lnSpc>
             </a:pPr>
-            <a:r>
-              <a:rPr b="1" lang="en-GB" sz="3200" spc="-1" strike="noStrike">
-                <a:solidFill>
-                  <a:srgbClr val="ffffff"/>
-                </a:solidFill>
-                <a:latin typeface="Source Sans Pro Black"/>
-                <a:ea typeface="DejaVu Sans"/>
-              </a:rPr>
-              <a:t>Exercise V </a:t>
-            </a:r>
-            <a:endParaRPr b="0" lang="en-GB" sz="3200" spc="-1" strike="noStrike">
+            <a:endParaRPr b="0" lang="en-GB" sz="1800" spc="-1" strike="noStrike">
+              <a:latin typeface="Arial"/>
+            </a:endParaRPr>
+          </a:p>
+          <a:p>
+            <a:pPr>
+              <a:lnSpc>
+                <a:spcPct val="100000"/>
+              </a:lnSpc>
+            </a:pPr>
+            <a:r>
+              <a:rPr b="1" lang="en-GB" sz="2000" spc="-1" strike="noStrike">
+                <a:solidFill>
+                  <a:srgbClr val="1c1c1c"/>
+                </a:solidFill>
+                <a:latin typeface="Source Sans Pro Semibold"/>
+                <a:ea typeface="DejaVu Sans"/>
+                <a:hlinkClick r:id="rId1"/>
+              </a:rPr>
+              <a:t>https://github.com/ianmiell/introduction-to-the-command-line</a:t>
+            </a:r>
+            <a:endParaRPr b="0" lang="en-GB" sz="2000" spc="-1" strike="noStrike">
+              <a:latin typeface="Arial"/>
+            </a:endParaRPr>
+          </a:p>
+          <a:p>
+            <a:pPr>
+              <a:lnSpc>
+                <a:spcPct val="100000"/>
+              </a:lnSpc>
+            </a:pPr>
+            <a:endParaRPr b="0" lang="en-GB" sz="2000" spc="-1" strike="noStrike">
+              <a:latin typeface="Arial"/>
+            </a:endParaRPr>
+          </a:p>
+          <a:p>
+            <a:pPr>
+              <a:lnSpc>
+                <a:spcPct val="100000"/>
+              </a:lnSpc>
+            </a:pPr>
+            <a:endParaRPr b="0" lang="en-GB" sz="2000" spc="-1" strike="noStrike">
+              <a:latin typeface="Arial"/>
+            </a:endParaRPr>
+          </a:p>
+          <a:p>
+            <a:pPr>
+              <a:lnSpc>
+                <a:spcPct val="100000"/>
+              </a:lnSpc>
+            </a:pPr>
+            <a:endParaRPr b="0" lang="en-GB" sz="2000" spc="-1" strike="noStrike">
               <a:latin typeface="Arial"/>
             </a:endParaRPr>
           </a:p>
@@ -3677,8 +3734,8 @@
         </p:nvSpPr>
         <p:spPr>
           <a:xfrm>
-            <a:off x="360000" y="1980000"/>
-            <a:ext cx="9178200" cy="4678200"/>
+            <a:off x="360000" y="360000"/>
+            <a:ext cx="9357840" cy="897840"/>
           </a:xfrm>
           <a:prstGeom prst="rect">
             <a:avLst/>
@@ -3695,7 +3752,7 @@
           <a:fontRef idx="minor"/>
         </p:style>
         <p:txBody>
-          <a:bodyPr lIns="0" rIns="0" tIns="0" bIns="0">
+          <a:bodyPr lIns="0" rIns="0" tIns="0" bIns="0" anchor="b">
             <a:noAutofit/>
           </a:bodyPr>
           <a:p>
@@ -3704,17 +3761,17 @@
                 <a:spcPct val="100000"/>
               </a:lnSpc>
             </a:pPr>
-            <a:endParaRPr b="0" lang="en-GB" sz="1800" spc="-1" strike="noStrike">
-              <a:latin typeface="Arial"/>
-            </a:endParaRPr>
-          </a:p>
-          <a:p>
-            <a:pPr>
-              <a:lnSpc>
-                <a:spcPct val="100000"/>
-              </a:lnSpc>
-            </a:pPr>
-            <a:endParaRPr b="0" lang="en-GB" sz="1800" spc="-1" strike="noStrike">
+            <a:r>
+              <a:rPr b="1" lang="en-GB" sz="3200" spc="-1" strike="noStrike">
+                <a:solidFill>
+                  <a:srgbClr val="ffffff"/>
+                </a:solidFill>
+                <a:latin typeface="Source Sans Pro Black"/>
+                <a:ea typeface="DejaVu Sans"/>
+              </a:rPr>
+              <a:t>Materials</a:t>
+            </a:r>
+            <a:endParaRPr b="0" lang="en-GB" sz="3200" spc="-1" strike="noStrike">
               <a:latin typeface="Arial"/>
             </a:endParaRPr>
           </a:p>
@@ -3759,7 +3816,7 @@
         <p:spPr>
           <a:xfrm>
             <a:off x="360000" y="360000"/>
-            <a:ext cx="9358200" cy="898200"/>
+            <a:ext cx="9357840" cy="897840"/>
           </a:xfrm>
           <a:prstGeom prst="rect">
             <a:avLst/>
@@ -3793,7 +3850,7 @@
                 <a:latin typeface="Source Sans Pro Black"/>
                 <a:ea typeface="DejaVu Sans"/>
               </a:rPr>
-              <a:t>Wrapup</a:t>
+              <a:t>Part I – Core Commands </a:t>
             </a:r>
             <a:endParaRPr b="0" lang="en-GB" sz="3200" spc="-1" strike="noStrike">
               <a:latin typeface="Arial"/>
@@ -3810,7 +3867,7 @@
         <p:spPr>
           <a:xfrm>
             <a:off x="360000" y="1980000"/>
-            <a:ext cx="9178200" cy="4678200"/>
+            <a:ext cx="9177840" cy="4677840"/>
           </a:xfrm>
           <a:prstGeom prst="rect">
             <a:avLst/>
@@ -3831,48 +3888,88 @@
             <a:noAutofit/>
           </a:bodyPr>
           <a:p>
-            <a:pPr lvl="1" marL="432000" indent="-214200">
-              <a:lnSpc>
-                <a:spcPct val="100000"/>
-              </a:lnSpc>
-              <a:buClr>
-                <a:srgbClr val="000000"/>
-              </a:buClr>
-              <a:buSzPct val="45000"/>
-              <a:buFont typeface="Wingdings" charset="2"/>
-              <a:buChar char=""/>
-            </a:pPr>
-            <a:r>
-              <a:rPr b="1" lang="en-GB" sz="2600" spc="-1" strike="noStrike" u="sng">
-                <a:solidFill>
-                  <a:srgbClr val="0000ff"/>
-                </a:solidFill>
-                <a:uFillTx/>
+            <a:pPr>
+              <a:lnSpc>
+                <a:spcPct val="100000"/>
+              </a:lnSpc>
+            </a:pPr>
+            <a:endParaRPr b="0" lang="en-GB" sz="1800" spc="-1" strike="noStrike">
+              <a:latin typeface="Arial"/>
+            </a:endParaRPr>
+          </a:p>
+          <a:p>
+            <a:pPr>
+              <a:lnSpc>
+                <a:spcPct val="100000"/>
+              </a:lnSpc>
+            </a:pPr>
+            <a:endParaRPr b="0" lang="en-GB" sz="1800" spc="-1" strike="noStrike">
+              <a:latin typeface="Arial"/>
+            </a:endParaRPr>
+          </a:p>
+        </p:txBody>
+      </p:sp>
+      <p:sp>
+        <p:nvSpPr>
+          <p:cNvPr id="104" name="TextShape 3"/>
+          <p:cNvSpPr txBox="1"/>
+          <p:nvPr/>
+        </p:nvSpPr>
+        <p:spPr>
+          <a:xfrm>
+            <a:off x="432000" y="1866240"/>
+            <a:ext cx="8814240" cy="4699800"/>
+          </a:xfrm>
+          <a:prstGeom prst="rect">
+            <a:avLst/>
+          </a:prstGeom>
+          <a:noFill/>
+          <a:ln>
+            <a:noFill/>
+          </a:ln>
+        </p:spPr>
+        <p:txBody>
+          <a:bodyPr lIns="90000" rIns="90000" tIns="45000" bIns="45000">
+            <a:noAutofit/>
+          </a:bodyPr>
+          <a:p>
+            <a:pPr marL="216000" indent="-216000">
+              <a:buClr>
+                <a:srgbClr val="000000"/>
+              </a:buClr>
+              <a:buSzPct val="45000"/>
+              <a:buFont typeface="Wingdings" charset="2"/>
+              <a:buChar char=""/>
+            </a:pPr>
+            <a:r>
+              <a:rPr b="1" lang="en-GB" sz="2600" spc="-1" strike="noStrike">
+                <a:solidFill>
+                  <a:srgbClr val="1c1c1c"/>
+                </a:solidFill>
                 <a:latin typeface="Source Sans Pro Semibold"/>
                 <a:ea typeface="DejaVu Sans"/>
-                <a:hlinkClick r:id="rId1"/>
-              </a:rPr>
-              <a:t>https://github.com/ianmiell/introduction-to-bash</a:t>
-            </a:r>
-            <a:endParaRPr b="0" lang="en-GB" sz="2600" spc="-1" strike="noStrike">
-              <a:latin typeface="Arial"/>
-            </a:endParaRPr>
-          </a:p>
-          <a:p>
-            <a:pPr>
-              <a:lnSpc>
-                <a:spcPct val="100000"/>
-              </a:lnSpc>
-            </a:pPr>
-            <a:endParaRPr b="0" lang="en-GB" sz="2600" spc="-1" strike="noStrike">
-              <a:latin typeface="Arial"/>
-            </a:endParaRPr>
-          </a:p>
-          <a:p>
-            <a:pPr lvl="1" marL="432000" indent="-214200">
-              <a:lnSpc>
-                <a:spcPct val="100000"/>
-              </a:lnSpc>
+              </a:rPr>
+              <a:t>cd</a:t>
+            </a:r>
+            <a:endParaRPr b="0" lang="en-GB" sz="2600" spc="-1" strike="noStrike">
+              <a:latin typeface="Arial"/>
+            </a:endParaRPr>
+          </a:p>
+          <a:p>
+            <a:pPr marL="216000" indent="-216000">
+              <a:buClr>
+                <a:srgbClr val="000000"/>
+              </a:buClr>
+              <a:buSzPct val="45000"/>
+              <a:buFont typeface="Wingdings" charset="2"/>
+              <a:buChar char=""/>
+            </a:pPr>
+            <a:endParaRPr b="0" lang="en-GB" sz="2600" spc="-1" strike="noStrike">
+              <a:latin typeface="Arial"/>
+            </a:endParaRPr>
+          </a:p>
+          <a:p>
+            <a:pPr marL="216000" indent="-216000">
               <a:buClr>
                 <a:srgbClr val="000000"/>
               </a:buClr>
@@ -3888,27 +3985,27 @@
                 <a:latin typeface="Source Sans Pro Semibold"/>
                 <a:ea typeface="DejaVu Sans"/>
               </a:rPr>
-              <a:t>@ianmiell</a:t>
-            </a:r>
-            <a:endParaRPr b="0" lang="en-GB" sz="2600" spc="-1" strike="noStrike">
-              <a:latin typeface="Arial"/>
-            </a:endParaRPr>
-          </a:p>
-          <a:p>
-            <a:pPr>
-              <a:lnSpc>
-                <a:spcPct val="100000"/>
-              </a:lnSpc>
-            </a:pPr>
-            <a:endParaRPr b="0" lang="en-GB" sz="2600" spc="-1" strike="noStrike">
-              <a:latin typeface="Arial"/>
-            </a:endParaRPr>
-          </a:p>
-          <a:p>
-            <a:pPr lvl="1" marL="432000" indent="-214200">
-              <a:lnSpc>
-                <a:spcPct val="100000"/>
-              </a:lnSpc>
+              <a:t>mkdir</a:t>
+            </a:r>
+            <a:endParaRPr b="0" lang="en-GB" sz="2600" spc="-1" strike="noStrike">
+              <a:latin typeface="Arial"/>
+            </a:endParaRPr>
+          </a:p>
+          <a:p>
+            <a:pPr marL="216000" indent="-216000">
+              <a:buClr>
+                <a:srgbClr val="000000"/>
+              </a:buClr>
+              <a:buSzPct val="45000"/>
+              <a:buFont typeface="Wingdings" charset="2"/>
+              <a:buChar char=""/>
+            </a:pPr>
+            <a:endParaRPr b="0" lang="en-GB" sz="2600" spc="-1" strike="noStrike">
+              <a:latin typeface="Arial"/>
+            </a:endParaRPr>
+          </a:p>
+          <a:p>
+            <a:pPr marL="216000" indent="-216000">
               <a:buClr>
                 <a:srgbClr val="000000"/>
               </a:buClr>
@@ -3924,18 +4021,121 @@
                 <a:latin typeface="Source Sans Pro Semibold"/>
                 <a:ea typeface="DejaVu Sans"/>
               </a:rPr>
-              <a:t>ian.miell@gmail.com</a:t>
-            </a:r>
-            <a:endParaRPr b="0" lang="en-GB" sz="2600" spc="-1" strike="noStrike">
-              <a:latin typeface="Arial"/>
-            </a:endParaRPr>
-          </a:p>
-          <a:p>
-            <a:pPr>
-              <a:lnSpc>
-                <a:spcPct val="100000"/>
-              </a:lnSpc>
-            </a:pPr>
+              <a:t>rm</a:t>
+            </a:r>
+            <a:endParaRPr b="0" lang="en-GB" sz="2600" spc="-1" strike="noStrike">
+              <a:latin typeface="Arial"/>
+            </a:endParaRPr>
+          </a:p>
+          <a:p>
+            <a:pPr marL="216000" indent="-216000">
+              <a:buClr>
+                <a:srgbClr val="000000"/>
+              </a:buClr>
+              <a:buSzPct val="45000"/>
+              <a:buFont typeface="Wingdings" charset="2"/>
+              <a:buChar char=""/>
+            </a:pPr>
+            <a:endParaRPr b="0" lang="en-GB" sz="2600" spc="-1" strike="noStrike">
+              <a:latin typeface="Arial"/>
+            </a:endParaRPr>
+          </a:p>
+          <a:p>
+            <a:pPr marL="216000" indent="-216000">
+              <a:buClr>
+                <a:srgbClr val="000000"/>
+              </a:buClr>
+              <a:buSzPct val="45000"/>
+              <a:buFont typeface="Wingdings" charset="2"/>
+              <a:buChar char=""/>
+            </a:pPr>
+            <a:r>
+              <a:rPr b="1" lang="en-GB" sz="2600" spc="-1" strike="noStrike">
+                <a:solidFill>
+                  <a:srgbClr val="1c1c1c"/>
+                </a:solidFill>
+                <a:latin typeface="Source Sans Pro Semibold"/>
+                <a:ea typeface="DejaVu Sans"/>
+              </a:rPr>
+              <a:t>ls</a:t>
+            </a:r>
+            <a:endParaRPr b="0" lang="en-GB" sz="2600" spc="-1" strike="noStrike">
+              <a:latin typeface="Arial"/>
+            </a:endParaRPr>
+          </a:p>
+          <a:p>
+            <a:pPr marL="216000" indent="-216000">
+              <a:buClr>
+                <a:srgbClr val="000000"/>
+              </a:buClr>
+              <a:buSzPct val="45000"/>
+              <a:buFont typeface="Wingdings" charset="2"/>
+              <a:buChar char=""/>
+            </a:pPr>
+            <a:endParaRPr b="0" lang="en-GB" sz="2600" spc="-1" strike="noStrike">
+              <a:latin typeface="Arial"/>
+            </a:endParaRPr>
+          </a:p>
+          <a:p>
+            <a:pPr marL="216000" indent="-216000">
+              <a:buClr>
+                <a:srgbClr val="000000"/>
+              </a:buClr>
+              <a:buSzPct val="45000"/>
+              <a:buFont typeface="Wingdings" charset="2"/>
+              <a:buChar char=""/>
+            </a:pPr>
+            <a:r>
+              <a:rPr b="1" lang="en-GB" sz="2600" spc="-1" strike="noStrike">
+                <a:solidFill>
+                  <a:srgbClr val="1c1c1c"/>
+                </a:solidFill>
+                <a:latin typeface="Source Sans Pro Semibold"/>
+                <a:ea typeface="DejaVu Sans"/>
+              </a:rPr>
+              <a:t>cat</a:t>
+            </a:r>
+            <a:endParaRPr b="0" lang="en-GB" sz="2600" spc="-1" strike="noStrike">
+              <a:latin typeface="Arial"/>
+            </a:endParaRPr>
+          </a:p>
+          <a:p>
+            <a:pPr marL="216000" indent="-216000">
+              <a:buClr>
+                <a:srgbClr val="000000"/>
+              </a:buClr>
+              <a:buSzPct val="45000"/>
+              <a:buFont typeface="Wingdings" charset="2"/>
+              <a:buChar char=""/>
+            </a:pPr>
+            <a:endParaRPr b="0" lang="en-GB" sz="2600" spc="-1" strike="noStrike">
+              <a:latin typeface="Arial"/>
+            </a:endParaRPr>
+          </a:p>
+          <a:p>
+            <a:pPr marL="216000" indent="-216000">
+              <a:buClr>
+                <a:srgbClr val="000000"/>
+              </a:buClr>
+              <a:buSzPct val="45000"/>
+              <a:buFont typeface="Wingdings" charset="2"/>
+              <a:buChar char=""/>
+            </a:pPr>
+            <a:r>
+              <a:rPr b="1" lang="en-GB" sz="2600" spc="-1" strike="noStrike">
+                <a:solidFill>
+                  <a:srgbClr val="1c1c1c"/>
+                </a:solidFill>
+                <a:latin typeface="Source Sans Pro Semibold"/>
+                <a:ea typeface="DejaVu Sans"/>
+              </a:rPr>
+              <a:t>echo</a:t>
+            </a:r>
+            <a:endParaRPr b="0" lang="en-GB" sz="2600" spc="-1" strike="noStrike">
+              <a:latin typeface="Arial"/>
+            </a:endParaRPr>
+          </a:p>
+          <a:p>
             <a:endParaRPr b="0" lang="en-GB" sz="2600" spc="-1" strike="noStrike">
               <a:latin typeface="Arial"/>
             </a:endParaRPr>
@@ -3974,14 +4174,14 @@
       </p:grpSpPr>
       <p:sp>
         <p:nvSpPr>
-          <p:cNvPr id="104" name="CustomShape 1"/>
+          <p:cNvPr id="105" name="CustomShape 1"/>
           <p:cNvSpPr/>
           <p:nvPr/>
         </p:nvSpPr>
         <p:spPr>
           <a:xfrm>
-            <a:off x="360000" y="3330000"/>
-            <a:ext cx="9358200" cy="898200"/>
+            <a:off x="360000" y="360000"/>
+            <a:ext cx="9357840" cy="897840"/>
           </a:xfrm>
           <a:prstGeom prst="rect">
             <a:avLst/>
@@ -4015,7 +4215,7 @@
                 <a:latin typeface="Source Sans Pro Black"/>
                 <a:ea typeface="DejaVu Sans"/>
               </a:rPr>
-              <a:t>Thanks!</a:t>
+              <a:t>Part I – Core Commands </a:t>
             </a:r>
             <a:endParaRPr b="0" lang="en-GB" sz="3200" spc="-1" strike="noStrike">
               <a:latin typeface="Arial"/>
@@ -4025,14 +4225,14 @@
       </p:sp>
       <p:sp>
         <p:nvSpPr>
-          <p:cNvPr id="105" name="CustomShape 2"/>
+          <p:cNvPr id="106" name="CustomShape 2"/>
           <p:cNvSpPr/>
           <p:nvPr/>
         </p:nvSpPr>
         <p:spPr>
           <a:xfrm>
-            <a:off x="540000" y="4680000"/>
-            <a:ext cx="9178200" cy="2518200"/>
+            <a:off x="360000" y="1980000"/>
+            <a:ext cx="9177840" cy="4677840"/>
           </a:xfrm>
           <a:prstGeom prst="rect">
             <a:avLst/>
@@ -4058,17 +4258,7 @@
                 <a:spcPct val="100000"/>
               </a:lnSpc>
             </a:pPr>
-            <a:r>
-              <a:rPr b="0" lang="en-GB" sz="2200" spc="-1" strike="noStrike">
-                <a:solidFill>
-                  <a:srgbClr val="1c1c1c"/>
-                </a:solidFill>
-                <a:latin typeface="Source Sans Pro Light"/>
-                <a:ea typeface="DejaVu Sans"/>
-              </a:rPr>
-              <a:t>Ian Miell</a:t>
-            </a:r>
-            <a:endParaRPr b="0" lang="en-GB" sz="2200" spc="-1" strike="noStrike">
+            <a:endParaRPr b="0" lang="en-GB" sz="1800" spc="-1" strike="noStrike">
               <a:latin typeface="Arial"/>
             </a:endParaRPr>
           </a:p>
@@ -4078,45 +4268,1956 @@
                 <a:spcPct val="100000"/>
               </a:lnSpc>
             </a:pPr>
-            <a:r>
-              <a:rPr b="0" lang="en-GB" sz="2200" spc="-1" strike="noStrike">
-                <a:solidFill>
-                  <a:srgbClr val="1c1c1c"/>
-                </a:solidFill>
-                <a:latin typeface="Source Sans Pro Light"/>
-                <a:ea typeface="DejaVu Sans"/>
-              </a:rPr>
-              <a:t>@ianmiell</a:t>
-            </a:r>
-            <a:endParaRPr b="0" lang="en-GB" sz="2200" spc="-1" strike="noStrike">
-              <a:latin typeface="Arial"/>
-            </a:endParaRPr>
-          </a:p>
-        </p:txBody>
-      </p:sp>
-      <p:pic>
-        <p:nvPicPr>
-          <p:cNvPr id="106" name="Picture 305" descr=""/>
-          <p:cNvPicPr/>
+            <a:endParaRPr b="0" lang="en-GB" sz="1800" spc="-1" strike="noStrike">
+              <a:latin typeface="Arial"/>
+            </a:endParaRPr>
+          </a:p>
+        </p:txBody>
+      </p:sp>
+      <p:sp>
+        <p:nvSpPr>
+          <p:cNvPr id="107" name="TextShape 3"/>
+          <p:cNvSpPr txBox="1"/>
           <p:nvPr/>
-        </p:nvPicPr>
-        <p:blipFill>
-          <a:blip r:embed="rId1"/>
-          <a:stretch/>
-        </p:blipFill>
-        <p:spPr>
-          <a:xfrm>
-            <a:off x="7132320" y="4663440"/>
-            <a:ext cx="2467080" cy="2467080"/>
-          </a:xfrm>
-          <a:prstGeom prst="rect">
-            <a:avLst/>
-          </a:prstGeom>
+        </p:nvSpPr>
+        <p:spPr>
+          <a:xfrm>
+            <a:off x="432000" y="1866240"/>
+            <a:ext cx="8814240" cy="4541760"/>
+          </a:xfrm>
+          <a:prstGeom prst="rect">
+            <a:avLst/>
+          </a:prstGeom>
+          <a:noFill/>
           <a:ln>
             <a:noFill/>
           </a:ln>
         </p:spPr>
-      </p:pic>
+        <p:txBody>
+          <a:bodyPr lIns="90000" rIns="90000" tIns="45000" bIns="45000">
+            <a:noAutofit/>
+          </a:bodyPr>
+          <a:p>
+            <a:pPr marL="216000" indent="-216000">
+              <a:buClr>
+                <a:srgbClr val="000000"/>
+              </a:buClr>
+              <a:buSzPct val="45000"/>
+              <a:buFont typeface="Wingdings" charset="2"/>
+              <a:buChar char=""/>
+            </a:pPr>
+            <a:r>
+              <a:rPr b="1" lang="en-GB" sz="2600" spc="-1" strike="noStrike">
+                <a:solidFill>
+                  <a:srgbClr val="1c1c1c"/>
+                </a:solidFill>
+                <a:latin typeface="Source Sans Pro Semibold"/>
+                <a:ea typeface="DejaVu Sans"/>
+              </a:rPr>
+              <a:t>less</a:t>
+            </a:r>
+            <a:endParaRPr b="0" lang="en-GB" sz="2600" spc="-1" strike="noStrike">
+              <a:latin typeface="Arial"/>
+            </a:endParaRPr>
+          </a:p>
+          <a:p>
+            <a:pPr lvl="1" marL="432000" indent="-216000">
+              <a:buClr>
+                <a:srgbClr val="000000"/>
+              </a:buClr>
+              <a:buSzPct val="45000"/>
+              <a:buFont typeface="Wingdings" charset="2"/>
+              <a:buChar char=""/>
+            </a:pPr>
+            <a:endParaRPr b="0" lang="en-GB" sz="2600" spc="-1" strike="noStrike">
+              <a:latin typeface="Arial"/>
+            </a:endParaRPr>
+          </a:p>
+          <a:p>
+            <a:pPr lvl="1" marL="432000" indent="-216000">
+              <a:buClr>
+                <a:srgbClr val="000000"/>
+              </a:buClr>
+              <a:buSzPct val="45000"/>
+              <a:buFont typeface="Wingdings" charset="2"/>
+              <a:buChar char=""/>
+            </a:pPr>
+            <a:r>
+              <a:rPr b="1" lang="en-GB" sz="2600" spc="-1" strike="noStrike">
+                <a:solidFill>
+                  <a:srgbClr val="1c1c1c"/>
+                </a:solidFill>
+                <a:latin typeface="Source Sans Pro Semibold"/>
+                <a:ea typeface="DejaVu Sans"/>
+              </a:rPr>
+              <a:t>How to use + tips</a:t>
+            </a:r>
+            <a:endParaRPr b="0" lang="en-GB" sz="2600" spc="-1" strike="noStrike">
+              <a:latin typeface="Arial"/>
+            </a:endParaRPr>
+          </a:p>
+          <a:p>
+            <a:pPr marL="216000" indent="-216000">
+              <a:buClr>
+                <a:srgbClr val="000000"/>
+              </a:buClr>
+              <a:buSzPct val="45000"/>
+              <a:buFont typeface="Wingdings" charset="2"/>
+              <a:buChar char=""/>
+            </a:pPr>
+            <a:endParaRPr b="0" lang="en-GB" sz="2600" spc="-1" strike="noStrike">
+              <a:latin typeface="Arial"/>
+            </a:endParaRPr>
+          </a:p>
+          <a:p>
+            <a:pPr marL="216000" indent="-216000">
+              <a:buClr>
+                <a:srgbClr val="000000"/>
+              </a:buClr>
+              <a:buSzPct val="45000"/>
+              <a:buFont typeface="Wingdings" charset="2"/>
+              <a:buChar char=""/>
+            </a:pPr>
+            <a:r>
+              <a:rPr b="1" lang="en-GB" sz="2600" spc="-1" strike="noStrike">
+                <a:solidFill>
+                  <a:srgbClr val="1c1c1c"/>
+                </a:solidFill>
+                <a:latin typeface="Source Sans Pro Semibold"/>
+                <a:ea typeface="DejaVu Sans"/>
+              </a:rPr>
+              <a:t>man</a:t>
+            </a:r>
+            <a:endParaRPr b="0" lang="en-GB" sz="2600" spc="-1" strike="noStrike">
+              <a:latin typeface="Arial"/>
+            </a:endParaRPr>
+          </a:p>
+          <a:p>
+            <a:pPr marL="216000" indent="-216000">
+              <a:buClr>
+                <a:srgbClr val="000000"/>
+              </a:buClr>
+              <a:buSzPct val="45000"/>
+              <a:buFont typeface="Wingdings" charset="2"/>
+              <a:buChar char=""/>
+            </a:pPr>
+            <a:endParaRPr b="0" lang="en-GB" sz="2600" spc="-1" strike="noStrike">
+              <a:latin typeface="Arial"/>
+            </a:endParaRPr>
+          </a:p>
+          <a:p>
+            <a:pPr lvl="1" marL="432000" indent="-216000">
+              <a:buClr>
+                <a:srgbClr val="000000"/>
+              </a:buClr>
+              <a:buSzPct val="45000"/>
+              <a:buFont typeface="Wingdings" charset="2"/>
+              <a:buChar char=""/>
+            </a:pPr>
+            <a:r>
+              <a:rPr b="1" lang="en-GB" sz="2600" spc="-1" strike="noStrike">
+                <a:solidFill>
+                  <a:srgbClr val="1c1c1c"/>
+                </a:solidFill>
+                <a:latin typeface="Source Sans Pro Semibold"/>
+                <a:ea typeface="DejaVu Sans"/>
+              </a:rPr>
+              <a:t>How to use + tips</a:t>
+            </a:r>
+            <a:endParaRPr b="0" lang="en-GB" sz="2600" spc="-1" strike="noStrike">
+              <a:latin typeface="Arial"/>
+            </a:endParaRPr>
+          </a:p>
+          <a:p>
+            <a:endParaRPr b="0" lang="en-GB" sz="2600" spc="-1" strike="noStrike">
+              <a:latin typeface="Arial"/>
+            </a:endParaRPr>
+          </a:p>
+        </p:txBody>
+      </p:sp>
+    </p:spTree>
+  </p:cSld>
+  <mc:AlternateContent>
+    <mc:Choice Requires="p14">
+      <p:transition spd="slow" p14:dur="2000"/>
+    </mc:Choice>
+    <mc:Fallback>
+      <p:transition spd="slow"/>
+    </mc:Fallback>
+  </mc:AlternateContent>
+</p:sld>
+</file>
+
+<file path=ppt/slides/slide13.xml><?xml version="1.0" encoding="utf-8"?>
+<p:sld xmlns:a="http://schemas.openxmlformats.org/drawingml/2006/main" xmlns:p="http://schemas.openxmlformats.org/presentationml/2006/main" xmlns:r="http://schemas.openxmlformats.org/officeDocument/2006/relationships" xmlns:p14="http://schemas.microsoft.com/office/powerpoint/2010/main" xmlns:p15="http://schemas.microsoft.com/office/powerpoint/2012/main" xmlns:mc="http://schemas.openxmlformats.org/markup-compatibility/2006">
+  <p:cSld>
+    <p:spTree>
+      <p:nvGrpSpPr>
+        <p:cNvPr id="1" name=""/>
+        <p:cNvGrpSpPr/>
+        <p:nvPr/>
+      </p:nvGrpSpPr>
+      <p:grpSpPr>
+        <a:xfrm>
+          <a:off x="0" y="0"/>
+          <a:ext cx="0" cy="0"/>
+          <a:chOff x="0" y="0"/>
+          <a:chExt cx="0" cy="0"/>
+        </a:xfrm>
+      </p:grpSpPr>
+      <p:sp>
+        <p:nvSpPr>
+          <p:cNvPr id="108" name="CustomShape 1"/>
+          <p:cNvSpPr/>
+          <p:nvPr/>
+        </p:nvSpPr>
+        <p:spPr>
+          <a:xfrm>
+            <a:off x="360000" y="360000"/>
+            <a:ext cx="9357840" cy="897840"/>
+          </a:xfrm>
+          <a:prstGeom prst="rect">
+            <a:avLst/>
+          </a:prstGeom>
+          <a:noFill/>
+          <a:ln>
+            <a:noFill/>
+          </a:ln>
+        </p:spPr>
+        <p:style>
+          <a:lnRef idx="0"/>
+          <a:fillRef idx="0"/>
+          <a:effectRef idx="0"/>
+          <a:fontRef idx="minor"/>
+        </p:style>
+        <p:txBody>
+          <a:bodyPr lIns="0" rIns="0" tIns="0" bIns="0" anchor="b">
+            <a:noAutofit/>
+          </a:bodyPr>
+          <a:p>
+            <a:pPr>
+              <a:lnSpc>
+                <a:spcPct val="100000"/>
+              </a:lnSpc>
+            </a:pPr>
+            <a:r>
+              <a:rPr b="1" lang="en-GB" sz="3200" spc="-1" strike="noStrike">
+                <a:solidFill>
+                  <a:srgbClr val="ffffff"/>
+                </a:solidFill>
+                <a:latin typeface="Source Sans Pro Black"/>
+                <a:ea typeface="DejaVu Sans"/>
+              </a:rPr>
+              <a:t>Part I – Core Commands </a:t>
+            </a:r>
+            <a:endParaRPr b="0" lang="en-GB" sz="3200" spc="-1" strike="noStrike">
+              <a:latin typeface="Arial"/>
+            </a:endParaRPr>
+          </a:p>
+        </p:txBody>
+      </p:sp>
+      <p:sp>
+        <p:nvSpPr>
+          <p:cNvPr id="109" name="CustomShape 2"/>
+          <p:cNvSpPr/>
+          <p:nvPr/>
+        </p:nvSpPr>
+        <p:spPr>
+          <a:xfrm>
+            <a:off x="360000" y="1980000"/>
+            <a:ext cx="9177840" cy="4677840"/>
+          </a:xfrm>
+          <a:prstGeom prst="rect">
+            <a:avLst/>
+          </a:prstGeom>
+          <a:noFill/>
+          <a:ln>
+            <a:noFill/>
+          </a:ln>
+        </p:spPr>
+        <p:style>
+          <a:lnRef idx="0"/>
+          <a:fillRef idx="0"/>
+          <a:effectRef idx="0"/>
+          <a:fontRef idx="minor"/>
+        </p:style>
+        <p:txBody>
+          <a:bodyPr lIns="0" rIns="0" tIns="0" bIns="0">
+            <a:noAutofit/>
+          </a:bodyPr>
+          <a:p>
+            <a:pPr>
+              <a:lnSpc>
+                <a:spcPct val="100000"/>
+              </a:lnSpc>
+            </a:pPr>
+            <a:endParaRPr b="0" lang="en-GB" sz="1800" spc="-1" strike="noStrike">
+              <a:latin typeface="Arial"/>
+            </a:endParaRPr>
+          </a:p>
+          <a:p>
+            <a:pPr>
+              <a:lnSpc>
+                <a:spcPct val="100000"/>
+              </a:lnSpc>
+            </a:pPr>
+            <a:endParaRPr b="0" lang="en-GB" sz="1800" spc="-1" strike="noStrike">
+              <a:latin typeface="Arial"/>
+            </a:endParaRPr>
+          </a:p>
+        </p:txBody>
+      </p:sp>
+      <p:sp>
+        <p:nvSpPr>
+          <p:cNvPr id="110" name="TextShape 3"/>
+          <p:cNvSpPr txBox="1"/>
+          <p:nvPr/>
+        </p:nvSpPr>
+        <p:spPr>
+          <a:xfrm>
+            <a:off x="432000" y="1866240"/>
+            <a:ext cx="8814240" cy="4541760"/>
+          </a:xfrm>
+          <a:prstGeom prst="rect">
+            <a:avLst/>
+          </a:prstGeom>
+          <a:noFill/>
+          <a:ln>
+            <a:noFill/>
+          </a:ln>
+        </p:spPr>
+        <p:txBody>
+          <a:bodyPr lIns="90000" rIns="90000" tIns="45000" bIns="45000">
+            <a:noAutofit/>
+          </a:bodyPr>
+          <a:p>
+            <a:pPr marL="216000" indent="-216000">
+              <a:buClr>
+                <a:srgbClr val="000000"/>
+              </a:buClr>
+              <a:buSzPct val="45000"/>
+              <a:buFont typeface="Wingdings" charset="2"/>
+              <a:buChar char=""/>
+            </a:pPr>
+            <a:r>
+              <a:rPr b="1" lang="en-GB" sz="2600" spc="-1" strike="noStrike">
+                <a:solidFill>
+                  <a:srgbClr val="1c1c1c"/>
+                </a:solidFill>
+                <a:latin typeface="Source Sans Pro Semibold"/>
+                <a:ea typeface="DejaVu Sans"/>
+              </a:rPr>
+              <a:t>cd</a:t>
+            </a:r>
+            <a:endParaRPr b="0" lang="en-GB" sz="2600" spc="-1" strike="noStrike">
+              <a:latin typeface="Arial"/>
+            </a:endParaRPr>
+          </a:p>
+          <a:p>
+            <a:pPr marL="216000" indent="-216000">
+              <a:buClr>
+                <a:srgbClr val="000000"/>
+              </a:buClr>
+              <a:buSzPct val="45000"/>
+              <a:buFont typeface="Wingdings" charset="2"/>
+              <a:buChar char=""/>
+            </a:pPr>
+            <a:r>
+              <a:rPr b="1" lang="en-GB" sz="2600" spc="-1" strike="noStrike">
+                <a:solidFill>
+                  <a:srgbClr val="1c1c1c"/>
+                </a:solidFill>
+                <a:latin typeface="Source Sans Pro Semibold"/>
+                <a:ea typeface="DejaVu Sans"/>
+              </a:rPr>
+              <a:t>mkdir</a:t>
+            </a:r>
+            <a:endParaRPr b="0" lang="en-GB" sz="2600" spc="-1" strike="noStrike">
+              <a:latin typeface="Arial"/>
+            </a:endParaRPr>
+          </a:p>
+          <a:p>
+            <a:pPr marL="216000" indent="-216000">
+              <a:buClr>
+                <a:srgbClr val="000000"/>
+              </a:buClr>
+              <a:buSzPct val="45000"/>
+              <a:buFont typeface="Wingdings" charset="2"/>
+              <a:buChar char=""/>
+            </a:pPr>
+            <a:r>
+              <a:rPr b="1" lang="en-GB" sz="2600" spc="-1" strike="noStrike">
+                <a:solidFill>
+                  <a:srgbClr val="1c1c1c"/>
+                </a:solidFill>
+                <a:latin typeface="Source Sans Pro Semibold"/>
+                <a:ea typeface="DejaVu Sans"/>
+              </a:rPr>
+              <a:t>rm</a:t>
+            </a:r>
+            <a:endParaRPr b="0" lang="en-GB" sz="2600" spc="-1" strike="noStrike">
+              <a:latin typeface="Arial"/>
+            </a:endParaRPr>
+          </a:p>
+          <a:p>
+            <a:pPr marL="216000" indent="-216000">
+              <a:buClr>
+                <a:srgbClr val="000000"/>
+              </a:buClr>
+              <a:buSzPct val="45000"/>
+              <a:buFont typeface="Wingdings" charset="2"/>
+              <a:buChar char=""/>
+            </a:pPr>
+            <a:r>
+              <a:rPr b="1" lang="en-GB" sz="2600" spc="-1" strike="noStrike">
+                <a:solidFill>
+                  <a:srgbClr val="1c1c1c"/>
+                </a:solidFill>
+                <a:latin typeface="Source Sans Pro Semibold"/>
+                <a:ea typeface="DejaVu Sans"/>
+              </a:rPr>
+              <a:t>ls</a:t>
+            </a:r>
+            <a:endParaRPr b="0" lang="en-GB" sz="2600" spc="-1" strike="noStrike">
+              <a:latin typeface="Arial"/>
+            </a:endParaRPr>
+          </a:p>
+          <a:p>
+            <a:pPr marL="216000" indent="-216000">
+              <a:buClr>
+                <a:srgbClr val="000000"/>
+              </a:buClr>
+              <a:buSzPct val="45000"/>
+              <a:buFont typeface="Wingdings" charset="2"/>
+              <a:buChar char=""/>
+            </a:pPr>
+            <a:r>
+              <a:rPr b="1" lang="en-GB" sz="2600" spc="-1" strike="noStrike">
+                <a:solidFill>
+                  <a:srgbClr val="1c1c1c"/>
+                </a:solidFill>
+                <a:latin typeface="Source Sans Pro Semibold"/>
+                <a:ea typeface="DejaVu Sans"/>
+              </a:rPr>
+              <a:t>cat</a:t>
+            </a:r>
+            <a:endParaRPr b="0" lang="en-GB" sz="2600" spc="-1" strike="noStrike">
+              <a:latin typeface="Arial"/>
+            </a:endParaRPr>
+          </a:p>
+          <a:p>
+            <a:pPr marL="216000" indent="-216000">
+              <a:buClr>
+                <a:srgbClr val="000000"/>
+              </a:buClr>
+              <a:buSzPct val="45000"/>
+              <a:buFont typeface="Wingdings" charset="2"/>
+              <a:buChar char=""/>
+            </a:pPr>
+            <a:r>
+              <a:rPr b="1" lang="en-GB" sz="2600" spc="-1" strike="noStrike">
+                <a:solidFill>
+                  <a:srgbClr val="1c1c1c"/>
+                </a:solidFill>
+                <a:latin typeface="Source Sans Pro Semibold"/>
+                <a:ea typeface="DejaVu Sans"/>
+              </a:rPr>
+              <a:t>echo -n</a:t>
+            </a:r>
+            <a:endParaRPr b="0" lang="en-GB" sz="2600" spc="-1" strike="noStrike">
+              <a:latin typeface="Arial"/>
+            </a:endParaRPr>
+          </a:p>
+          <a:p>
+            <a:endParaRPr b="0" lang="en-GB" sz="2600" spc="-1" strike="noStrike">
+              <a:latin typeface="Arial"/>
+            </a:endParaRPr>
+          </a:p>
+        </p:txBody>
+      </p:sp>
+    </p:spTree>
+  </p:cSld>
+  <mc:AlternateContent>
+    <mc:Choice Requires="p14">
+      <p:transition spd="slow" p14:dur="2000"/>
+    </mc:Choice>
+    <mc:Fallback>
+      <p:transition spd="slow"/>
+    </mc:Fallback>
+  </mc:AlternateContent>
+</p:sld>
+</file>
+
+<file path=ppt/slides/slide14.xml><?xml version="1.0" encoding="utf-8"?>
+<p:sld xmlns:a="http://schemas.openxmlformats.org/drawingml/2006/main" xmlns:p="http://schemas.openxmlformats.org/presentationml/2006/main" xmlns:r="http://schemas.openxmlformats.org/officeDocument/2006/relationships" xmlns:p14="http://schemas.microsoft.com/office/powerpoint/2010/main" xmlns:p15="http://schemas.microsoft.com/office/powerpoint/2012/main" xmlns:mc="http://schemas.openxmlformats.org/markup-compatibility/2006">
+  <p:cSld>
+    <p:spTree>
+      <p:nvGrpSpPr>
+        <p:cNvPr id="1" name=""/>
+        <p:cNvGrpSpPr/>
+        <p:nvPr/>
+      </p:nvGrpSpPr>
+      <p:grpSpPr>
+        <a:xfrm>
+          <a:off x="0" y="0"/>
+          <a:ext cx="0" cy="0"/>
+          <a:chOff x="0" y="0"/>
+          <a:chExt cx="0" cy="0"/>
+        </a:xfrm>
+      </p:grpSpPr>
+      <p:sp>
+        <p:nvSpPr>
+          <p:cNvPr id="111" name="CustomShape 1"/>
+          <p:cNvSpPr/>
+          <p:nvPr/>
+        </p:nvSpPr>
+        <p:spPr>
+          <a:xfrm>
+            <a:off x="360000" y="360000"/>
+            <a:ext cx="9357840" cy="897840"/>
+          </a:xfrm>
+          <a:prstGeom prst="rect">
+            <a:avLst/>
+          </a:prstGeom>
+          <a:noFill/>
+          <a:ln>
+            <a:noFill/>
+          </a:ln>
+        </p:spPr>
+        <p:style>
+          <a:lnRef idx="0"/>
+          <a:fillRef idx="0"/>
+          <a:effectRef idx="0"/>
+          <a:fontRef idx="minor"/>
+        </p:style>
+        <p:txBody>
+          <a:bodyPr lIns="0" rIns="0" tIns="0" bIns="0" anchor="b">
+            <a:noAutofit/>
+          </a:bodyPr>
+          <a:p>
+            <a:pPr>
+              <a:lnSpc>
+                <a:spcPct val="100000"/>
+              </a:lnSpc>
+            </a:pPr>
+            <a:r>
+              <a:rPr b="1" lang="en-GB" sz="3200" spc="-1" strike="noStrike">
+                <a:solidFill>
+                  <a:srgbClr val="ffffff"/>
+                </a:solidFill>
+                <a:latin typeface="Source Sans Pro Black"/>
+                <a:ea typeface="DejaVu Sans"/>
+              </a:rPr>
+              <a:t>Part I – Exercise / Break </a:t>
+            </a:r>
+            <a:endParaRPr b="0" lang="en-GB" sz="3200" spc="-1" strike="noStrike">
+              <a:latin typeface="Arial"/>
+            </a:endParaRPr>
+          </a:p>
+        </p:txBody>
+      </p:sp>
+      <p:sp>
+        <p:nvSpPr>
+          <p:cNvPr id="112" name="CustomShape 2"/>
+          <p:cNvSpPr/>
+          <p:nvPr/>
+        </p:nvSpPr>
+        <p:spPr>
+          <a:xfrm>
+            <a:off x="360000" y="1980000"/>
+            <a:ext cx="9177840" cy="4677840"/>
+          </a:xfrm>
+          <a:prstGeom prst="rect">
+            <a:avLst/>
+          </a:prstGeom>
+          <a:noFill/>
+          <a:ln>
+            <a:noFill/>
+          </a:ln>
+        </p:spPr>
+        <p:style>
+          <a:lnRef idx="0"/>
+          <a:fillRef idx="0"/>
+          <a:effectRef idx="0"/>
+          <a:fontRef idx="minor"/>
+        </p:style>
+        <p:txBody>
+          <a:bodyPr lIns="0" rIns="0" tIns="0" bIns="0">
+            <a:noAutofit/>
+          </a:bodyPr>
+          <a:p>
+            <a:pPr>
+              <a:lnSpc>
+                <a:spcPct val="100000"/>
+              </a:lnSpc>
+            </a:pPr>
+            <a:endParaRPr b="0" lang="en-GB" sz="1800" spc="-1" strike="noStrike">
+              <a:latin typeface="Arial"/>
+            </a:endParaRPr>
+          </a:p>
+          <a:p>
+            <a:pPr>
+              <a:lnSpc>
+                <a:spcPct val="100000"/>
+              </a:lnSpc>
+            </a:pPr>
+            <a:endParaRPr b="0" lang="en-GB" sz="1800" spc="-1" strike="noStrike">
+              <a:latin typeface="Arial"/>
+            </a:endParaRPr>
+          </a:p>
+        </p:txBody>
+      </p:sp>
+    </p:spTree>
+  </p:cSld>
+  <mc:AlternateContent>
+    <mc:Choice Requires="p14">
+      <p:transition spd="slow" p14:dur="2000"/>
+    </mc:Choice>
+    <mc:Fallback>
+      <p:transition spd="slow"/>
+    </mc:Fallback>
+  </mc:AlternateContent>
+</p:sld>
+</file>
+
+<file path=ppt/slides/slide15.xml><?xml version="1.0" encoding="utf-8"?>
+<p:sld xmlns:a="http://schemas.openxmlformats.org/drawingml/2006/main" xmlns:p="http://schemas.openxmlformats.org/presentationml/2006/main" xmlns:r="http://schemas.openxmlformats.org/officeDocument/2006/relationships" xmlns:p14="http://schemas.microsoft.com/office/powerpoint/2010/main" xmlns:p15="http://schemas.microsoft.com/office/powerpoint/2012/main" xmlns:mc="http://schemas.openxmlformats.org/markup-compatibility/2006">
+  <p:cSld>
+    <p:spTree>
+      <p:nvGrpSpPr>
+        <p:cNvPr id="1" name=""/>
+        <p:cNvGrpSpPr/>
+        <p:nvPr/>
+      </p:nvGrpSpPr>
+      <p:grpSpPr>
+        <a:xfrm>
+          <a:off x="0" y="0"/>
+          <a:ext cx="0" cy="0"/>
+          <a:chOff x="0" y="0"/>
+          <a:chExt cx="0" cy="0"/>
+        </a:xfrm>
+      </p:grpSpPr>
+      <p:sp>
+        <p:nvSpPr>
+          <p:cNvPr id="113" name="CustomShape 1"/>
+          <p:cNvSpPr/>
+          <p:nvPr/>
+        </p:nvSpPr>
+        <p:spPr>
+          <a:xfrm>
+            <a:off x="360000" y="360000"/>
+            <a:ext cx="9357840" cy="897840"/>
+          </a:xfrm>
+          <a:prstGeom prst="rect">
+            <a:avLst/>
+          </a:prstGeom>
+          <a:noFill/>
+          <a:ln>
+            <a:noFill/>
+          </a:ln>
+        </p:spPr>
+        <p:style>
+          <a:lnRef idx="0"/>
+          <a:fillRef idx="0"/>
+          <a:effectRef idx="0"/>
+          <a:fontRef idx="minor"/>
+        </p:style>
+        <p:txBody>
+          <a:bodyPr lIns="0" rIns="0" tIns="0" bIns="0" anchor="b">
+            <a:noAutofit/>
+          </a:bodyPr>
+          <a:p>
+            <a:pPr>
+              <a:lnSpc>
+                <a:spcPct val="100000"/>
+              </a:lnSpc>
+            </a:pPr>
+            <a:r>
+              <a:rPr b="1" lang="en-GB" sz="3200" spc="-1" strike="noStrike">
+                <a:solidFill>
+                  <a:srgbClr val="ffffff"/>
+                </a:solidFill>
+                <a:latin typeface="Source Sans Pro Black"/>
+                <a:ea typeface="DejaVu Sans"/>
+              </a:rPr>
+              <a:t>Part II – Text and File Manipulation</a:t>
+            </a:r>
+            <a:endParaRPr b="0" lang="en-GB" sz="3200" spc="-1" strike="noStrike">
+              <a:latin typeface="Arial"/>
+            </a:endParaRPr>
+          </a:p>
+        </p:txBody>
+      </p:sp>
+      <p:sp>
+        <p:nvSpPr>
+          <p:cNvPr id="114" name="CustomShape 2"/>
+          <p:cNvSpPr/>
+          <p:nvPr/>
+        </p:nvSpPr>
+        <p:spPr>
+          <a:xfrm>
+            <a:off x="360000" y="1980000"/>
+            <a:ext cx="9177840" cy="4677840"/>
+          </a:xfrm>
+          <a:prstGeom prst="rect">
+            <a:avLst/>
+          </a:prstGeom>
+          <a:noFill/>
+          <a:ln>
+            <a:noFill/>
+          </a:ln>
+        </p:spPr>
+        <p:style>
+          <a:lnRef idx="0"/>
+          <a:fillRef idx="0"/>
+          <a:effectRef idx="0"/>
+          <a:fontRef idx="minor"/>
+        </p:style>
+        <p:txBody>
+          <a:bodyPr lIns="0" rIns="0" tIns="0" bIns="0">
+            <a:noAutofit/>
+          </a:bodyPr>
+          <a:p>
+            <a:pPr>
+              <a:lnSpc>
+                <a:spcPct val="100000"/>
+              </a:lnSpc>
+            </a:pPr>
+            <a:endParaRPr b="0" lang="en-GB" sz="1800" spc="-1" strike="noStrike">
+              <a:latin typeface="Arial"/>
+            </a:endParaRPr>
+          </a:p>
+          <a:p>
+            <a:pPr>
+              <a:lnSpc>
+                <a:spcPct val="100000"/>
+              </a:lnSpc>
+            </a:pPr>
+            <a:endParaRPr b="0" lang="en-GB" sz="1800" spc="-1" strike="noStrike">
+              <a:latin typeface="Arial"/>
+            </a:endParaRPr>
+          </a:p>
+        </p:txBody>
+      </p:sp>
+      <p:sp>
+        <p:nvSpPr>
+          <p:cNvPr id="115" name="TextShape 3"/>
+          <p:cNvSpPr txBox="1"/>
+          <p:nvPr/>
+        </p:nvSpPr>
+        <p:spPr>
+          <a:xfrm>
+            <a:off x="432000" y="1866240"/>
+            <a:ext cx="8814240" cy="4541760"/>
+          </a:xfrm>
+          <a:prstGeom prst="rect">
+            <a:avLst/>
+          </a:prstGeom>
+          <a:noFill/>
+          <a:ln>
+            <a:noFill/>
+          </a:ln>
+        </p:spPr>
+        <p:txBody>
+          <a:bodyPr lIns="90000" rIns="90000" tIns="45000" bIns="45000">
+            <a:noAutofit/>
+          </a:bodyPr>
+          <a:p>
+            <a:pPr marL="216000" indent="-216000">
+              <a:buClr>
+                <a:srgbClr val="000000"/>
+              </a:buClr>
+              <a:buSzPct val="45000"/>
+              <a:buFont typeface="Wingdings" charset="2"/>
+              <a:buChar char=""/>
+            </a:pPr>
+            <a:r>
+              <a:rPr b="1" lang="en-GB" sz="2600" spc="-1" strike="noStrike">
+                <a:solidFill>
+                  <a:srgbClr val="1c1c1c"/>
+                </a:solidFill>
+                <a:latin typeface="Source Sans Pro Semibold"/>
+                <a:ea typeface="DejaVu Sans"/>
+              </a:rPr>
+              <a:t>Regular Expressions</a:t>
+            </a:r>
+            <a:endParaRPr b="0" lang="en-GB" sz="2600" spc="-1" strike="noStrike">
+              <a:latin typeface="Arial"/>
+            </a:endParaRPr>
+          </a:p>
+          <a:p>
+            <a:pPr marL="216000" indent="-216000">
+              <a:buClr>
+                <a:srgbClr val="000000"/>
+              </a:buClr>
+              <a:buSzPct val="45000"/>
+              <a:buFont typeface="Wingdings" charset="2"/>
+              <a:buChar char=""/>
+            </a:pPr>
+            <a:endParaRPr b="0" lang="en-GB" sz="2600" spc="-1" strike="noStrike">
+              <a:latin typeface="Arial"/>
+            </a:endParaRPr>
+          </a:p>
+          <a:p>
+            <a:pPr marL="216000" indent="-216000">
+              <a:buClr>
+                <a:srgbClr val="000000"/>
+              </a:buClr>
+              <a:buSzPct val="45000"/>
+              <a:buFont typeface="Wingdings" charset="2"/>
+              <a:buChar char=""/>
+            </a:pPr>
+            <a:r>
+              <a:rPr b="1" lang="en-GB" sz="2600" spc="-1" strike="noStrike">
+                <a:solidFill>
+                  <a:srgbClr val="1c1c1c"/>
+                </a:solidFill>
+                <a:latin typeface="Source Sans Pro Semibold"/>
+                <a:ea typeface="DejaVu Sans"/>
+              </a:rPr>
+              <a:t>grep</a:t>
+            </a:r>
+            <a:endParaRPr b="0" lang="en-GB" sz="2600" spc="-1" strike="noStrike">
+              <a:latin typeface="Arial"/>
+            </a:endParaRPr>
+          </a:p>
+          <a:p>
+            <a:pPr marL="216000" indent="-216000">
+              <a:buClr>
+                <a:srgbClr val="000000"/>
+              </a:buClr>
+              <a:buSzPct val="45000"/>
+              <a:buFont typeface="Wingdings" charset="2"/>
+              <a:buChar char=""/>
+            </a:pPr>
+            <a:r>
+              <a:rPr b="1" lang="en-GB" sz="2600" spc="-1" strike="noStrike">
+                <a:solidFill>
+                  <a:srgbClr val="1c1c1c"/>
+                </a:solidFill>
+                <a:latin typeface="Source Sans Pro Semibold"/>
+                <a:ea typeface="DejaVu Sans"/>
+              </a:rPr>
+              <a:t>tr</a:t>
+            </a:r>
+            <a:endParaRPr b="0" lang="en-GB" sz="2600" spc="-1" strike="noStrike">
+              <a:latin typeface="Arial"/>
+            </a:endParaRPr>
+          </a:p>
+          <a:p>
+            <a:pPr marL="216000" indent="-216000">
+              <a:buClr>
+                <a:srgbClr val="000000"/>
+              </a:buClr>
+              <a:buSzPct val="45000"/>
+              <a:buFont typeface="Wingdings" charset="2"/>
+              <a:buChar char=""/>
+            </a:pPr>
+            <a:r>
+              <a:rPr b="1" lang="en-GB" sz="2600" spc="-1" strike="noStrike">
+                <a:solidFill>
+                  <a:srgbClr val="1c1c1c"/>
+                </a:solidFill>
+                <a:latin typeface="Source Sans Pro Semibold"/>
+                <a:ea typeface="DejaVu Sans"/>
+              </a:rPr>
+              <a:t>sed</a:t>
+            </a:r>
+            <a:endParaRPr b="0" lang="en-GB" sz="2600" spc="-1" strike="noStrike">
+              <a:latin typeface="Arial"/>
+            </a:endParaRPr>
+          </a:p>
+          <a:p>
+            <a:pPr marL="216000" indent="-216000">
+              <a:buClr>
+                <a:srgbClr val="000000"/>
+              </a:buClr>
+              <a:buSzPct val="45000"/>
+              <a:buFont typeface="Wingdings" charset="2"/>
+              <a:buChar char=""/>
+            </a:pPr>
+            <a:r>
+              <a:rPr b="1" lang="en-GB" sz="2600" spc="-1" strike="noStrike">
+                <a:solidFill>
+                  <a:srgbClr val="1c1c1c"/>
+                </a:solidFill>
+                <a:latin typeface="Source Sans Pro Semibold"/>
+                <a:ea typeface="DejaVu Sans"/>
+              </a:rPr>
+              <a:t>sort / uniq</a:t>
+            </a:r>
+            <a:endParaRPr b="0" lang="en-GB" sz="2600" spc="-1" strike="noStrike">
+              <a:latin typeface="Arial"/>
+            </a:endParaRPr>
+          </a:p>
+          <a:p>
+            <a:pPr marL="216000" indent="-216000">
+              <a:buClr>
+                <a:srgbClr val="000000"/>
+              </a:buClr>
+              <a:buSzPct val="45000"/>
+              <a:buFont typeface="Wingdings" charset="2"/>
+              <a:buChar char=""/>
+            </a:pPr>
+            <a:r>
+              <a:rPr b="1" lang="en-GB" sz="2600" spc="-1" strike="noStrike">
+                <a:solidFill>
+                  <a:srgbClr val="1c1c1c"/>
+                </a:solidFill>
+                <a:latin typeface="Source Sans Pro Semibold"/>
+                <a:ea typeface="DejaVu Sans"/>
+              </a:rPr>
+              <a:t>tail</a:t>
+            </a:r>
+            <a:endParaRPr b="0" lang="en-GB" sz="2600" spc="-1" strike="noStrike">
+              <a:latin typeface="Arial"/>
+            </a:endParaRPr>
+          </a:p>
+          <a:p>
+            <a:pPr marL="216000" indent="-216000">
+              <a:buClr>
+                <a:srgbClr val="000000"/>
+              </a:buClr>
+              <a:buSzPct val="45000"/>
+              <a:buFont typeface="Wingdings" charset="2"/>
+              <a:buChar char=""/>
+            </a:pPr>
+            <a:r>
+              <a:rPr b="1" lang="en-GB" sz="2600" spc="-1" strike="noStrike">
+                <a:solidFill>
+                  <a:srgbClr val="1c1c1c"/>
+                </a:solidFill>
+                <a:latin typeface="Source Sans Pro Semibold"/>
+                <a:ea typeface="DejaVu Sans"/>
+              </a:rPr>
+              <a:t>diff / sdiff</a:t>
+            </a:r>
+            <a:endParaRPr b="0" lang="en-GB" sz="2600" spc="-1" strike="noStrike">
+              <a:latin typeface="Arial"/>
+            </a:endParaRPr>
+          </a:p>
+          <a:p>
+            <a:pPr marL="216000" indent="-216000">
+              <a:buClr>
+                <a:srgbClr val="000000"/>
+              </a:buClr>
+              <a:buSzPct val="45000"/>
+              <a:buFont typeface="Wingdings" charset="2"/>
+              <a:buChar char=""/>
+            </a:pPr>
+            <a:endParaRPr b="0" lang="en-GB" sz="2600" spc="-1" strike="noStrike">
+              <a:latin typeface="Arial"/>
+            </a:endParaRPr>
+          </a:p>
+          <a:p>
+            <a:pPr marL="216000" indent="-216000">
+              <a:buClr>
+                <a:srgbClr val="000000"/>
+              </a:buClr>
+              <a:buSzPct val="45000"/>
+              <a:buFont typeface="Wingdings" charset="2"/>
+              <a:buChar char=""/>
+            </a:pPr>
+            <a:r>
+              <a:rPr b="1" lang="en-GB" sz="2600" spc="-1" strike="noStrike">
+                <a:solidFill>
+                  <a:srgbClr val="1c1c1c"/>
+                </a:solidFill>
+                <a:latin typeface="Source Sans Pro Semibold"/>
+                <a:ea typeface="DejaVu Sans"/>
+              </a:rPr>
+              <a:t>Readline</a:t>
+            </a:r>
+            <a:endParaRPr b="0" lang="en-GB" sz="2600" spc="-1" strike="noStrike">
+              <a:latin typeface="Arial"/>
+            </a:endParaRPr>
+          </a:p>
+          <a:p>
+            <a:endParaRPr b="0" lang="en-GB" sz="2600" spc="-1" strike="noStrike">
+              <a:latin typeface="Arial"/>
+            </a:endParaRPr>
+          </a:p>
+        </p:txBody>
+      </p:sp>
+    </p:spTree>
+  </p:cSld>
+  <mc:AlternateContent>
+    <mc:Choice Requires="p14">
+      <p:transition spd="slow" p14:dur="2000"/>
+    </mc:Choice>
+    <mc:Fallback>
+      <p:transition spd="slow"/>
+    </mc:Fallback>
+  </mc:AlternateContent>
+</p:sld>
+</file>
+
+<file path=ppt/slides/slide16.xml><?xml version="1.0" encoding="utf-8"?>
+<p:sld xmlns:a="http://schemas.openxmlformats.org/drawingml/2006/main" xmlns:p="http://schemas.openxmlformats.org/presentationml/2006/main" xmlns:r="http://schemas.openxmlformats.org/officeDocument/2006/relationships" xmlns:p14="http://schemas.microsoft.com/office/powerpoint/2010/main" xmlns:p15="http://schemas.microsoft.com/office/powerpoint/2012/main" xmlns:mc="http://schemas.openxmlformats.org/markup-compatibility/2006">
+  <p:cSld>
+    <p:spTree>
+      <p:nvGrpSpPr>
+        <p:cNvPr id="1" name=""/>
+        <p:cNvGrpSpPr/>
+        <p:nvPr/>
+      </p:nvGrpSpPr>
+      <p:grpSpPr>
+        <a:xfrm>
+          <a:off x="0" y="0"/>
+          <a:ext cx="0" cy="0"/>
+          <a:chOff x="0" y="0"/>
+          <a:chExt cx="0" cy="0"/>
+        </a:xfrm>
+      </p:grpSpPr>
+      <p:sp>
+        <p:nvSpPr>
+          <p:cNvPr id="116" name="CustomShape 1"/>
+          <p:cNvSpPr/>
+          <p:nvPr/>
+        </p:nvSpPr>
+        <p:spPr>
+          <a:xfrm>
+            <a:off x="360000" y="360000"/>
+            <a:ext cx="9357840" cy="897840"/>
+          </a:xfrm>
+          <a:prstGeom prst="rect">
+            <a:avLst/>
+          </a:prstGeom>
+          <a:noFill/>
+          <a:ln>
+            <a:noFill/>
+          </a:ln>
+        </p:spPr>
+        <p:style>
+          <a:lnRef idx="0"/>
+          <a:fillRef idx="0"/>
+          <a:effectRef idx="0"/>
+          <a:fontRef idx="minor"/>
+        </p:style>
+        <p:txBody>
+          <a:bodyPr lIns="0" rIns="0" tIns="0" bIns="0" anchor="b">
+            <a:noAutofit/>
+          </a:bodyPr>
+          <a:p>
+            <a:pPr>
+              <a:lnSpc>
+                <a:spcPct val="100000"/>
+              </a:lnSpc>
+            </a:pPr>
+            <a:r>
+              <a:rPr b="1" lang="en-GB" sz="3200" spc="-1" strike="noStrike">
+                <a:solidFill>
+                  <a:srgbClr val="ffffff"/>
+                </a:solidFill>
+                <a:latin typeface="Source Sans Pro Black"/>
+                <a:ea typeface="DejaVu Sans"/>
+              </a:rPr>
+              <a:t>Part II – Exercise / Break </a:t>
+            </a:r>
+            <a:endParaRPr b="0" lang="en-GB" sz="3200" spc="-1" strike="noStrike">
+              <a:latin typeface="Arial"/>
+            </a:endParaRPr>
+          </a:p>
+        </p:txBody>
+      </p:sp>
+      <p:sp>
+        <p:nvSpPr>
+          <p:cNvPr id="117" name="CustomShape 2"/>
+          <p:cNvSpPr/>
+          <p:nvPr/>
+        </p:nvSpPr>
+        <p:spPr>
+          <a:xfrm>
+            <a:off x="360000" y="1980000"/>
+            <a:ext cx="9177840" cy="4677840"/>
+          </a:xfrm>
+          <a:prstGeom prst="rect">
+            <a:avLst/>
+          </a:prstGeom>
+          <a:noFill/>
+          <a:ln>
+            <a:noFill/>
+          </a:ln>
+        </p:spPr>
+        <p:style>
+          <a:lnRef idx="0"/>
+          <a:fillRef idx="0"/>
+          <a:effectRef idx="0"/>
+          <a:fontRef idx="minor"/>
+        </p:style>
+        <p:txBody>
+          <a:bodyPr lIns="0" rIns="0" tIns="0" bIns="0">
+            <a:noAutofit/>
+          </a:bodyPr>
+          <a:p>
+            <a:pPr>
+              <a:lnSpc>
+                <a:spcPct val="100000"/>
+              </a:lnSpc>
+            </a:pPr>
+            <a:endParaRPr b="0" lang="en-GB" sz="1800" spc="-1" strike="noStrike">
+              <a:latin typeface="Arial"/>
+            </a:endParaRPr>
+          </a:p>
+          <a:p>
+            <a:pPr>
+              <a:lnSpc>
+                <a:spcPct val="100000"/>
+              </a:lnSpc>
+            </a:pPr>
+            <a:endParaRPr b="0" lang="en-GB" sz="1800" spc="-1" strike="noStrike">
+              <a:latin typeface="Arial"/>
+            </a:endParaRPr>
+          </a:p>
+        </p:txBody>
+      </p:sp>
+    </p:spTree>
+  </p:cSld>
+  <mc:AlternateContent>
+    <mc:Choice Requires="p14">
+      <p:transition spd="slow" p14:dur="2000"/>
+    </mc:Choice>
+    <mc:Fallback>
+      <p:transition spd="slow"/>
+    </mc:Fallback>
+  </mc:AlternateContent>
+</p:sld>
+</file>
+
+<file path=ppt/slides/slide17.xml><?xml version="1.0" encoding="utf-8"?>
+<p:sld xmlns:a="http://schemas.openxmlformats.org/drawingml/2006/main" xmlns:p="http://schemas.openxmlformats.org/presentationml/2006/main" xmlns:r="http://schemas.openxmlformats.org/officeDocument/2006/relationships" xmlns:p14="http://schemas.microsoft.com/office/powerpoint/2010/main" xmlns:p15="http://schemas.microsoft.com/office/powerpoint/2012/main" xmlns:mc="http://schemas.openxmlformats.org/markup-compatibility/2006">
+  <p:cSld>
+    <p:spTree>
+      <p:nvGrpSpPr>
+        <p:cNvPr id="1" name=""/>
+        <p:cNvGrpSpPr/>
+        <p:nvPr/>
+      </p:nvGrpSpPr>
+      <p:grpSpPr>
+        <a:xfrm>
+          <a:off x="0" y="0"/>
+          <a:ext cx="0" cy="0"/>
+          <a:chOff x="0" y="0"/>
+          <a:chExt cx="0" cy="0"/>
+        </a:xfrm>
+      </p:grpSpPr>
+      <p:sp>
+        <p:nvSpPr>
+          <p:cNvPr id="118" name="CustomShape 1"/>
+          <p:cNvSpPr/>
+          <p:nvPr/>
+        </p:nvSpPr>
+        <p:spPr>
+          <a:xfrm>
+            <a:off x="360000" y="360000"/>
+            <a:ext cx="9357840" cy="897840"/>
+          </a:xfrm>
+          <a:prstGeom prst="rect">
+            <a:avLst/>
+          </a:prstGeom>
+          <a:noFill/>
+          <a:ln>
+            <a:noFill/>
+          </a:ln>
+        </p:spPr>
+        <p:style>
+          <a:lnRef idx="0"/>
+          <a:fillRef idx="0"/>
+          <a:effectRef idx="0"/>
+          <a:fontRef idx="minor"/>
+        </p:style>
+        <p:txBody>
+          <a:bodyPr lIns="0" rIns="0" tIns="0" bIns="0" anchor="b">
+            <a:noAutofit/>
+          </a:bodyPr>
+          <a:p>
+            <a:pPr>
+              <a:lnSpc>
+                <a:spcPct val="100000"/>
+              </a:lnSpc>
+            </a:pPr>
+            <a:r>
+              <a:rPr b="1" lang="en-GB" sz="3200" spc="-1" strike="noStrike">
+                <a:solidFill>
+                  <a:srgbClr val="ffffff"/>
+                </a:solidFill>
+                <a:latin typeface="Source Sans Pro Black"/>
+                <a:ea typeface="DejaVu Sans"/>
+              </a:rPr>
+              <a:t>Part III – Networking and System</a:t>
+            </a:r>
+            <a:endParaRPr b="0" lang="en-GB" sz="3200" spc="-1" strike="noStrike">
+              <a:latin typeface="Arial"/>
+            </a:endParaRPr>
+          </a:p>
+        </p:txBody>
+      </p:sp>
+      <p:sp>
+        <p:nvSpPr>
+          <p:cNvPr id="119" name="CustomShape 2"/>
+          <p:cNvSpPr/>
+          <p:nvPr/>
+        </p:nvSpPr>
+        <p:spPr>
+          <a:xfrm>
+            <a:off x="360000" y="1980000"/>
+            <a:ext cx="9177840" cy="4677840"/>
+          </a:xfrm>
+          <a:prstGeom prst="rect">
+            <a:avLst/>
+          </a:prstGeom>
+          <a:noFill/>
+          <a:ln>
+            <a:noFill/>
+          </a:ln>
+        </p:spPr>
+        <p:style>
+          <a:lnRef idx="0"/>
+          <a:fillRef idx="0"/>
+          <a:effectRef idx="0"/>
+          <a:fontRef idx="minor"/>
+        </p:style>
+        <p:txBody>
+          <a:bodyPr lIns="0" rIns="0" tIns="0" bIns="0">
+            <a:noAutofit/>
+          </a:bodyPr>
+          <a:p>
+            <a:pPr>
+              <a:lnSpc>
+                <a:spcPct val="100000"/>
+              </a:lnSpc>
+            </a:pPr>
+            <a:endParaRPr b="0" lang="en-GB" sz="1800" spc="-1" strike="noStrike">
+              <a:latin typeface="Arial"/>
+            </a:endParaRPr>
+          </a:p>
+          <a:p>
+            <a:pPr>
+              <a:lnSpc>
+                <a:spcPct val="100000"/>
+              </a:lnSpc>
+            </a:pPr>
+            <a:endParaRPr b="0" lang="en-GB" sz="1800" spc="-1" strike="noStrike">
+              <a:latin typeface="Arial"/>
+            </a:endParaRPr>
+          </a:p>
+        </p:txBody>
+      </p:sp>
+      <p:sp>
+        <p:nvSpPr>
+          <p:cNvPr id="120" name="TextShape 3"/>
+          <p:cNvSpPr txBox="1"/>
+          <p:nvPr/>
+        </p:nvSpPr>
+        <p:spPr>
+          <a:xfrm>
+            <a:off x="432000" y="1866240"/>
+            <a:ext cx="8814240" cy="4541760"/>
+          </a:xfrm>
+          <a:prstGeom prst="rect">
+            <a:avLst/>
+          </a:prstGeom>
+          <a:noFill/>
+          <a:ln>
+            <a:noFill/>
+          </a:ln>
+        </p:spPr>
+        <p:txBody>
+          <a:bodyPr lIns="90000" rIns="90000" tIns="45000" bIns="45000">
+            <a:noAutofit/>
+          </a:bodyPr>
+          <a:p>
+            <a:pPr marL="216000" indent="-216000">
+              <a:buClr>
+                <a:srgbClr val="000000"/>
+              </a:buClr>
+              <a:buSzPct val="45000"/>
+              <a:buFont typeface="Wingdings" charset="2"/>
+              <a:buChar char=""/>
+            </a:pPr>
+            <a:r>
+              <a:rPr b="1" lang="en-GB" sz="2600" spc="-1" strike="noStrike">
+                <a:solidFill>
+                  <a:srgbClr val="1c1c1c"/>
+                </a:solidFill>
+                <a:latin typeface="Source Sans Pro Semibold"/>
+                <a:ea typeface="DejaVu Sans"/>
+              </a:rPr>
+              <a:t>Networking:</a:t>
+            </a:r>
+            <a:endParaRPr b="0" lang="en-GB" sz="2600" spc="-1" strike="noStrike">
+              <a:latin typeface="Arial"/>
+            </a:endParaRPr>
+          </a:p>
+          <a:p>
+            <a:pPr marL="216000" indent="-216000">
+              <a:buClr>
+                <a:srgbClr val="000000"/>
+              </a:buClr>
+              <a:buSzPct val="45000"/>
+              <a:buFont typeface="Wingdings" charset="2"/>
+              <a:buChar char=""/>
+            </a:pPr>
+            <a:endParaRPr b="0" lang="en-GB" sz="2600" spc="-1" strike="noStrike">
+              <a:latin typeface="Arial"/>
+            </a:endParaRPr>
+          </a:p>
+          <a:p>
+            <a:pPr lvl="1" marL="432000" indent="-216000">
+              <a:buClr>
+                <a:srgbClr val="000000"/>
+              </a:buClr>
+              <a:buSzPct val="45000"/>
+              <a:buFont typeface="Wingdings" charset="2"/>
+              <a:buChar char=""/>
+            </a:pPr>
+            <a:r>
+              <a:rPr b="1" lang="en-GB" sz="2600" spc="-1" strike="noStrike">
+                <a:solidFill>
+                  <a:srgbClr val="1c1c1c"/>
+                </a:solidFill>
+                <a:latin typeface="Source Sans Pro Semibold"/>
+                <a:ea typeface="DejaVu Sans"/>
+              </a:rPr>
+              <a:t>wget vs curl</a:t>
+            </a:r>
+            <a:endParaRPr b="0" lang="en-GB" sz="2600" spc="-1" strike="noStrike">
+              <a:latin typeface="Arial"/>
+            </a:endParaRPr>
+          </a:p>
+          <a:p>
+            <a:pPr lvl="1" marL="432000" indent="-216000">
+              <a:buClr>
+                <a:srgbClr val="000000"/>
+              </a:buClr>
+              <a:buSzPct val="45000"/>
+              <a:buFont typeface="Wingdings" charset="2"/>
+              <a:buChar char=""/>
+            </a:pPr>
+            <a:r>
+              <a:rPr b="1" lang="en-GB" sz="2600" spc="-1" strike="noStrike">
+                <a:solidFill>
+                  <a:srgbClr val="1c1c1c"/>
+                </a:solidFill>
+                <a:latin typeface="Source Sans Pro Semibold"/>
+                <a:ea typeface="DejaVu Sans"/>
+              </a:rPr>
+              <a:t>nc</a:t>
+            </a:r>
+            <a:endParaRPr b="0" lang="en-GB" sz="2600" spc="-1" strike="noStrike">
+              <a:latin typeface="Arial"/>
+            </a:endParaRPr>
+          </a:p>
+          <a:p>
+            <a:pPr lvl="1" marL="432000" indent="-216000">
+              <a:buClr>
+                <a:srgbClr val="000000"/>
+              </a:buClr>
+              <a:buSzPct val="45000"/>
+              <a:buFont typeface="Wingdings" charset="2"/>
+              <a:buChar char=""/>
+            </a:pPr>
+            <a:r>
+              <a:rPr b="1" lang="en-GB" sz="2600" spc="-1" strike="noStrike">
+                <a:solidFill>
+                  <a:srgbClr val="1c1c1c"/>
+                </a:solidFill>
+                <a:latin typeface="Source Sans Pro Semibold"/>
+                <a:ea typeface="DejaVu Sans"/>
+              </a:rPr>
+              <a:t>ip</a:t>
+            </a:r>
+            <a:endParaRPr b="0" lang="en-GB" sz="2600" spc="-1" strike="noStrike">
+              <a:latin typeface="Arial"/>
+            </a:endParaRPr>
+          </a:p>
+          <a:p>
+            <a:pPr lvl="1" marL="432000" indent="-216000">
+              <a:buClr>
+                <a:srgbClr val="000000"/>
+              </a:buClr>
+              <a:buSzPct val="45000"/>
+              <a:buFont typeface="Wingdings" charset="2"/>
+              <a:buChar char=""/>
+            </a:pPr>
+            <a:r>
+              <a:rPr b="1" lang="en-GB" sz="2600" spc="-1" strike="noStrike">
+                <a:solidFill>
+                  <a:srgbClr val="1c1c1c"/>
+                </a:solidFill>
+                <a:latin typeface="Source Sans Pro Semibold"/>
+                <a:ea typeface="DejaVu Sans"/>
+              </a:rPr>
+              <a:t>dig</a:t>
+            </a:r>
+            <a:endParaRPr b="0" lang="en-GB" sz="2600" spc="-1" strike="noStrike">
+              <a:latin typeface="Arial"/>
+            </a:endParaRPr>
+          </a:p>
+          <a:p>
+            <a:pPr lvl="1" marL="432000" indent="-216000">
+              <a:buClr>
+                <a:srgbClr val="000000"/>
+              </a:buClr>
+              <a:buSzPct val="45000"/>
+              <a:buFont typeface="Wingdings" charset="2"/>
+              <a:buChar char=""/>
+            </a:pPr>
+            <a:r>
+              <a:rPr b="1" lang="en-GB" sz="2600" spc="-1" strike="noStrike">
+                <a:solidFill>
+                  <a:srgbClr val="1c1c1c"/>
+                </a:solidFill>
+                <a:latin typeface="Source Sans Pro Semibold"/>
+                <a:ea typeface="DejaVu Sans"/>
+              </a:rPr>
+              <a:t>ping</a:t>
+            </a:r>
+            <a:endParaRPr b="0" lang="en-GB" sz="2600" spc="-1" strike="noStrike">
+              <a:latin typeface="Arial"/>
+            </a:endParaRPr>
+          </a:p>
+          <a:p>
+            <a:endParaRPr b="0" lang="en-GB" sz="2600" spc="-1" strike="noStrike">
+              <a:latin typeface="Arial"/>
+            </a:endParaRPr>
+          </a:p>
+        </p:txBody>
+      </p:sp>
+    </p:spTree>
+  </p:cSld>
+  <mc:AlternateContent>
+    <mc:Choice Requires="p14">
+      <p:transition spd="slow" p14:dur="2000"/>
+    </mc:Choice>
+    <mc:Fallback>
+      <p:transition spd="slow"/>
+    </mc:Fallback>
+  </mc:AlternateContent>
+</p:sld>
+</file>
+
+<file path=ppt/slides/slide18.xml><?xml version="1.0" encoding="utf-8"?>
+<p:sld xmlns:a="http://schemas.openxmlformats.org/drawingml/2006/main" xmlns:p="http://schemas.openxmlformats.org/presentationml/2006/main" xmlns:r="http://schemas.openxmlformats.org/officeDocument/2006/relationships" xmlns:p14="http://schemas.microsoft.com/office/powerpoint/2010/main" xmlns:p15="http://schemas.microsoft.com/office/powerpoint/2012/main" xmlns:mc="http://schemas.openxmlformats.org/markup-compatibility/2006">
+  <p:cSld>
+    <p:spTree>
+      <p:nvGrpSpPr>
+        <p:cNvPr id="1" name=""/>
+        <p:cNvGrpSpPr/>
+        <p:nvPr/>
+      </p:nvGrpSpPr>
+      <p:grpSpPr>
+        <a:xfrm>
+          <a:off x="0" y="0"/>
+          <a:ext cx="0" cy="0"/>
+          <a:chOff x="0" y="0"/>
+          <a:chExt cx="0" cy="0"/>
+        </a:xfrm>
+      </p:grpSpPr>
+      <p:sp>
+        <p:nvSpPr>
+          <p:cNvPr id="121" name="CustomShape 1"/>
+          <p:cNvSpPr/>
+          <p:nvPr/>
+        </p:nvSpPr>
+        <p:spPr>
+          <a:xfrm>
+            <a:off x="360000" y="360000"/>
+            <a:ext cx="9357840" cy="897840"/>
+          </a:xfrm>
+          <a:prstGeom prst="rect">
+            <a:avLst/>
+          </a:prstGeom>
+          <a:noFill/>
+          <a:ln>
+            <a:noFill/>
+          </a:ln>
+        </p:spPr>
+        <p:style>
+          <a:lnRef idx="0"/>
+          <a:fillRef idx="0"/>
+          <a:effectRef idx="0"/>
+          <a:fontRef idx="minor"/>
+        </p:style>
+        <p:txBody>
+          <a:bodyPr lIns="0" rIns="0" tIns="0" bIns="0" anchor="b">
+            <a:noAutofit/>
+          </a:bodyPr>
+          <a:p>
+            <a:pPr>
+              <a:lnSpc>
+                <a:spcPct val="100000"/>
+              </a:lnSpc>
+            </a:pPr>
+            <a:r>
+              <a:rPr b="1" lang="en-GB" sz="3200" spc="-1" strike="noStrike">
+                <a:solidFill>
+                  <a:srgbClr val="ffffff"/>
+                </a:solidFill>
+                <a:latin typeface="Source Sans Pro Black"/>
+                <a:ea typeface="DejaVu Sans"/>
+              </a:rPr>
+              <a:t>Part III – Networking and System</a:t>
+            </a:r>
+            <a:endParaRPr b="0" lang="en-GB" sz="3200" spc="-1" strike="noStrike">
+              <a:latin typeface="Arial"/>
+            </a:endParaRPr>
+          </a:p>
+        </p:txBody>
+      </p:sp>
+      <p:sp>
+        <p:nvSpPr>
+          <p:cNvPr id="122" name="CustomShape 2"/>
+          <p:cNvSpPr/>
+          <p:nvPr/>
+        </p:nvSpPr>
+        <p:spPr>
+          <a:xfrm>
+            <a:off x="360000" y="1980000"/>
+            <a:ext cx="9177840" cy="4677840"/>
+          </a:xfrm>
+          <a:prstGeom prst="rect">
+            <a:avLst/>
+          </a:prstGeom>
+          <a:noFill/>
+          <a:ln>
+            <a:noFill/>
+          </a:ln>
+        </p:spPr>
+        <p:style>
+          <a:lnRef idx="0"/>
+          <a:fillRef idx="0"/>
+          <a:effectRef idx="0"/>
+          <a:fontRef idx="minor"/>
+        </p:style>
+        <p:txBody>
+          <a:bodyPr lIns="0" rIns="0" tIns="0" bIns="0">
+            <a:noAutofit/>
+          </a:bodyPr>
+          <a:p>
+            <a:pPr>
+              <a:lnSpc>
+                <a:spcPct val="100000"/>
+              </a:lnSpc>
+            </a:pPr>
+            <a:endParaRPr b="0" lang="en-GB" sz="1800" spc="-1" strike="noStrike">
+              <a:latin typeface="Arial"/>
+            </a:endParaRPr>
+          </a:p>
+          <a:p>
+            <a:pPr>
+              <a:lnSpc>
+                <a:spcPct val="100000"/>
+              </a:lnSpc>
+            </a:pPr>
+            <a:endParaRPr b="0" lang="en-GB" sz="1800" spc="-1" strike="noStrike">
+              <a:latin typeface="Arial"/>
+            </a:endParaRPr>
+          </a:p>
+        </p:txBody>
+      </p:sp>
+      <p:sp>
+        <p:nvSpPr>
+          <p:cNvPr id="123" name="TextShape 3"/>
+          <p:cNvSpPr txBox="1"/>
+          <p:nvPr/>
+        </p:nvSpPr>
+        <p:spPr>
+          <a:xfrm>
+            <a:off x="432000" y="1866240"/>
+            <a:ext cx="8814240" cy="4541760"/>
+          </a:xfrm>
+          <a:prstGeom prst="rect">
+            <a:avLst/>
+          </a:prstGeom>
+          <a:noFill/>
+          <a:ln>
+            <a:noFill/>
+          </a:ln>
+        </p:spPr>
+        <p:txBody>
+          <a:bodyPr lIns="90000" rIns="90000" tIns="45000" bIns="45000">
+            <a:noAutofit/>
+          </a:bodyPr>
+          <a:p>
+            <a:pPr marL="216000" indent="-216000">
+              <a:buClr>
+                <a:srgbClr val="000000"/>
+              </a:buClr>
+              <a:buSzPct val="45000"/>
+              <a:buFont typeface="Wingdings" charset="2"/>
+              <a:buChar char=""/>
+            </a:pPr>
+            <a:r>
+              <a:rPr b="1" lang="en-GB" sz="2600" spc="-1" strike="noStrike">
+                <a:solidFill>
+                  <a:srgbClr val="1c1c1c"/>
+                </a:solidFill>
+                <a:latin typeface="Source Sans Pro Semibold"/>
+                <a:ea typeface="DejaVu Sans"/>
+              </a:rPr>
+              <a:t>System:</a:t>
+            </a:r>
+            <a:endParaRPr b="0" lang="en-GB" sz="2600" spc="-1" strike="noStrike">
+              <a:latin typeface="Arial"/>
+            </a:endParaRPr>
+          </a:p>
+          <a:p>
+            <a:pPr marL="216000" indent="-216000">
+              <a:buClr>
+                <a:srgbClr val="000000"/>
+              </a:buClr>
+              <a:buSzPct val="45000"/>
+              <a:buFont typeface="Wingdings" charset="2"/>
+              <a:buChar char=""/>
+            </a:pPr>
+            <a:endParaRPr b="0" lang="en-GB" sz="2600" spc="-1" strike="noStrike">
+              <a:latin typeface="Arial"/>
+            </a:endParaRPr>
+          </a:p>
+          <a:p>
+            <a:pPr lvl="1" marL="432000" indent="-216000">
+              <a:buClr>
+                <a:srgbClr val="000000"/>
+              </a:buClr>
+              <a:buSzPct val="45000"/>
+              <a:buFont typeface="Wingdings" charset="2"/>
+              <a:buChar char=""/>
+            </a:pPr>
+            <a:r>
+              <a:rPr b="1" lang="en-GB" sz="2600" spc="-1" strike="noStrike">
+                <a:solidFill>
+                  <a:srgbClr val="1c1c1c"/>
+                </a:solidFill>
+                <a:latin typeface="Source Sans Pro Semibold"/>
+                <a:ea typeface="DejaVu Sans"/>
+              </a:rPr>
+              <a:t>systemctl</a:t>
+            </a:r>
+            <a:endParaRPr b="0" lang="en-GB" sz="2600" spc="-1" strike="noStrike">
+              <a:latin typeface="Arial"/>
+            </a:endParaRPr>
+          </a:p>
+          <a:p>
+            <a:pPr lvl="1" marL="432000" indent="-216000">
+              <a:buClr>
+                <a:srgbClr val="000000"/>
+              </a:buClr>
+              <a:buSzPct val="45000"/>
+              <a:buFont typeface="Wingdings" charset="2"/>
+              <a:buChar char=""/>
+            </a:pPr>
+            <a:r>
+              <a:rPr b="1" lang="en-GB" sz="2600" spc="-1" strike="noStrike">
+                <a:solidFill>
+                  <a:srgbClr val="1c1c1c"/>
+                </a:solidFill>
+                <a:latin typeface="Source Sans Pro Semibold"/>
+                <a:ea typeface="DejaVu Sans"/>
+              </a:rPr>
+              <a:t>top</a:t>
+            </a:r>
+            <a:endParaRPr b="0" lang="en-GB" sz="2600" spc="-1" strike="noStrike">
+              <a:latin typeface="Arial"/>
+            </a:endParaRPr>
+          </a:p>
+          <a:p>
+            <a:pPr lvl="1" marL="432000" indent="-216000">
+              <a:buClr>
+                <a:srgbClr val="000000"/>
+              </a:buClr>
+              <a:buSzPct val="45000"/>
+              <a:buFont typeface="Wingdings" charset="2"/>
+              <a:buChar char=""/>
+            </a:pPr>
+            <a:r>
+              <a:rPr b="1" lang="en-GB" sz="2600" spc="-1" strike="noStrike">
+                <a:solidFill>
+                  <a:srgbClr val="1c1c1c"/>
+                </a:solidFill>
+                <a:latin typeface="Source Sans Pro Semibold"/>
+                <a:ea typeface="DejaVu Sans"/>
+              </a:rPr>
+              <a:t>ps</a:t>
+            </a:r>
+            <a:endParaRPr b="0" lang="en-GB" sz="2600" spc="-1" strike="noStrike">
+              <a:latin typeface="Arial"/>
+            </a:endParaRPr>
+          </a:p>
+          <a:p>
+            <a:pPr lvl="1" marL="432000" indent="-216000">
+              <a:buClr>
+                <a:srgbClr val="000000"/>
+              </a:buClr>
+              <a:buSzPct val="45000"/>
+              <a:buFont typeface="Wingdings" charset="2"/>
+              <a:buChar char=""/>
+            </a:pPr>
+            <a:r>
+              <a:rPr b="1" lang="en-GB" sz="2600" spc="-1" strike="noStrike">
+                <a:solidFill>
+                  <a:srgbClr val="1c1c1c"/>
+                </a:solidFill>
+                <a:latin typeface="Source Sans Pro Semibold"/>
+                <a:ea typeface="DejaVu Sans"/>
+              </a:rPr>
+              <a:t>kill</a:t>
+            </a:r>
+            <a:endParaRPr b="0" lang="en-GB" sz="2600" spc="-1" strike="noStrike">
+              <a:latin typeface="Arial"/>
+            </a:endParaRPr>
+          </a:p>
+          <a:p>
+            <a:pPr lvl="1" marL="432000" indent="-216000">
+              <a:buClr>
+                <a:srgbClr val="000000"/>
+              </a:buClr>
+              <a:buSzPct val="45000"/>
+              <a:buFont typeface="Wingdings" charset="2"/>
+              <a:buChar char=""/>
+            </a:pPr>
+            <a:r>
+              <a:rPr b="1" lang="en-GB" sz="2600" spc="-1" strike="noStrike">
+                <a:solidFill>
+                  <a:srgbClr val="1c1c1c"/>
+                </a:solidFill>
+                <a:latin typeface="Source Sans Pro Semibold"/>
+                <a:ea typeface="DejaVu Sans"/>
+              </a:rPr>
+              <a:t>lsof</a:t>
+            </a:r>
+            <a:endParaRPr b="0" lang="en-GB" sz="2600" spc="-1" strike="noStrike">
+              <a:latin typeface="Arial"/>
+            </a:endParaRPr>
+          </a:p>
+          <a:p>
+            <a:pPr lvl="1" marL="432000" indent="-216000">
+              <a:buClr>
+                <a:srgbClr val="000000"/>
+              </a:buClr>
+              <a:buSzPct val="45000"/>
+              <a:buFont typeface="Wingdings" charset="2"/>
+              <a:buChar char=""/>
+            </a:pPr>
+            <a:r>
+              <a:rPr b="1" lang="en-GB" sz="2600" spc="-1" strike="noStrike">
+                <a:solidFill>
+                  <a:srgbClr val="1c1c1c"/>
+                </a:solidFill>
+                <a:latin typeface="Source Sans Pro Semibold"/>
+                <a:ea typeface="DejaVu Sans"/>
+              </a:rPr>
+              <a:t>free</a:t>
+            </a:r>
+            <a:endParaRPr b="0" lang="en-GB" sz="2600" spc="-1" strike="noStrike">
+              <a:latin typeface="Arial"/>
+            </a:endParaRPr>
+          </a:p>
+          <a:p>
+            <a:pPr lvl="1" marL="432000" indent="-216000">
+              <a:buClr>
+                <a:srgbClr val="000000"/>
+              </a:buClr>
+              <a:buSzPct val="45000"/>
+              <a:buFont typeface="Wingdings" charset="2"/>
+              <a:buChar char=""/>
+            </a:pPr>
+            <a:r>
+              <a:rPr b="1" lang="en-GB" sz="2600" spc="-1" strike="noStrike">
+                <a:solidFill>
+                  <a:srgbClr val="1c1c1c"/>
+                </a:solidFill>
+                <a:latin typeface="Source Sans Pro Semibold"/>
+                <a:ea typeface="DejaVu Sans"/>
+              </a:rPr>
+              <a:t>strace</a:t>
+            </a:r>
+            <a:endParaRPr b="0" lang="en-GB" sz="2600" spc="-1" strike="noStrike">
+              <a:latin typeface="Arial"/>
+            </a:endParaRPr>
+          </a:p>
+          <a:p>
+            <a:endParaRPr b="0" lang="en-GB" sz="2600" spc="-1" strike="noStrike">
+              <a:latin typeface="Arial"/>
+            </a:endParaRPr>
+          </a:p>
+        </p:txBody>
+      </p:sp>
+    </p:spTree>
+  </p:cSld>
+  <mc:AlternateContent>
+    <mc:Choice Requires="p14">
+      <p:transition spd="slow" p14:dur="2000"/>
+    </mc:Choice>
+    <mc:Fallback>
+      <p:transition spd="slow"/>
+    </mc:Fallback>
+  </mc:AlternateContent>
+</p:sld>
+</file>
+
+<file path=ppt/slides/slide19.xml><?xml version="1.0" encoding="utf-8"?>
+<p:sld xmlns:a="http://schemas.openxmlformats.org/drawingml/2006/main" xmlns:p="http://schemas.openxmlformats.org/presentationml/2006/main" xmlns:r="http://schemas.openxmlformats.org/officeDocument/2006/relationships" xmlns:p14="http://schemas.microsoft.com/office/powerpoint/2010/main" xmlns:p15="http://schemas.microsoft.com/office/powerpoint/2012/main" xmlns:mc="http://schemas.openxmlformats.org/markup-compatibility/2006">
+  <p:cSld>
+    <p:spTree>
+      <p:nvGrpSpPr>
+        <p:cNvPr id="1" name=""/>
+        <p:cNvGrpSpPr/>
+        <p:nvPr/>
+      </p:nvGrpSpPr>
+      <p:grpSpPr>
+        <a:xfrm>
+          <a:off x="0" y="0"/>
+          <a:ext cx="0" cy="0"/>
+          <a:chOff x="0" y="0"/>
+          <a:chExt cx="0" cy="0"/>
+        </a:xfrm>
+      </p:grpSpPr>
+      <p:sp>
+        <p:nvSpPr>
+          <p:cNvPr id="124" name="CustomShape 1"/>
+          <p:cNvSpPr/>
+          <p:nvPr/>
+        </p:nvSpPr>
+        <p:spPr>
+          <a:xfrm>
+            <a:off x="360000" y="360000"/>
+            <a:ext cx="9357840" cy="897840"/>
+          </a:xfrm>
+          <a:prstGeom prst="rect">
+            <a:avLst/>
+          </a:prstGeom>
+          <a:noFill/>
+          <a:ln>
+            <a:noFill/>
+          </a:ln>
+        </p:spPr>
+        <p:style>
+          <a:lnRef idx="0"/>
+          <a:fillRef idx="0"/>
+          <a:effectRef idx="0"/>
+          <a:fontRef idx="minor"/>
+        </p:style>
+        <p:txBody>
+          <a:bodyPr lIns="0" rIns="0" tIns="0" bIns="0" anchor="b">
+            <a:noAutofit/>
+          </a:bodyPr>
+          <a:p>
+            <a:pPr>
+              <a:lnSpc>
+                <a:spcPct val="100000"/>
+              </a:lnSpc>
+            </a:pPr>
+            <a:r>
+              <a:rPr b="1" lang="en-GB" sz="3200" spc="-1" strike="noStrike">
+                <a:solidFill>
+                  <a:srgbClr val="ffffff"/>
+                </a:solidFill>
+                <a:latin typeface="Source Sans Pro Black"/>
+                <a:ea typeface="DejaVu Sans"/>
+              </a:rPr>
+              <a:t>Wrapup Q&amp;A</a:t>
+            </a:r>
+            <a:endParaRPr b="0" lang="en-GB" sz="3200" spc="-1" strike="noStrike">
+              <a:latin typeface="Arial"/>
+            </a:endParaRPr>
+          </a:p>
+        </p:txBody>
+      </p:sp>
+      <p:sp>
+        <p:nvSpPr>
+          <p:cNvPr id="125" name="CustomShape 2"/>
+          <p:cNvSpPr/>
+          <p:nvPr/>
+        </p:nvSpPr>
+        <p:spPr>
+          <a:xfrm>
+            <a:off x="360000" y="1980000"/>
+            <a:ext cx="9177840" cy="4677840"/>
+          </a:xfrm>
+          <a:prstGeom prst="rect">
+            <a:avLst/>
+          </a:prstGeom>
+          <a:noFill/>
+          <a:ln>
+            <a:noFill/>
+          </a:ln>
+        </p:spPr>
+        <p:style>
+          <a:lnRef idx="0"/>
+          <a:fillRef idx="0"/>
+          <a:effectRef idx="0"/>
+          <a:fontRef idx="minor"/>
+        </p:style>
+        <p:txBody>
+          <a:bodyPr lIns="0" rIns="0" tIns="0" bIns="0">
+            <a:noAutofit/>
+          </a:bodyPr>
+          <a:p>
+            <a:pPr>
+              <a:lnSpc>
+                <a:spcPct val="100000"/>
+              </a:lnSpc>
+            </a:pPr>
+            <a:endParaRPr b="0" lang="en-GB" sz="1800" spc="-1" strike="noStrike">
+              <a:latin typeface="Arial"/>
+            </a:endParaRPr>
+          </a:p>
+          <a:p>
+            <a:pPr>
+              <a:lnSpc>
+                <a:spcPct val="100000"/>
+              </a:lnSpc>
+            </a:pPr>
+            <a:endParaRPr b="0" lang="en-GB" sz="1800" spc="-1" strike="noStrike">
+              <a:latin typeface="Arial"/>
+            </a:endParaRPr>
+          </a:p>
+        </p:txBody>
+      </p:sp>
+      <p:sp>
+        <p:nvSpPr>
+          <p:cNvPr id="126" name="TextShape 3"/>
+          <p:cNvSpPr txBox="1"/>
+          <p:nvPr/>
+        </p:nvSpPr>
+        <p:spPr>
+          <a:xfrm>
+            <a:off x="432000" y="1866240"/>
+            <a:ext cx="8814240" cy="4541760"/>
+          </a:xfrm>
+          <a:prstGeom prst="rect">
+            <a:avLst/>
+          </a:prstGeom>
+          <a:noFill/>
+          <a:ln>
+            <a:noFill/>
+          </a:ln>
+        </p:spPr>
+        <p:txBody>
+          <a:bodyPr lIns="90000" rIns="90000" tIns="45000" bIns="45000">
+            <a:noAutofit/>
+          </a:bodyPr>
+          <a:p>
+            <a:pPr marL="216000" indent="-216000">
+              <a:buClr>
+                <a:srgbClr val="000000"/>
+              </a:buClr>
+              <a:buSzPct val="45000"/>
+              <a:buFont typeface="Wingdings" charset="2"/>
+              <a:buChar char=""/>
+            </a:pPr>
+            <a:endParaRPr b="0" lang="en-GB" sz="1800" spc="-1" strike="noStrike">
+              <a:latin typeface="Arial"/>
+            </a:endParaRPr>
+          </a:p>
+          <a:p>
+            <a:endParaRPr b="0" lang="en-GB" sz="1800" spc="-1" strike="noStrike">
+              <a:latin typeface="Arial"/>
+            </a:endParaRPr>
+          </a:p>
+        </p:txBody>
+      </p:sp>
     </p:spTree>
   </p:cSld>
   <mc:AlternateContent>
@@ -4156,7 +6257,7 @@
         <p:spPr>
           <a:xfrm>
             <a:off x="360000" y="360000"/>
-            <a:ext cx="9358200" cy="898200"/>
+            <a:ext cx="9357840" cy="897840"/>
           </a:xfrm>
           <a:prstGeom prst="rect">
             <a:avLst/>
@@ -4207,7 +6308,7 @@
         <p:spPr>
           <a:xfrm>
             <a:off x="360000" y="1440000"/>
-            <a:ext cx="9178200" cy="5255640"/>
+            <a:ext cx="9177840" cy="5255280"/>
           </a:xfrm>
           <a:prstGeom prst="rect">
             <a:avLst/>
@@ -4238,7 +6339,7 @@
             </a:endParaRPr>
           </a:p>
           <a:p>
-            <a:pPr marL="216000" indent="-214200">
+            <a:pPr marL="216000" indent="-213840">
               <a:lnSpc>
                 <a:spcPct val="100000"/>
               </a:lnSpc>
@@ -4264,23 +6365,17 @@
             </a:endParaRPr>
           </a:p>
           <a:p>
-            <a:pPr marL="216000" indent="-214200">
-              <a:lnSpc>
-                <a:spcPct val="100000"/>
-              </a:lnSpc>
-              <a:buClr>
-                <a:srgbClr val="000000"/>
-              </a:buClr>
-              <a:buSzPct val="45000"/>
-              <a:buFont typeface="Wingdings" charset="2"/>
-              <a:buChar char=""/>
-            </a:pPr>
-            <a:endParaRPr b="0" lang="en-GB" sz="2600" spc="-1" strike="noStrike">
-              <a:latin typeface="Arial"/>
-            </a:endParaRPr>
-          </a:p>
-          <a:p>
-            <a:pPr marL="216000" indent="-214200">
+            <a:pPr>
+              <a:lnSpc>
+                <a:spcPct val="100000"/>
+              </a:lnSpc>
+            </a:pPr>
+            <a:endParaRPr b="0" lang="en-GB" sz="2600" spc="-1" strike="noStrike">
+              <a:latin typeface="Arial"/>
+            </a:endParaRPr>
+          </a:p>
+          <a:p>
+            <a:pPr marL="216000" indent="-213840">
               <a:lnSpc>
                 <a:spcPct val="100000"/>
               </a:lnSpc>
@@ -4306,23 +6401,17 @@
             </a:endParaRPr>
           </a:p>
           <a:p>
-            <a:pPr marL="216000" indent="-214200">
-              <a:lnSpc>
-                <a:spcPct val="100000"/>
-              </a:lnSpc>
-              <a:buClr>
-                <a:srgbClr val="000000"/>
-              </a:buClr>
-              <a:buSzPct val="45000"/>
-              <a:buFont typeface="Wingdings" charset="2"/>
-              <a:buChar char=""/>
-            </a:pPr>
-            <a:endParaRPr b="0" lang="en-GB" sz="2600" spc="-1" strike="noStrike">
-              <a:latin typeface="Arial"/>
-            </a:endParaRPr>
-          </a:p>
-          <a:p>
-            <a:pPr marL="216000" indent="-214200">
+            <a:pPr>
+              <a:lnSpc>
+                <a:spcPct val="100000"/>
+              </a:lnSpc>
+            </a:pPr>
+            <a:endParaRPr b="0" lang="en-GB" sz="2600" spc="-1" strike="noStrike">
+              <a:latin typeface="Arial"/>
+            </a:endParaRPr>
+          </a:p>
+          <a:p>
+            <a:pPr marL="216000" indent="-213840">
               <a:lnSpc>
                 <a:spcPct val="100000"/>
               </a:lnSpc>
@@ -4348,23 +6437,17 @@
             </a:endParaRPr>
           </a:p>
           <a:p>
-            <a:pPr marL="216000" indent="-214200">
-              <a:lnSpc>
-                <a:spcPct val="100000"/>
-              </a:lnSpc>
-              <a:buClr>
-                <a:srgbClr val="000000"/>
-              </a:buClr>
-              <a:buSzPct val="45000"/>
-              <a:buFont typeface="Wingdings" charset="2"/>
-              <a:buChar char=""/>
-            </a:pPr>
-            <a:endParaRPr b="0" lang="en-GB" sz="2600" spc="-1" strike="noStrike">
-              <a:latin typeface="Arial"/>
-            </a:endParaRPr>
-          </a:p>
-          <a:p>
-            <a:pPr marL="216000" indent="-214200">
+            <a:pPr>
+              <a:lnSpc>
+                <a:spcPct val="100000"/>
+              </a:lnSpc>
+            </a:pPr>
+            <a:endParaRPr b="0" lang="en-GB" sz="2600" spc="-1" strike="noStrike">
+              <a:latin typeface="Arial"/>
+            </a:endParaRPr>
+          </a:p>
+          <a:p>
+            <a:pPr marL="216000" indent="-213840">
               <a:lnSpc>
                 <a:spcPct val="100000"/>
               </a:lnSpc>
@@ -4390,23 +6473,17 @@
             </a:endParaRPr>
           </a:p>
           <a:p>
-            <a:pPr marL="216000" indent="-214200">
-              <a:lnSpc>
-                <a:spcPct val="100000"/>
-              </a:lnSpc>
-              <a:buClr>
-                <a:srgbClr val="000000"/>
-              </a:buClr>
-              <a:buSzPct val="45000"/>
-              <a:buFont typeface="Wingdings" charset="2"/>
-              <a:buChar char=""/>
-            </a:pPr>
-            <a:endParaRPr b="0" lang="en-GB" sz="2600" spc="-1" strike="noStrike">
-              <a:latin typeface="Arial"/>
-            </a:endParaRPr>
-          </a:p>
-          <a:p>
-            <a:pPr marL="216000" indent="-214200">
+            <a:pPr>
+              <a:lnSpc>
+                <a:spcPct val="100000"/>
+              </a:lnSpc>
+            </a:pPr>
+            <a:endParaRPr b="0" lang="en-GB" sz="2600" spc="-1" strike="noStrike">
+              <a:latin typeface="Arial"/>
+            </a:endParaRPr>
+          </a:p>
+          <a:p>
+            <a:pPr marL="216000" indent="-213840">
               <a:lnSpc>
                 <a:spcPct val="100000"/>
               </a:lnSpc>
@@ -4443,6 +6520,421 @@
           </a:p>
         </p:txBody>
       </p:sp>
+    </p:spTree>
+  </p:cSld>
+  <mc:AlternateContent>
+    <mc:Choice Requires="p14">
+      <p:transition spd="slow" p14:dur="2000"/>
+    </mc:Choice>
+    <mc:Fallback>
+      <p:transition spd="slow"/>
+    </mc:Fallback>
+  </mc:AlternateContent>
+</p:sld>
+</file>
+
+<file path=ppt/slides/slide20.xml><?xml version="1.0" encoding="utf-8"?>
+<p:sld xmlns:a="http://schemas.openxmlformats.org/drawingml/2006/main" xmlns:p="http://schemas.openxmlformats.org/presentationml/2006/main" xmlns:r="http://schemas.openxmlformats.org/officeDocument/2006/relationships" xmlns:p14="http://schemas.microsoft.com/office/powerpoint/2010/main" xmlns:p15="http://schemas.microsoft.com/office/powerpoint/2012/main" xmlns:mc="http://schemas.openxmlformats.org/markup-compatibility/2006">
+  <p:cSld>
+    <p:spTree>
+      <p:nvGrpSpPr>
+        <p:cNvPr id="1" name=""/>
+        <p:cNvGrpSpPr/>
+        <p:nvPr/>
+      </p:nvGrpSpPr>
+      <p:grpSpPr>
+        <a:xfrm>
+          <a:off x="0" y="0"/>
+          <a:ext cx="0" cy="0"/>
+          <a:chOff x="0" y="0"/>
+          <a:chExt cx="0" cy="0"/>
+        </a:xfrm>
+      </p:grpSpPr>
+      <p:sp>
+        <p:nvSpPr>
+          <p:cNvPr id="127" name="CustomShape 1"/>
+          <p:cNvSpPr/>
+          <p:nvPr/>
+        </p:nvSpPr>
+        <p:spPr>
+          <a:xfrm>
+            <a:off x="360000" y="3330000"/>
+            <a:ext cx="9357840" cy="897840"/>
+          </a:xfrm>
+          <a:prstGeom prst="rect">
+            <a:avLst/>
+          </a:prstGeom>
+          <a:noFill/>
+          <a:ln>
+            <a:noFill/>
+          </a:ln>
+        </p:spPr>
+        <p:style>
+          <a:lnRef idx="0"/>
+          <a:fillRef idx="0"/>
+          <a:effectRef idx="0"/>
+          <a:fontRef idx="minor"/>
+        </p:style>
+        <p:txBody>
+          <a:bodyPr lIns="0" rIns="0" tIns="0" bIns="0" anchor="b">
+            <a:noAutofit/>
+          </a:bodyPr>
+          <a:p>
+            <a:pPr>
+              <a:lnSpc>
+                <a:spcPct val="100000"/>
+              </a:lnSpc>
+            </a:pPr>
+            <a:r>
+              <a:rPr b="1" lang="en-GB" sz="3200" spc="-1" strike="noStrike">
+                <a:solidFill>
+                  <a:srgbClr val="ffffff"/>
+                </a:solidFill>
+                <a:latin typeface="Source Sans Pro Black"/>
+                <a:ea typeface="DejaVu Sans"/>
+              </a:rPr>
+              <a:t>Thanks!</a:t>
+            </a:r>
+            <a:endParaRPr b="0" lang="en-GB" sz="3200" spc="-1" strike="noStrike">
+              <a:latin typeface="Arial"/>
+            </a:endParaRPr>
+          </a:p>
+        </p:txBody>
+      </p:sp>
+      <p:sp>
+        <p:nvSpPr>
+          <p:cNvPr id="128" name="CustomShape 2"/>
+          <p:cNvSpPr/>
+          <p:nvPr/>
+        </p:nvSpPr>
+        <p:spPr>
+          <a:xfrm>
+            <a:off x="540000" y="4680000"/>
+            <a:ext cx="9177840" cy="2517840"/>
+          </a:xfrm>
+          <a:prstGeom prst="rect">
+            <a:avLst/>
+          </a:prstGeom>
+          <a:noFill/>
+          <a:ln>
+            <a:noFill/>
+          </a:ln>
+        </p:spPr>
+        <p:style>
+          <a:lnRef idx="0"/>
+          <a:fillRef idx="0"/>
+          <a:effectRef idx="0"/>
+          <a:fontRef idx="minor"/>
+        </p:style>
+        <p:txBody>
+          <a:bodyPr lIns="0" rIns="0" tIns="0" bIns="0">
+            <a:noAutofit/>
+          </a:bodyPr>
+          <a:p>
+            <a:pPr>
+              <a:lnSpc>
+                <a:spcPct val="100000"/>
+              </a:lnSpc>
+            </a:pPr>
+            <a:r>
+              <a:rPr b="0" lang="en-GB" sz="2200" spc="-1" strike="noStrike">
+                <a:solidFill>
+                  <a:srgbClr val="1c1c1c"/>
+                </a:solidFill>
+                <a:latin typeface="Source Sans Pro Light"/>
+                <a:ea typeface="DejaVu Sans"/>
+              </a:rPr>
+              <a:t>Ian Miell</a:t>
+            </a:r>
+            <a:endParaRPr b="0" lang="en-GB" sz="2200" spc="-1" strike="noStrike">
+              <a:latin typeface="Arial"/>
+            </a:endParaRPr>
+          </a:p>
+          <a:p>
+            <a:pPr>
+              <a:lnSpc>
+                <a:spcPct val="100000"/>
+              </a:lnSpc>
+            </a:pPr>
+            <a:r>
+              <a:rPr b="0" lang="en-GB" sz="2200" spc="-1" strike="noStrike">
+                <a:solidFill>
+                  <a:srgbClr val="1c1c1c"/>
+                </a:solidFill>
+                <a:latin typeface="Source Sans Pro Light"/>
+                <a:ea typeface="DejaVu Sans"/>
+              </a:rPr>
+              <a:t>@ianmiell</a:t>
+            </a:r>
+            <a:endParaRPr b="0" lang="en-GB" sz="2200" spc="-1" strike="noStrike">
+              <a:latin typeface="Arial"/>
+            </a:endParaRPr>
+          </a:p>
+        </p:txBody>
+      </p:sp>
+      <p:pic>
+        <p:nvPicPr>
+          <p:cNvPr id="129" name="Picture 305" descr=""/>
+          <p:cNvPicPr/>
+          <p:nvPr/>
+        </p:nvPicPr>
+        <p:blipFill>
+          <a:blip r:embed="rId1"/>
+          <a:stretch/>
+        </p:blipFill>
+        <p:spPr>
+          <a:xfrm>
+            <a:off x="7132320" y="4663440"/>
+            <a:ext cx="2466720" cy="2466720"/>
+          </a:xfrm>
+          <a:prstGeom prst="rect">
+            <a:avLst/>
+          </a:prstGeom>
+          <a:ln>
+            <a:noFill/>
+          </a:ln>
+        </p:spPr>
+      </p:pic>
+    </p:spTree>
+  </p:cSld>
+  <mc:AlternateContent>
+    <mc:Choice Requires="p14">
+      <p:transition spd="slow" p14:dur="2000"/>
+    </mc:Choice>
+    <mc:Fallback>
+      <p:transition spd="slow"/>
+    </mc:Fallback>
+  </mc:AlternateContent>
+</p:sld>
+</file>
+
+<file path=ppt/slides/slide21.xml><?xml version="1.0" encoding="utf-8"?>
+<p:sld xmlns:a="http://schemas.openxmlformats.org/drawingml/2006/main" xmlns:p="http://schemas.openxmlformats.org/presentationml/2006/main" xmlns:r="http://schemas.openxmlformats.org/officeDocument/2006/relationships" xmlns:p14="http://schemas.microsoft.com/office/powerpoint/2010/main" xmlns:p15="http://schemas.microsoft.com/office/powerpoint/2012/main" xmlns:mc="http://schemas.openxmlformats.org/markup-compatibility/2006">
+  <p:cSld>
+    <p:spTree>
+      <p:nvGrpSpPr>
+        <p:cNvPr id="1" name=""/>
+        <p:cNvGrpSpPr/>
+        <p:nvPr/>
+      </p:nvGrpSpPr>
+      <p:grpSpPr>
+        <a:xfrm>
+          <a:off x="0" y="0"/>
+          <a:ext cx="0" cy="0"/>
+          <a:chOff x="0" y="0"/>
+          <a:chExt cx="0" cy="0"/>
+        </a:xfrm>
+      </p:grpSpPr>
+    </p:spTree>
+  </p:cSld>
+  <mc:AlternateContent>
+    <mc:Choice Requires="p14">
+      <p:transition spd="slow" p14:dur="2000"/>
+    </mc:Choice>
+    <mc:Fallback>
+      <p:transition spd="slow"/>
+    </mc:Fallback>
+  </mc:AlternateContent>
+</p:sld>
+</file>
+
+<file path=ppt/slides/slide22.xml><?xml version="1.0" encoding="utf-8"?>
+<p:sld xmlns:a="http://schemas.openxmlformats.org/drawingml/2006/main" xmlns:p="http://schemas.openxmlformats.org/presentationml/2006/main" xmlns:r="http://schemas.openxmlformats.org/officeDocument/2006/relationships" xmlns:p14="http://schemas.microsoft.com/office/powerpoint/2010/main" xmlns:p15="http://schemas.microsoft.com/office/powerpoint/2012/main" xmlns:mc="http://schemas.openxmlformats.org/markup-compatibility/2006">
+  <p:cSld>
+    <p:spTree>
+      <p:nvGrpSpPr>
+        <p:cNvPr id="1" name=""/>
+        <p:cNvGrpSpPr/>
+        <p:nvPr/>
+      </p:nvGrpSpPr>
+      <p:grpSpPr>
+        <a:xfrm>
+          <a:off x="0" y="0"/>
+          <a:ext cx="0" cy="0"/>
+          <a:chOff x="0" y="0"/>
+          <a:chExt cx="0" cy="0"/>
+        </a:xfrm>
+      </p:grpSpPr>
+    </p:spTree>
+  </p:cSld>
+  <mc:AlternateContent>
+    <mc:Choice Requires="p14">
+      <p:transition spd="slow" p14:dur="2000"/>
+    </mc:Choice>
+    <mc:Fallback>
+      <p:transition spd="slow"/>
+    </mc:Fallback>
+  </mc:AlternateContent>
+</p:sld>
+</file>
+
+<file path=ppt/slides/slide23.xml><?xml version="1.0" encoding="utf-8"?>
+<p:sld xmlns:a="http://schemas.openxmlformats.org/drawingml/2006/main" xmlns:p="http://schemas.openxmlformats.org/presentationml/2006/main" xmlns:r="http://schemas.openxmlformats.org/officeDocument/2006/relationships" xmlns:p14="http://schemas.microsoft.com/office/powerpoint/2010/main" xmlns:p15="http://schemas.microsoft.com/office/powerpoint/2012/main" xmlns:mc="http://schemas.openxmlformats.org/markup-compatibility/2006">
+  <p:cSld>
+    <p:spTree>
+      <p:nvGrpSpPr>
+        <p:cNvPr id="1" name=""/>
+        <p:cNvGrpSpPr/>
+        <p:nvPr/>
+      </p:nvGrpSpPr>
+      <p:grpSpPr>
+        <a:xfrm>
+          <a:off x="0" y="0"/>
+          <a:ext cx="0" cy="0"/>
+          <a:chOff x="0" y="0"/>
+          <a:chExt cx="0" cy="0"/>
+        </a:xfrm>
+      </p:grpSpPr>
+    </p:spTree>
+  </p:cSld>
+  <mc:AlternateContent>
+    <mc:Choice Requires="p14">
+      <p:transition spd="slow" p14:dur="2000"/>
+    </mc:Choice>
+    <mc:Fallback>
+      <p:transition spd="slow"/>
+    </mc:Fallback>
+  </mc:AlternateContent>
+</p:sld>
+</file>
+
+<file path=ppt/slides/slide24.xml><?xml version="1.0" encoding="utf-8"?>
+<p:sld xmlns:a="http://schemas.openxmlformats.org/drawingml/2006/main" xmlns:p="http://schemas.openxmlformats.org/presentationml/2006/main" xmlns:r="http://schemas.openxmlformats.org/officeDocument/2006/relationships" xmlns:p14="http://schemas.microsoft.com/office/powerpoint/2010/main" xmlns:p15="http://schemas.microsoft.com/office/powerpoint/2012/main" xmlns:mc="http://schemas.openxmlformats.org/markup-compatibility/2006">
+  <p:cSld>
+    <p:spTree>
+      <p:nvGrpSpPr>
+        <p:cNvPr id="1" name=""/>
+        <p:cNvGrpSpPr/>
+        <p:nvPr/>
+      </p:nvGrpSpPr>
+      <p:grpSpPr>
+        <a:xfrm>
+          <a:off x="0" y="0"/>
+          <a:ext cx="0" cy="0"/>
+          <a:chOff x="0" y="0"/>
+          <a:chExt cx="0" cy="0"/>
+        </a:xfrm>
+      </p:grpSpPr>
+    </p:spTree>
+  </p:cSld>
+  <mc:AlternateContent>
+    <mc:Choice Requires="p14">
+      <p:transition spd="slow" p14:dur="2000"/>
+    </mc:Choice>
+    <mc:Fallback>
+      <p:transition spd="slow"/>
+    </mc:Fallback>
+  </mc:AlternateContent>
+</p:sld>
+</file>
+
+<file path=ppt/slides/slide25.xml><?xml version="1.0" encoding="utf-8"?>
+<p:sld xmlns:a="http://schemas.openxmlformats.org/drawingml/2006/main" xmlns:p="http://schemas.openxmlformats.org/presentationml/2006/main" xmlns:r="http://schemas.openxmlformats.org/officeDocument/2006/relationships" xmlns:p14="http://schemas.microsoft.com/office/powerpoint/2010/main" xmlns:p15="http://schemas.microsoft.com/office/powerpoint/2012/main" xmlns:mc="http://schemas.openxmlformats.org/markup-compatibility/2006">
+  <p:cSld>
+    <p:spTree>
+      <p:nvGrpSpPr>
+        <p:cNvPr id="1" name=""/>
+        <p:cNvGrpSpPr/>
+        <p:nvPr/>
+      </p:nvGrpSpPr>
+      <p:grpSpPr>
+        <a:xfrm>
+          <a:off x="0" y="0"/>
+          <a:ext cx="0" cy="0"/>
+          <a:chOff x="0" y="0"/>
+          <a:chExt cx="0" cy="0"/>
+        </a:xfrm>
+      </p:grpSpPr>
+    </p:spTree>
+  </p:cSld>
+  <mc:AlternateContent>
+    <mc:Choice Requires="p14">
+      <p:transition spd="slow" p14:dur="2000"/>
+    </mc:Choice>
+    <mc:Fallback>
+      <p:transition spd="slow"/>
+    </mc:Fallback>
+  </mc:AlternateContent>
+</p:sld>
+</file>
+
+<file path=ppt/slides/slide26.xml><?xml version="1.0" encoding="utf-8"?>
+<p:sld xmlns:a="http://schemas.openxmlformats.org/drawingml/2006/main" xmlns:p="http://schemas.openxmlformats.org/presentationml/2006/main" xmlns:r="http://schemas.openxmlformats.org/officeDocument/2006/relationships" xmlns:p14="http://schemas.microsoft.com/office/powerpoint/2010/main" xmlns:p15="http://schemas.microsoft.com/office/powerpoint/2012/main" xmlns:mc="http://schemas.openxmlformats.org/markup-compatibility/2006">
+  <p:cSld>
+    <p:spTree>
+      <p:nvGrpSpPr>
+        <p:cNvPr id="1" name=""/>
+        <p:cNvGrpSpPr/>
+        <p:nvPr/>
+      </p:nvGrpSpPr>
+      <p:grpSpPr>
+        <a:xfrm>
+          <a:off x="0" y="0"/>
+          <a:ext cx="0" cy="0"/>
+          <a:chOff x="0" y="0"/>
+          <a:chExt cx="0" cy="0"/>
+        </a:xfrm>
+      </p:grpSpPr>
+    </p:spTree>
+  </p:cSld>
+  <mc:AlternateContent>
+    <mc:Choice Requires="p14">
+      <p:transition spd="slow" p14:dur="2000"/>
+    </mc:Choice>
+    <mc:Fallback>
+      <p:transition spd="slow"/>
+    </mc:Fallback>
+  </mc:AlternateContent>
+</p:sld>
+</file>
+
+<file path=ppt/slides/slide27.xml><?xml version="1.0" encoding="utf-8"?>
+<p:sld xmlns:a="http://schemas.openxmlformats.org/drawingml/2006/main" xmlns:p="http://schemas.openxmlformats.org/presentationml/2006/main" xmlns:r="http://schemas.openxmlformats.org/officeDocument/2006/relationships" xmlns:p14="http://schemas.microsoft.com/office/powerpoint/2010/main" xmlns:p15="http://schemas.microsoft.com/office/powerpoint/2012/main" xmlns:mc="http://schemas.openxmlformats.org/markup-compatibility/2006">
+  <p:cSld>
+    <p:spTree>
+      <p:nvGrpSpPr>
+        <p:cNvPr id="1" name=""/>
+        <p:cNvGrpSpPr/>
+        <p:nvPr/>
+      </p:nvGrpSpPr>
+      <p:grpSpPr>
+        <a:xfrm>
+          <a:off x="0" y="0"/>
+          <a:ext cx="0" cy="0"/>
+          <a:chOff x="0" y="0"/>
+          <a:chExt cx="0" cy="0"/>
+        </a:xfrm>
+      </p:grpSpPr>
+    </p:spTree>
+  </p:cSld>
+  <mc:AlternateContent>
+    <mc:Choice Requires="p14">
+      <p:transition spd="slow" p14:dur="2000"/>
+    </mc:Choice>
+    <mc:Fallback>
+      <p:transition spd="slow"/>
+    </mc:Fallback>
+  </mc:AlternateContent>
+</p:sld>
+</file>
+
+<file path=ppt/slides/slide28.xml><?xml version="1.0" encoding="utf-8"?>
+<p:sld xmlns:a="http://schemas.openxmlformats.org/drawingml/2006/main" xmlns:p="http://schemas.openxmlformats.org/presentationml/2006/main" xmlns:r="http://schemas.openxmlformats.org/officeDocument/2006/relationships" xmlns:p14="http://schemas.microsoft.com/office/powerpoint/2010/main" xmlns:p15="http://schemas.microsoft.com/office/powerpoint/2012/main" xmlns:mc="http://schemas.openxmlformats.org/markup-compatibility/2006">
+  <p:cSld>
+    <p:spTree>
+      <p:nvGrpSpPr>
+        <p:cNvPr id="1" name=""/>
+        <p:cNvGrpSpPr/>
+        <p:nvPr/>
+      </p:nvGrpSpPr>
+      <p:grpSpPr>
+        <a:xfrm>
+          <a:off x="0" y="0"/>
+          <a:ext cx="0" cy="0"/>
+          <a:chOff x="0" y="0"/>
+          <a:chExt cx="0" cy="0"/>
+        </a:xfrm>
+      </p:grpSpPr>
     </p:spTree>
   </p:cSld>
   <mc:AlternateContent>
@@ -4482,7 +6974,7 @@
         <p:spPr>
           <a:xfrm>
             <a:off x="360000" y="360000"/>
-            <a:ext cx="9358200" cy="898200"/>
+            <a:ext cx="9357840" cy="897840"/>
           </a:xfrm>
           <a:prstGeom prst="rect">
             <a:avLst/>
@@ -4533,7 +7025,7 @@
         <p:spPr>
           <a:xfrm>
             <a:off x="360000" y="1440000"/>
-            <a:ext cx="9178200" cy="5255640"/>
+            <a:ext cx="9177840" cy="5255280"/>
           </a:xfrm>
           <a:prstGeom prst="rect">
             <a:avLst/>
@@ -4564,7 +7056,7 @@
             </a:endParaRPr>
           </a:p>
           <a:p>
-            <a:pPr marL="216000" indent="-214200">
+            <a:pPr marL="216000" indent="-213840">
               <a:lnSpc>
                 <a:spcPct val="100000"/>
               </a:lnSpc>
@@ -4590,23 +7082,17 @@
             </a:endParaRPr>
           </a:p>
           <a:p>
-            <a:pPr marL="216000" indent="-214200">
-              <a:lnSpc>
-                <a:spcPct val="100000"/>
-              </a:lnSpc>
-              <a:buClr>
-                <a:srgbClr val="000000"/>
-              </a:buClr>
-              <a:buSzPct val="45000"/>
-              <a:buFont typeface="Wingdings" charset="2"/>
-              <a:buChar char=""/>
-            </a:pPr>
-            <a:endParaRPr b="0" lang="en-GB" sz="2600" spc="-1" strike="noStrike">
-              <a:latin typeface="Arial"/>
-            </a:endParaRPr>
-          </a:p>
-          <a:p>
-            <a:pPr marL="216000" indent="-214200">
+            <a:pPr>
+              <a:lnSpc>
+                <a:spcPct val="100000"/>
+              </a:lnSpc>
+            </a:pPr>
+            <a:endParaRPr b="0" lang="en-GB" sz="2600" spc="-1" strike="noStrike">
+              <a:latin typeface="Arial"/>
+            </a:endParaRPr>
+          </a:p>
+          <a:p>
+            <a:pPr marL="216000" indent="-213840">
               <a:lnSpc>
                 <a:spcPct val="100000"/>
               </a:lnSpc>
@@ -4632,23 +7118,17 @@
             </a:endParaRPr>
           </a:p>
           <a:p>
-            <a:pPr marL="216000" indent="-214200">
-              <a:lnSpc>
-                <a:spcPct val="100000"/>
-              </a:lnSpc>
-              <a:buClr>
-                <a:srgbClr val="000000"/>
-              </a:buClr>
-              <a:buSzPct val="45000"/>
-              <a:buFont typeface="Wingdings" charset="2"/>
-              <a:buChar char=""/>
-            </a:pPr>
-            <a:endParaRPr b="0" lang="en-GB" sz="2600" spc="-1" strike="noStrike">
-              <a:latin typeface="Arial"/>
-            </a:endParaRPr>
-          </a:p>
-          <a:p>
-            <a:pPr marL="216000" indent="-214200">
+            <a:pPr>
+              <a:lnSpc>
+                <a:spcPct val="100000"/>
+              </a:lnSpc>
+            </a:pPr>
+            <a:endParaRPr b="0" lang="en-GB" sz="2600" spc="-1" strike="noStrike">
+              <a:latin typeface="Arial"/>
+            </a:endParaRPr>
+          </a:p>
+          <a:p>
+            <a:pPr marL="216000" indent="-213840">
               <a:lnSpc>
                 <a:spcPct val="100000"/>
               </a:lnSpc>
@@ -4674,23 +7154,17 @@
             </a:endParaRPr>
           </a:p>
           <a:p>
-            <a:pPr marL="216000" indent="-214200">
-              <a:lnSpc>
-                <a:spcPct val="100000"/>
-              </a:lnSpc>
-              <a:buClr>
-                <a:srgbClr val="000000"/>
-              </a:buClr>
-              <a:buSzPct val="45000"/>
-              <a:buFont typeface="Wingdings" charset="2"/>
-              <a:buChar char=""/>
-            </a:pPr>
-            <a:endParaRPr b="0" lang="en-GB" sz="2600" spc="-1" strike="noStrike">
-              <a:latin typeface="Arial"/>
-            </a:endParaRPr>
-          </a:p>
-          <a:p>
-            <a:pPr lvl="1" marL="432000" indent="-216000">
+            <a:pPr>
+              <a:lnSpc>
+                <a:spcPct val="100000"/>
+              </a:lnSpc>
+            </a:pPr>
+            <a:endParaRPr b="0" lang="en-GB" sz="2600" spc="-1" strike="noStrike">
+              <a:latin typeface="Arial"/>
+            </a:endParaRPr>
+          </a:p>
+          <a:p>
+            <a:pPr lvl="1" marL="432000" indent="-215640">
               <a:lnSpc>
                 <a:spcPct val="100000"/>
               </a:lnSpc>
@@ -4716,23 +7190,17 @@
             </a:endParaRPr>
           </a:p>
           <a:p>
-            <a:pPr lvl="1" marL="432000" indent="-216000">
-              <a:lnSpc>
-                <a:spcPct val="100000"/>
-              </a:lnSpc>
-              <a:buClr>
-                <a:srgbClr val="000000"/>
-              </a:buClr>
-              <a:buSzPct val="45000"/>
-              <a:buFont typeface="Wingdings" charset="2"/>
-              <a:buChar char=""/>
-            </a:pPr>
-            <a:endParaRPr b="0" lang="en-GB" sz="2600" spc="-1" strike="noStrike">
-              <a:latin typeface="Arial"/>
-            </a:endParaRPr>
-          </a:p>
-          <a:p>
-            <a:pPr lvl="1" marL="432000" indent="-216000">
+            <a:pPr>
+              <a:lnSpc>
+                <a:spcPct val="100000"/>
+              </a:lnSpc>
+            </a:pPr>
+            <a:endParaRPr b="0" lang="en-GB" sz="2600" spc="-1" strike="noStrike">
+              <a:latin typeface="Arial"/>
+            </a:endParaRPr>
+          </a:p>
+          <a:p>
+            <a:pPr lvl="1" marL="432000" indent="-215640">
               <a:lnSpc>
                 <a:spcPct val="100000"/>
               </a:lnSpc>
@@ -4751,23 +7219,17 @@
                 <a:latin typeface="Source Sans Pro Semibold"/>
                 <a:ea typeface="DejaVu Sans"/>
               </a:rPr>
-              <a:t>Pipes most likely to be used</a:t>
-            </a:r>
-            <a:endParaRPr b="0" lang="en-GB" sz="2600" spc="-1" strike="noStrike">
-              <a:latin typeface="Arial"/>
-            </a:endParaRPr>
-          </a:p>
-          <a:p>
-            <a:pPr marL="216000" indent="-214200">
-              <a:lnSpc>
-                <a:spcPct val="100000"/>
-              </a:lnSpc>
-              <a:buClr>
-                <a:srgbClr val="000000"/>
-              </a:buClr>
-              <a:buSzPct val="45000"/>
-              <a:buFont typeface="Wingdings" charset="2"/>
-              <a:buChar char=""/>
+              <a:t>Pipes most common feature likely to be used</a:t>
+            </a:r>
+            <a:endParaRPr b="0" lang="en-GB" sz="2600" spc="-1" strike="noStrike">
+              <a:latin typeface="Arial"/>
+            </a:endParaRPr>
+          </a:p>
+          <a:p>
+            <a:pPr>
+              <a:lnSpc>
+                <a:spcPct val="100000"/>
+              </a:lnSpc>
             </a:pPr>
             <a:endParaRPr b="0" lang="en-GB" sz="2600" spc="-1" strike="noStrike">
               <a:latin typeface="Arial"/>
@@ -4824,7 +7286,7 @@
         <p:spPr>
           <a:xfrm>
             <a:off x="360000" y="360000"/>
-            <a:ext cx="9358200" cy="898200"/>
+            <a:ext cx="9357840" cy="897840"/>
           </a:xfrm>
           <a:prstGeom prst="rect">
             <a:avLst/>
@@ -4875,7 +7337,7 @@
         <p:spPr>
           <a:xfrm>
             <a:off x="360000" y="1440000"/>
-            <a:ext cx="9178200" cy="5255640"/>
+            <a:ext cx="9177840" cy="5255280"/>
           </a:xfrm>
           <a:prstGeom prst="rect">
             <a:avLst/>
@@ -4906,7 +7368,7 @@
             </a:endParaRPr>
           </a:p>
           <a:p>
-            <a:pPr marL="216000" indent="-214200">
+            <a:pPr marL="216000" indent="-213840">
               <a:lnSpc>
                 <a:spcPct val="100000"/>
               </a:lnSpc>
@@ -4932,23 +7394,17 @@
             </a:endParaRPr>
           </a:p>
           <a:p>
-            <a:pPr marL="216000" indent="-214200">
-              <a:lnSpc>
-                <a:spcPct val="100000"/>
-              </a:lnSpc>
-              <a:buClr>
-                <a:srgbClr val="000000"/>
-              </a:buClr>
-              <a:buSzPct val="45000"/>
-              <a:buFont typeface="Wingdings" charset="2"/>
-              <a:buChar char=""/>
-            </a:pPr>
-            <a:endParaRPr b="0" lang="en-GB" sz="2600" spc="-1" strike="noStrike">
-              <a:latin typeface="Arial"/>
-            </a:endParaRPr>
-          </a:p>
-          <a:p>
-            <a:pPr marL="216000" indent="-214200">
+            <a:pPr>
+              <a:lnSpc>
+                <a:spcPct val="100000"/>
+              </a:lnSpc>
+            </a:pPr>
+            <a:endParaRPr b="0" lang="en-GB" sz="2600" spc="-1" strike="noStrike">
+              <a:latin typeface="Arial"/>
+            </a:endParaRPr>
+          </a:p>
+          <a:p>
+            <a:pPr marL="216000" indent="-213840">
               <a:lnSpc>
                 <a:spcPct val="100000"/>
               </a:lnSpc>
@@ -4974,7 +7430,7 @@
             </a:endParaRPr>
           </a:p>
           <a:p>
-            <a:pPr lvl="1" marL="432000" indent="-216000">
+            <a:pPr lvl="1" marL="432000" indent="-215640">
               <a:lnSpc>
                 <a:spcPct val="100000"/>
               </a:lnSpc>
@@ -5000,7 +7456,7 @@
             </a:endParaRPr>
           </a:p>
           <a:p>
-            <a:pPr lvl="1" marL="432000" indent="-216000">
+            <a:pPr lvl="1" marL="432000" indent="-215640">
               <a:lnSpc>
                 <a:spcPct val="100000"/>
               </a:lnSpc>
@@ -5026,7 +7482,7 @@
             </a:endParaRPr>
           </a:p>
           <a:p>
-            <a:pPr lvl="1" marL="432000" indent="-216000">
+            <a:pPr lvl="1" marL="432000" indent="-215640">
               <a:lnSpc>
                 <a:spcPct val="100000"/>
               </a:lnSpc>
@@ -5052,23 +7508,17 @@
             </a:endParaRPr>
           </a:p>
           <a:p>
-            <a:pPr marL="216000" indent="-214200">
-              <a:lnSpc>
-                <a:spcPct val="100000"/>
-              </a:lnSpc>
-              <a:buClr>
-                <a:srgbClr val="000000"/>
-              </a:buClr>
-              <a:buSzPct val="45000"/>
-              <a:buFont typeface="Wingdings" charset="2"/>
-              <a:buChar char=""/>
-            </a:pPr>
-            <a:endParaRPr b="0" lang="en-GB" sz="2600" spc="-1" strike="noStrike">
-              <a:latin typeface="Arial"/>
-            </a:endParaRPr>
-          </a:p>
-          <a:p>
-            <a:pPr marL="216000" indent="-214200">
+            <a:pPr>
+              <a:lnSpc>
+                <a:spcPct val="100000"/>
+              </a:lnSpc>
+            </a:pPr>
+            <a:endParaRPr b="0" lang="en-GB" sz="2600" spc="-1" strike="noStrike">
+              <a:latin typeface="Arial"/>
+            </a:endParaRPr>
+          </a:p>
+          <a:p>
+            <a:pPr marL="216000" indent="-213840">
               <a:lnSpc>
                 <a:spcPct val="100000"/>
               </a:lnSpc>
@@ -5094,7 +7544,7 @@
             </a:endParaRPr>
           </a:p>
           <a:p>
-            <a:pPr lvl="1" marL="432000" indent="-216000">
+            <a:pPr lvl="1" marL="432000" indent="-215640">
               <a:lnSpc>
                 <a:spcPct val="100000"/>
               </a:lnSpc>
@@ -5120,7 +7570,7 @@
             </a:endParaRPr>
           </a:p>
           <a:p>
-            <a:pPr lvl="1" marL="432000" indent="-216000">
+            <a:pPr lvl="1" marL="432000" indent="-215640">
               <a:lnSpc>
                 <a:spcPct val="100000"/>
               </a:lnSpc>
@@ -5146,16 +7596,10 @@
             </a:endParaRPr>
           </a:p>
           <a:p>
-            <a:pPr lvl="1" marL="432000" indent="-216000">
-              <a:lnSpc>
-                <a:spcPct val="100000"/>
-              </a:lnSpc>
-              <a:buClr>
-                <a:srgbClr val="000000"/>
-              </a:buClr>
-              <a:buSzPct val="45000"/>
-              <a:buFont typeface="Wingdings" charset="2"/>
-              <a:buChar char=""/>
+            <a:pPr>
+              <a:lnSpc>
+                <a:spcPct val="100000"/>
+              </a:lnSpc>
             </a:pPr>
             <a:endParaRPr b="0" lang="en-GB" sz="2600" spc="-1" strike="noStrike">
               <a:latin typeface="Arial"/>
@@ -5212,7 +7656,7 @@
         <p:spPr>
           <a:xfrm>
             <a:off x="360000" y="360000"/>
-            <a:ext cx="9358200" cy="898200"/>
+            <a:ext cx="9357840" cy="897840"/>
           </a:xfrm>
           <a:prstGeom prst="rect">
             <a:avLst/>
@@ -5263,7 +7707,7 @@
         <p:spPr>
           <a:xfrm>
             <a:off x="360000" y="1440000"/>
-            <a:ext cx="9178200" cy="5255640"/>
+            <a:ext cx="9177840" cy="5255280"/>
           </a:xfrm>
           <a:prstGeom prst="rect">
             <a:avLst/>
@@ -5294,7 +7738,7 @@
             </a:endParaRPr>
           </a:p>
           <a:p>
-            <a:pPr marL="216000" indent="-214200">
+            <a:pPr marL="216000" indent="-213840">
               <a:lnSpc>
                 <a:spcPct val="100000"/>
               </a:lnSpc>
@@ -5320,23 +7764,17 @@
             </a:endParaRPr>
           </a:p>
           <a:p>
-            <a:pPr marL="216000" indent="-214200">
-              <a:lnSpc>
-                <a:spcPct val="100000"/>
-              </a:lnSpc>
-              <a:buClr>
-                <a:srgbClr val="000000"/>
-              </a:buClr>
-              <a:buSzPct val="45000"/>
-              <a:buFont typeface="Wingdings" charset="2"/>
-              <a:buChar char=""/>
-            </a:pPr>
-            <a:endParaRPr b="0" lang="en-GB" sz="2600" spc="-1" strike="noStrike">
-              <a:latin typeface="Arial"/>
-            </a:endParaRPr>
-          </a:p>
-          <a:p>
-            <a:pPr marL="216000" indent="-214200">
+            <a:pPr>
+              <a:lnSpc>
+                <a:spcPct val="100000"/>
+              </a:lnSpc>
+            </a:pPr>
+            <a:endParaRPr b="0" lang="en-GB" sz="2600" spc="-1" strike="noStrike">
+              <a:latin typeface="Arial"/>
+            </a:endParaRPr>
+          </a:p>
+          <a:p>
+            <a:pPr marL="216000" indent="-213840">
               <a:lnSpc>
                 <a:spcPct val="100000"/>
               </a:lnSpc>
@@ -5362,23 +7800,17 @@
             </a:endParaRPr>
           </a:p>
           <a:p>
-            <a:pPr marL="216000" indent="-214200">
-              <a:lnSpc>
-                <a:spcPct val="100000"/>
-              </a:lnSpc>
-              <a:buClr>
-                <a:srgbClr val="000000"/>
-              </a:buClr>
-              <a:buSzPct val="45000"/>
-              <a:buFont typeface="Wingdings" charset="2"/>
-              <a:buChar char=""/>
-            </a:pPr>
-            <a:endParaRPr b="0" lang="en-GB" sz="2600" spc="-1" strike="noStrike">
-              <a:latin typeface="Arial"/>
-            </a:endParaRPr>
-          </a:p>
-          <a:p>
-            <a:pPr marL="216000" indent="-214200">
+            <a:pPr>
+              <a:lnSpc>
+                <a:spcPct val="100000"/>
+              </a:lnSpc>
+            </a:pPr>
+            <a:endParaRPr b="0" lang="en-GB" sz="2600" spc="-1" strike="noStrike">
+              <a:latin typeface="Arial"/>
+            </a:endParaRPr>
+          </a:p>
+          <a:p>
+            <a:pPr marL="216000" indent="-213840">
               <a:lnSpc>
                 <a:spcPct val="100000"/>
               </a:lnSpc>
@@ -5404,23 +7836,17 @@
             </a:endParaRPr>
           </a:p>
           <a:p>
-            <a:pPr marL="216000" indent="-214200">
-              <a:lnSpc>
-                <a:spcPct val="100000"/>
-              </a:lnSpc>
-              <a:buClr>
-                <a:srgbClr val="000000"/>
-              </a:buClr>
-              <a:buSzPct val="45000"/>
-              <a:buFont typeface="Wingdings" charset="2"/>
-              <a:buChar char=""/>
-            </a:pPr>
-            <a:endParaRPr b="0" lang="en-GB" sz="2600" spc="-1" strike="noStrike">
-              <a:latin typeface="Arial"/>
-            </a:endParaRPr>
-          </a:p>
-          <a:p>
-            <a:pPr lvl="1" marL="432000" indent="-216000">
+            <a:pPr>
+              <a:lnSpc>
+                <a:spcPct val="100000"/>
+              </a:lnSpc>
+            </a:pPr>
+            <a:endParaRPr b="0" lang="en-GB" sz="2600" spc="-1" strike="noStrike">
+              <a:latin typeface="Arial"/>
+            </a:endParaRPr>
+          </a:p>
+          <a:p>
+            <a:pPr lvl="1" marL="432000" indent="-215640">
               <a:lnSpc>
                 <a:spcPct val="100000"/>
               </a:lnSpc>
@@ -5446,7 +7872,7 @@
             </a:endParaRPr>
           </a:p>
           <a:p>
-            <a:pPr lvl="1" marL="432000" indent="-216000">
+            <a:pPr lvl="1" marL="432000" indent="-215640">
               <a:lnSpc>
                 <a:spcPct val="100000"/>
               </a:lnSpc>
@@ -5472,23 +7898,17 @@
             </a:endParaRPr>
           </a:p>
           <a:p>
-            <a:pPr lvl="1" marL="432000" indent="-216000">
-              <a:lnSpc>
-                <a:spcPct val="100000"/>
-              </a:lnSpc>
-              <a:buClr>
-                <a:srgbClr val="000000"/>
-              </a:buClr>
-              <a:buSzPct val="45000"/>
-              <a:buFont typeface="Wingdings" charset="2"/>
-              <a:buChar char=""/>
-            </a:pPr>
-            <a:endParaRPr b="0" lang="en-GB" sz="2600" spc="-1" strike="noStrike">
-              <a:latin typeface="Arial"/>
-            </a:endParaRPr>
-          </a:p>
-          <a:p>
-            <a:pPr marL="216000" indent="-214200">
+            <a:pPr>
+              <a:lnSpc>
+                <a:spcPct val="100000"/>
+              </a:lnSpc>
+            </a:pPr>
+            <a:endParaRPr b="0" lang="en-GB" sz="2600" spc="-1" strike="noStrike">
+              <a:latin typeface="Arial"/>
+            </a:endParaRPr>
+          </a:p>
+          <a:p>
+            <a:pPr marL="216000" indent="-213840">
               <a:lnSpc>
                 <a:spcPct val="100000"/>
               </a:lnSpc>
@@ -5564,7 +7984,7 @@
         <p:spPr>
           <a:xfrm>
             <a:off x="360000" y="360000"/>
-            <a:ext cx="9358200" cy="898200"/>
+            <a:ext cx="9357840" cy="897840"/>
           </a:xfrm>
           <a:prstGeom prst="rect">
             <a:avLst/>
@@ -5614,8 +8034,8 @@
         </p:nvSpPr>
         <p:spPr>
           <a:xfrm>
-            <a:off x="360000" y="1440000"/>
-            <a:ext cx="9178200" cy="5255640"/>
+            <a:off x="432000" y="1440720"/>
+            <a:ext cx="9177840" cy="5255280"/>
           </a:xfrm>
           <a:prstGeom prst="rect">
             <a:avLst/>
@@ -5646,7 +8066,7 @@
             </a:endParaRPr>
           </a:p>
           <a:p>
-            <a:pPr marL="216000" indent="-214200">
+            <a:pPr marL="216000" indent="-213840">
               <a:lnSpc>
                 <a:spcPct val="100000"/>
               </a:lnSpc>
@@ -5672,7 +8092,7 @@
             </a:endParaRPr>
           </a:p>
           <a:p>
-            <a:pPr lvl="1" marL="432000" indent="-216000">
+            <a:pPr lvl="1" marL="432000" indent="-215640">
               <a:lnSpc>
                 <a:spcPct val="100000"/>
               </a:lnSpc>
@@ -5698,7 +8118,17 @@
             </a:endParaRPr>
           </a:p>
           <a:p>
-            <a:pPr lvl="1" marL="432000" indent="-216000">
+            <a:pPr>
+              <a:lnSpc>
+                <a:spcPct val="100000"/>
+              </a:lnSpc>
+            </a:pPr>
+            <a:endParaRPr b="0" lang="en-GB" sz="2600" spc="-1" strike="noStrike">
+              <a:latin typeface="Arial"/>
+            </a:endParaRPr>
+          </a:p>
+          <a:p>
+            <a:pPr marL="216000" indent="-213840">
               <a:lnSpc>
                 <a:spcPct val="100000"/>
               </a:lnSpc>
@@ -5717,6 +8147,58 @@
                 <a:latin typeface="Source Sans Pro Semibold"/>
                 <a:ea typeface="DejaVu Sans"/>
               </a:rPr>
+              <a:t>Part II – Text and Files</a:t>
+            </a:r>
+            <a:endParaRPr b="0" lang="en-GB" sz="2600" spc="-1" strike="noStrike">
+              <a:latin typeface="Arial"/>
+            </a:endParaRPr>
+          </a:p>
+          <a:p>
+            <a:pPr lvl="1" marL="432000" indent="-215640">
+              <a:lnSpc>
+                <a:spcPct val="100000"/>
+              </a:lnSpc>
+              <a:buClr>
+                <a:srgbClr val="000000"/>
+              </a:buClr>
+              <a:buSzPct val="45000"/>
+              <a:buFont typeface="Wingdings" charset="2"/>
+              <a:buChar char=""/>
+            </a:pPr>
+            <a:r>
+              <a:rPr b="1" lang="en-GB" sz="2600" spc="-1" strike="noStrike">
+                <a:solidFill>
+                  <a:srgbClr val="1c1c1c"/>
+                </a:solidFill>
+                <a:latin typeface="Source Sans Pro Semibold"/>
+                <a:ea typeface="DejaVu Sans"/>
+              </a:rPr>
+              <a:t>Text and file manipulation and search</a:t>
+            </a:r>
+            <a:endParaRPr b="0" lang="en-GB" sz="2600" spc="-1" strike="noStrike">
+              <a:latin typeface="Arial"/>
+            </a:endParaRPr>
+          </a:p>
+          <a:p>
+            <a:pPr lvl="1" marL="432000" indent="-215640">
+              <a:lnSpc>
+                <a:spcPct val="100000"/>
+              </a:lnSpc>
+              <a:buClr>
+                <a:srgbClr val="000000"/>
+              </a:buClr>
+              <a:buSzPct val="45000"/>
+              <a:buFont typeface="Wingdings" charset="2"/>
+              <a:buChar char=""/>
+            </a:pPr>
+            <a:r>
+              <a:rPr b="1" lang="en-GB" sz="2600" spc="-1" strike="noStrike">
+                <a:solidFill>
+                  <a:srgbClr val="1c1c1c"/>
+                </a:solidFill>
+                <a:latin typeface="Source Sans Pro Semibold"/>
+                <a:ea typeface="DejaVu Sans"/>
+              </a:rPr>
               <a:t>Readline</a:t>
             </a:r>
             <a:endParaRPr b="0" lang="en-GB" sz="2600" spc="-1" strike="noStrike">
@@ -5724,23 +8206,17 @@
             </a:endParaRPr>
           </a:p>
           <a:p>
-            <a:pPr marL="216000" indent="-214200">
-              <a:lnSpc>
-                <a:spcPct val="100000"/>
-              </a:lnSpc>
-              <a:buClr>
-                <a:srgbClr val="000000"/>
-              </a:buClr>
-              <a:buSzPct val="45000"/>
-              <a:buFont typeface="Wingdings" charset="2"/>
-              <a:buChar char=""/>
-            </a:pPr>
-            <a:endParaRPr b="0" lang="en-GB" sz="2600" spc="-1" strike="noStrike">
-              <a:latin typeface="Arial"/>
-            </a:endParaRPr>
-          </a:p>
-          <a:p>
-            <a:pPr marL="216000" indent="-214200">
+            <a:pPr>
+              <a:lnSpc>
+                <a:spcPct val="100000"/>
+              </a:lnSpc>
+            </a:pPr>
+            <a:endParaRPr b="0" lang="en-GB" sz="2600" spc="-1" strike="noStrike">
+              <a:latin typeface="Arial"/>
+            </a:endParaRPr>
+          </a:p>
+          <a:p>
+            <a:pPr marL="216000" indent="-213840">
               <a:lnSpc>
                 <a:spcPct val="100000"/>
               </a:lnSpc>
@@ -5759,14 +8235,14 @@
                 <a:latin typeface="Source Sans Pro Semibold"/>
                 <a:ea typeface="DejaVu Sans"/>
               </a:rPr>
-              <a:t>Part II – Text and Files</a:t>
-            </a:r>
-            <a:endParaRPr b="0" lang="en-GB" sz="2600" spc="-1" strike="noStrike">
-              <a:latin typeface="Arial"/>
-            </a:endParaRPr>
-          </a:p>
-          <a:p>
-            <a:pPr lvl="1" marL="432000" indent="-216000">
+              <a:t>Part III – Networking and System</a:t>
+            </a:r>
+            <a:endParaRPr b="0" lang="en-GB" sz="2600" spc="-1" strike="noStrike">
+              <a:latin typeface="Arial"/>
+            </a:endParaRPr>
+          </a:p>
+          <a:p>
+            <a:pPr lvl="1" marL="432000" indent="-215640">
               <a:lnSpc>
                 <a:spcPct val="100000"/>
               </a:lnSpc>
@@ -5785,30 +8261,14 @@
                 <a:latin typeface="Source Sans Pro Semibold"/>
                 <a:ea typeface="DejaVu Sans"/>
               </a:rPr>
-              <a:t>Text and file manipulation and search</a:t>
-            </a:r>
-            <a:endParaRPr b="0" lang="en-GB" sz="2600" spc="-1" strike="noStrike">
-              <a:latin typeface="Arial"/>
-            </a:endParaRPr>
-          </a:p>
-          <a:p>
-            <a:pPr marL="216000" indent="-214200">
-              <a:lnSpc>
-                <a:spcPct val="100000"/>
-              </a:lnSpc>
-              <a:buClr>
-                <a:srgbClr val="000000"/>
-              </a:buClr>
-              <a:buSzPct val="45000"/>
-              <a:buFont typeface="Wingdings" charset="2"/>
-              <a:buChar char=""/>
-            </a:pPr>
-            <a:endParaRPr b="0" lang="en-GB" sz="2600" spc="-1" strike="noStrike">
-              <a:latin typeface="Arial"/>
-            </a:endParaRPr>
-          </a:p>
-          <a:p>
-            <a:pPr marL="216000" indent="-214200">
+              <a:t>Web requests</a:t>
+            </a:r>
+            <a:endParaRPr b="0" lang="en-GB" sz="2600" spc="-1" strike="noStrike">
+              <a:latin typeface="Arial"/>
+            </a:endParaRPr>
+          </a:p>
+          <a:p>
+            <a:pPr lvl="1" marL="432000" indent="-215640">
               <a:lnSpc>
                 <a:spcPct val="100000"/>
               </a:lnSpc>
@@ -5827,14 +8287,14 @@
                 <a:latin typeface="Source Sans Pro Semibold"/>
                 <a:ea typeface="DejaVu Sans"/>
               </a:rPr>
-              <a:t>Part III – Networking and System</a:t>
-            </a:r>
-            <a:endParaRPr b="0" lang="en-GB" sz="2600" spc="-1" strike="noStrike">
-              <a:latin typeface="Arial"/>
-            </a:endParaRPr>
-          </a:p>
-          <a:p>
-            <a:pPr lvl="1" marL="432000" indent="-216000">
+              <a:t>Network debugging</a:t>
+            </a:r>
+            <a:endParaRPr b="0" lang="en-GB" sz="2600" spc="-1" strike="noStrike">
+              <a:latin typeface="Arial"/>
+            </a:endParaRPr>
+          </a:p>
+          <a:p>
+            <a:pPr lvl="1" marL="432000" indent="-215640">
               <a:lnSpc>
                 <a:spcPct val="100000"/>
               </a:lnSpc>
@@ -5853,14 +8313,14 @@
                 <a:latin typeface="Source Sans Pro Semibold"/>
                 <a:ea typeface="DejaVu Sans"/>
               </a:rPr>
-              <a:t>Web requests</a:t>
-            </a:r>
-            <a:endParaRPr b="0" lang="en-GB" sz="2600" spc="-1" strike="noStrike">
-              <a:latin typeface="Arial"/>
-            </a:endParaRPr>
-          </a:p>
-          <a:p>
-            <a:pPr lvl="1" marL="432000" indent="-216000">
+              <a:t>Service management</a:t>
+            </a:r>
+            <a:endParaRPr b="0" lang="en-GB" sz="2600" spc="-1" strike="noStrike">
+              <a:latin typeface="Arial"/>
+            </a:endParaRPr>
+          </a:p>
+          <a:p>
+            <a:pPr lvl="1" marL="432000" indent="-215640">
               <a:lnSpc>
                 <a:spcPct val="100000"/>
               </a:lnSpc>
@@ -5879,58 +8339,6 @@
                 <a:latin typeface="Source Sans Pro Semibold"/>
                 <a:ea typeface="DejaVu Sans"/>
               </a:rPr>
-              <a:t>Network debugging</a:t>
-            </a:r>
-            <a:endParaRPr b="0" lang="en-GB" sz="2600" spc="-1" strike="noStrike">
-              <a:latin typeface="Arial"/>
-            </a:endParaRPr>
-          </a:p>
-          <a:p>
-            <a:pPr lvl="1" marL="432000" indent="-216000">
-              <a:lnSpc>
-                <a:spcPct val="100000"/>
-              </a:lnSpc>
-              <a:buClr>
-                <a:srgbClr val="000000"/>
-              </a:buClr>
-              <a:buSzPct val="45000"/>
-              <a:buFont typeface="Wingdings" charset="2"/>
-              <a:buChar char=""/>
-            </a:pPr>
-            <a:r>
-              <a:rPr b="1" lang="en-GB" sz="2600" spc="-1" strike="noStrike">
-                <a:solidFill>
-                  <a:srgbClr val="1c1c1c"/>
-                </a:solidFill>
-                <a:latin typeface="Source Sans Pro Semibold"/>
-                <a:ea typeface="DejaVu Sans"/>
-              </a:rPr>
-              <a:t>Service management</a:t>
-            </a:r>
-            <a:endParaRPr b="0" lang="en-GB" sz="2600" spc="-1" strike="noStrike">
-              <a:latin typeface="Arial"/>
-            </a:endParaRPr>
-          </a:p>
-          <a:p>
-            <a:pPr lvl="1" marL="432000" indent="-216000">
-              <a:lnSpc>
-                <a:spcPct val="100000"/>
-              </a:lnSpc>
-              <a:buClr>
-                <a:srgbClr val="000000"/>
-              </a:buClr>
-              <a:buSzPct val="45000"/>
-              <a:buFont typeface="Wingdings" charset="2"/>
-              <a:buChar char=""/>
-            </a:pPr>
-            <a:r>
-              <a:rPr b="1" lang="en-GB" sz="2600" spc="-1" strike="noStrike">
-                <a:solidFill>
-                  <a:srgbClr val="1c1c1c"/>
-                </a:solidFill>
-                <a:latin typeface="Source Sans Pro Semibold"/>
-                <a:ea typeface="DejaVu Sans"/>
-              </a:rPr>
               <a:t>System monitoring</a:t>
             </a:r>
             <a:endParaRPr b="0" lang="en-GB" sz="2600" spc="-1" strike="noStrike">
@@ -5938,16 +8346,10 @@
             </a:endParaRPr>
           </a:p>
           <a:p>
-            <a:pPr marL="216000" indent="-214200">
-              <a:lnSpc>
-                <a:spcPct val="100000"/>
-              </a:lnSpc>
-              <a:buClr>
-                <a:srgbClr val="000000"/>
-              </a:buClr>
-              <a:buSzPct val="45000"/>
-              <a:buFont typeface="Wingdings" charset="2"/>
-              <a:buChar char=""/>
+            <a:pPr>
+              <a:lnSpc>
+                <a:spcPct val="100000"/>
+              </a:lnSpc>
             </a:pPr>
             <a:endParaRPr b="0" lang="en-GB" sz="2600" spc="-1" strike="noStrike">
               <a:latin typeface="Arial"/>
@@ -5994,7 +8396,7 @@
         <p:spPr>
           <a:xfrm>
             <a:off x="360000" y="360000"/>
-            <a:ext cx="9358200" cy="898200"/>
+            <a:ext cx="9357840" cy="897840"/>
           </a:xfrm>
           <a:prstGeom prst="rect">
             <a:avLst/>
@@ -6045,7 +8447,7 @@
         <p:spPr>
           <a:xfrm>
             <a:off x="360000" y="1980000"/>
-            <a:ext cx="9178200" cy="4678200"/>
+            <a:ext cx="9177840" cy="4677840"/>
           </a:xfrm>
           <a:prstGeom prst="rect">
             <a:avLst/>
@@ -6076,7 +8478,7 @@
             </a:endParaRPr>
           </a:p>
           <a:p>
-            <a:pPr marL="216000" indent="-214200">
+            <a:pPr marL="216000" indent="-213840">
               <a:lnSpc>
                 <a:spcPct val="100000"/>
               </a:lnSpc>
@@ -6112,7 +8514,7 @@
             </a:endParaRPr>
           </a:p>
           <a:p>
-            <a:pPr marL="216000" indent="-214200">
+            <a:pPr marL="216000" indent="-213840">
               <a:lnSpc>
                 <a:spcPct val="100000"/>
               </a:lnSpc>
@@ -6148,7 +8550,7 @@
             </a:endParaRPr>
           </a:p>
           <a:p>
-            <a:pPr marL="216000" indent="-214200">
+            <a:pPr marL="216000" indent="-213840">
               <a:lnSpc>
                 <a:spcPct val="100000"/>
               </a:lnSpc>
@@ -6184,7 +8586,7 @@
             </a:endParaRPr>
           </a:p>
           <a:p>
-            <a:pPr marL="216000" indent="-214200">
+            <a:pPr marL="216000" indent="-213840">
               <a:lnSpc>
                 <a:spcPct val="100000"/>
               </a:lnSpc>
@@ -6260,7 +8662,7 @@
         <p:spPr>
           <a:xfrm>
             <a:off x="360000" y="360000"/>
-            <a:ext cx="9358200" cy="898200"/>
+            <a:ext cx="9357840" cy="897840"/>
           </a:xfrm>
           <a:prstGeom prst="rect">
             <a:avLst/>
@@ -6311,7 +8713,7 @@
         <p:spPr>
           <a:xfrm>
             <a:off x="360000" y="1980000"/>
-            <a:ext cx="9178200" cy="4678200"/>
+            <a:ext cx="9177840" cy="4677840"/>
           </a:xfrm>
           <a:prstGeom prst="rect">
             <a:avLst/>
@@ -6342,7 +8744,7 @@
             </a:endParaRPr>
           </a:p>
           <a:p>
-            <a:pPr marL="216000" indent="-214200">
+            <a:pPr marL="216000" indent="-213840">
               <a:lnSpc>
                 <a:spcPct val="100000"/>
               </a:lnSpc>
@@ -6368,23 +8770,17 @@
             </a:endParaRPr>
           </a:p>
           <a:p>
-            <a:pPr marL="216000" indent="-214200">
-              <a:lnSpc>
-                <a:spcPct val="100000"/>
-              </a:lnSpc>
-              <a:buClr>
-                <a:srgbClr val="000000"/>
-              </a:buClr>
-              <a:buSzPct val="45000"/>
-              <a:buFont typeface="Wingdings" charset="2"/>
-              <a:buChar char=""/>
-            </a:pPr>
-            <a:endParaRPr b="0" lang="en-GB" sz="2600" spc="-1" strike="noStrike">
-              <a:latin typeface="Arial"/>
-            </a:endParaRPr>
-          </a:p>
-          <a:p>
-            <a:pPr marL="216000" indent="-214200">
+            <a:pPr>
+              <a:lnSpc>
+                <a:spcPct val="100000"/>
+              </a:lnSpc>
+            </a:pPr>
+            <a:endParaRPr b="0" lang="en-GB" sz="2600" spc="-1" strike="noStrike">
+              <a:latin typeface="Arial"/>
+            </a:endParaRPr>
+          </a:p>
+          <a:p>
+            <a:pPr marL="216000" indent="-213840">
               <a:lnSpc>
                 <a:spcPct val="100000"/>
               </a:lnSpc>
@@ -6460,7 +8856,7 @@
         <p:spPr>
           <a:xfrm>
             <a:off x="360000" y="360000"/>
-            <a:ext cx="9358200" cy="898200"/>
+            <a:ext cx="9357840" cy="897840"/>
           </a:xfrm>
           <a:prstGeom prst="rect">
             <a:avLst/>
@@ -6511,7 +8907,7 @@
         <p:spPr>
           <a:xfrm>
             <a:off x="360000" y="1980000"/>
-            <a:ext cx="9178200" cy="4678200"/>
+            <a:ext cx="9177840" cy="4677840"/>
           </a:xfrm>
           <a:prstGeom prst="rect">
             <a:avLst/>
@@ -6542,7 +8938,7 @@
             </a:endParaRPr>
           </a:p>
           <a:p>
-            <a:pPr marL="216000" indent="-214200">
+            <a:pPr marL="216000" indent="-213840">
               <a:lnSpc>
                 <a:spcPct val="100000"/>
               </a:lnSpc>
@@ -6561,8 +8957,186 @@
                 <a:latin typeface="Source Sans Pro Semibold"/>
                 <a:ea typeface="DejaVu Sans"/>
               </a:rPr>
-              <a:t>Part I </a:t>
-            </a:r>
+              <a:t>Part I - Core commands</a:t>
+            </a:r>
+            <a:endParaRPr b="0" lang="en-GB" sz="2600" spc="-1" strike="noStrike">
+              <a:latin typeface="Arial"/>
+            </a:endParaRPr>
+          </a:p>
+          <a:p>
+            <a:pPr lvl="2" marL="648000" indent="-216000">
+              <a:lnSpc>
+                <a:spcPct val="100000"/>
+              </a:lnSpc>
+              <a:buClr>
+                <a:srgbClr val="000000"/>
+              </a:buClr>
+              <a:buSzPct val="45000"/>
+              <a:buFont typeface="Wingdings" charset="2"/>
+              <a:buChar char=""/>
+            </a:pPr>
+            <a:endParaRPr b="0" lang="en-GB" sz="2600" spc="-1" strike="noStrike">
+              <a:latin typeface="Arial"/>
+            </a:endParaRPr>
+          </a:p>
+          <a:p>
+            <a:pPr lvl="2" marL="648000" indent="-216000">
+              <a:lnSpc>
+                <a:spcPct val="100000"/>
+              </a:lnSpc>
+              <a:buClr>
+                <a:srgbClr val="000000"/>
+              </a:buClr>
+              <a:buSzPct val="45000"/>
+              <a:buFont typeface="Wingdings" charset="2"/>
+              <a:buChar char=""/>
+            </a:pPr>
+            <a:r>
+              <a:rPr b="1" lang="en-GB" sz="2600" spc="-1" strike="noStrike">
+                <a:solidFill>
+                  <a:srgbClr val="1c1c1c"/>
+                </a:solidFill>
+                <a:latin typeface="Source Sans Pro Semibold"/>
+                <a:ea typeface="DejaVu Sans"/>
+              </a:rPr>
+              <a:t>Exercise / Break</a:t>
+            </a:r>
+            <a:endParaRPr b="0" lang="en-GB" sz="2600" spc="-1" strike="noStrike">
+              <a:latin typeface="Arial"/>
+            </a:endParaRPr>
+          </a:p>
+          <a:p>
+            <a:pPr marL="216000" indent="-213840">
+              <a:lnSpc>
+                <a:spcPct val="100000"/>
+              </a:lnSpc>
+              <a:buClr>
+                <a:srgbClr val="000000"/>
+              </a:buClr>
+              <a:buSzPct val="45000"/>
+              <a:buFont typeface="Wingdings" charset="2"/>
+              <a:buChar char=""/>
+            </a:pPr>
+            <a:endParaRPr b="0" lang="en-GB" sz="2600" spc="-1" strike="noStrike">
+              <a:latin typeface="Arial"/>
+            </a:endParaRPr>
+          </a:p>
+          <a:p>
+            <a:pPr marL="216000" indent="-213840">
+              <a:lnSpc>
+                <a:spcPct val="100000"/>
+              </a:lnSpc>
+              <a:buClr>
+                <a:srgbClr val="000000"/>
+              </a:buClr>
+              <a:buSzPct val="45000"/>
+              <a:buFont typeface="Wingdings" charset="2"/>
+              <a:buChar char=""/>
+            </a:pPr>
+            <a:r>
+              <a:rPr b="1" lang="en-GB" sz="2600" spc="-1" strike="noStrike">
+                <a:solidFill>
+                  <a:srgbClr val="1c1c1c"/>
+                </a:solidFill>
+                <a:latin typeface="Source Sans Pro Semibold"/>
+                <a:ea typeface="DejaVu Sans"/>
+              </a:rPr>
+              <a:t>Part II – Text and File Manipulation Commands</a:t>
+            </a:r>
+            <a:endParaRPr b="0" lang="en-GB" sz="2600" spc="-1" strike="noStrike">
+              <a:latin typeface="Arial"/>
+            </a:endParaRPr>
+          </a:p>
+          <a:p>
+            <a:pPr marL="216000" indent="-213840">
+              <a:lnSpc>
+                <a:spcPct val="100000"/>
+              </a:lnSpc>
+              <a:buClr>
+                <a:srgbClr val="000000"/>
+              </a:buClr>
+              <a:buSzPct val="45000"/>
+              <a:buFont typeface="Wingdings" charset="2"/>
+              <a:buChar char=""/>
+            </a:pPr>
+            <a:endParaRPr b="0" lang="en-GB" sz="2600" spc="-1" strike="noStrike">
+              <a:latin typeface="Arial"/>
+            </a:endParaRPr>
+          </a:p>
+          <a:p>
+            <a:pPr lvl="2" marL="648000" indent="-216000">
+              <a:lnSpc>
+                <a:spcPct val="100000"/>
+              </a:lnSpc>
+              <a:buClr>
+                <a:srgbClr val="000000"/>
+              </a:buClr>
+              <a:buSzPct val="45000"/>
+              <a:buFont typeface="Wingdings" charset="2"/>
+              <a:buChar char=""/>
+            </a:pPr>
+            <a:r>
+              <a:rPr b="1" lang="en-GB" sz="2600" spc="-1" strike="noStrike">
+                <a:solidFill>
+                  <a:srgbClr val="1c1c1c"/>
+                </a:solidFill>
+                <a:latin typeface="Source Sans Pro Semibold"/>
+                <a:ea typeface="DejaVu Sans"/>
+              </a:rPr>
+              <a:t>Exercise / Break</a:t>
+            </a:r>
+            <a:endParaRPr b="0" lang="en-GB" sz="2600" spc="-1" strike="noStrike">
+              <a:latin typeface="Arial"/>
+            </a:endParaRPr>
+          </a:p>
+          <a:p>
+            <a:pPr marL="216000" indent="-213840">
+              <a:lnSpc>
+                <a:spcPct val="100000"/>
+              </a:lnSpc>
+              <a:buClr>
+                <a:srgbClr val="000000"/>
+              </a:buClr>
+              <a:buSzPct val="45000"/>
+              <a:buFont typeface="Wingdings" charset="2"/>
+              <a:buChar char=""/>
+            </a:pPr>
+            <a:endParaRPr b="0" lang="en-GB" sz="2600" spc="-1" strike="noStrike">
+              <a:latin typeface="Arial"/>
+            </a:endParaRPr>
+          </a:p>
+          <a:p>
+            <a:pPr marL="216000" indent="-213840">
+              <a:lnSpc>
+                <a:spcPct val="100000"/>
+              </a:lnSpc>
+              <a:buClr>
+                <a:srgbClr val="000000"/>
+              </a:buClr>
+              <a:buSzPct val="45000"/>
+              <a:buFont typeface="Wingdings" charset="2"/>
+              <a:buChar char=""/>
+            </a:pPr>
+            <a:r>
+              <a:rPr b="1" lang="en-GB" sz="2600" spc="-1" strike="noStrike">
+                <a:solidFill>
+                  <a:srgbClr val="1c1c1c"/>
+                </a:solidFill>
+                <a:latin typeface="Source Sans Pro Semibold"/>
+                <a:ea typeface="DejaVu Sans"/>
+              </a:rPr>
+              <a:t>Part III – Networking and System Commands</a:t>
+            </a:r>
+            <a:endParaRPr b="0" lang="en-GB" sz="2600" spc="-1" strike="noStrike">
+              <a:latin typeface="Arial"/>
+            </a:endParaRPr>
+          </a:p>
+          <a:p>
+            <a:pPr>
+              <a:lnSpc>
+                <a:spcPct val="100000"/>
+              </a:lnSpc>
+            </a:pPr>
             <a:endParaRPr b="0" lang="en-GB" sz="2600" spc="-1" strike="noStrike">
               <a:latin typeface="Arial"/>
             </a:endParaRPr>

--- a/slides/introduction_to_the_command_line.pptx
+++ b/slides/introduction_to_the_command_line.pptx
@@ -2785,7 +2785,7 @@
         <p:spPr>
           <a:xfrm>
             <a:off x="0" y="3150000"/>
-            <a:ext cx="9717840" cy="1257840"/>
+            <a:ext cx="9717480" cy="1257480"/>
           </a:xfrm>
           <a:prstGeom prst="rect">
             <a:avLst/>
@@ -3073,7 +3073,7 @@
         <p:spPr>
           <a:xfrm>
             <a:off x="0" y="180000"/>
-            <a:ext cx="9717840" cy="1257840"/>
+            <a:ext cx="9717480" cy="1257480"/>
           </a:xfrm>
           <a:prstGeom prst="rect">
             <a:avLst/>
@@ -3101,7 +3101,7 @@
         <p:spPr>
           <a:xfrm>
             <a:off x="7560000" y="6840000"/>
-            <a:ext cx="2517840" cy="537840"/>
+            <a:ext cx="2517480" cy="537480"/>
           </a:xfrm>
           <a:prstGeom prst="rect">
             <a:avLst/>
@@ -3129,7 +3129,7 @@
         <p:spPr>
           <a:xfrm>
             <a:off x="900000" y="6840000"/>
-            <a:ext cx="6477840" cy="537840"/>
+            <a:ext cx="6477480" cy="537480"/>
           </a:xfrm>
           <a:prstGeom prst="rect">
             <a:avLst/>
@@ -3157,7 +3157,7 @@
         <p:spPr>
           <a:xfrm>
             <a:off x="180000" y="6840000"/>
-            <a:ext cx="537840" cy="537840"/>
+            <a:ext cx="537480" cy="537480"/>
           </a:xfrm>
           <a:prstGeom prst="rect">
             <a:avLst/>
@@ -3436,7 +3436,7 @@
         <p:spPr>
           <a:xfrm>
             <a:off x="360000" y="3330000"/>
-            <a:ext cx="9357840" cy="897840"/>
+            <a:ext cx="9357480" cy="897480"/>
           </a:xfrm>
           <a:prstGeom prst="rect">
             <a:avLst/>
@@ -3487,7 +3487,7 @@
         <p:spPr>
           <a:xfrm>
             <a:off x="540000" y="4680000"/>
-            <a:ext cx="9177840" cy="2517840"/>
+            <a:ext cx="9177480" cy="2517480"/>
           </a:xfrm>
           <a:prstGeom prst="rect">
             <a:avLst/>
@@ -3594,7 +3594,7 @@
         <p:spPr>
           <a:xfrm>
             <a:off x="7132320" y="4663440"/>
-            <a:ext cx="2466720" cy="2466720"/>
+            <a:ext cx="2466360" cy="2466360"/>
           </a:xfrm>
           <a:prstGeom prst="rect">
             <a:avLst/>
@@ -3642,8 +3642,8 @@
         </p:nvSpPr>
         <p:spPr>
           <a:xfrm>
-            <a:off x="360000" y="1980000"/>
-            <a:ext cx="9177840" cy="4677840"/>
+            <a:off x="360000" y="360000"/>
+            <a:ext cx="9357480" cy="897480"/>
           </a:xfrm>
           <a:prstGeom prst="rect">
             <a:avLst/>
@@ -3660,7 +3660,7 @@
           <a:fontRef idx="minor"/>
         </p:style>
         <p:txBody>
-          <a:bodyPr lIns="0" rIns="0" tIns="0" bIns="0">
+          <a:bodyPr lIns="0" rIns="0" tIns="0" bIns="0" anchor="b">
             <a:noAutofit/>
           </a:bodyPr>
           <a:p>
@@ -3669,58 +3669,17 @@
                 <a:spcPct val="100000"/>
               </a:lnSpc>
             </a:pPr>
-            <a:endParaRPr b="0" lang="en-GB" sz="1800" spc="-1" strike="noStrike">
-              <a:latin typeface="Arial"/>
-            </a:endParaRPr>
-          </a:p>
-          <a:p>
-            <a:pPr>
-              <a:lnSpc>
-                <a:spcPct val="100000"/>
-              </a:lnSpc>
-            </a:pPr>
-            <a:r>
-              <a:rPr b="1" lang="en-GB" sz="2000" spc="-1" strike="noStrike">
-                <a:solidFill>
-                  <a:srgbClr val="1c1c1c"/>
-                </a:solidFill>
-                <a:latin typeface="Source Sans Pro Semibold"/>
-                <a:ea typeface="DejaVu Sans"/>
-                <a:hlinkClick r:id="rId1"/>
-              </a:rPr>
-              <a:t>https://github.com/ianmiell/introduction-to-the-command-line</a:t>
-            </a:r>
-            <a:endParaRPr b="0" lang="en-GB" sz="2000" spc="-1" strike="noStrike">
-              <a:latin typeface="Arial"/>
-            </a:endParaRPr>
-          </a:p>
-          <a:p>
-            <a:pPr>
-              <a:lnSpc>
-                <a:spcPct val="100000"/>
-              </a:lnSpc>
-            </a:pPr>
-            <a:endParaRPr b="0" lang="en-GB" sz="2000" spc="-1" strike="noStrike">
-              <a:latin typeface="Arial"/>
-            </a:endParaRPr>
-          </a:p>
-          <a:p>
-            <a:pPr>
-              <a:lnSpc>
-                <a:spcPct val="100000"/>
-              </a:lnSpc>
-            </a:pPr>
-            <a:endParaRPr b="0" lang="en-GB" sz="2000" spc="-1" strike="noStrike">
-              <a:latin typeface="Arial"/>
-            </a:endParaRPr>
-          </a:p>
-          <a:p>
-            <a:pPr>
-              <a:lnSpc>
-                <a:spcPct val="100000"/>
-              </a:lnSpc>
-            </a:pPr>
-            <a:endParaRPr b="0" lang="en-GB" sz="2000" spc="-1" strike="noStrike">
+            <a:r>
+              <a:rPr b="1" lang="en-GB" sz="3200" spc="-1" strike="noStrike">
+                <a:solidFill>
+                  <a:srgbClr val="ffffff"/>
+                </a:solidFill>
+                <a:latin typeface="Source Sans Pro Black"/>
+                <a:ea typeface="DejaVu Sans"/>
+              </a:rPr>
+              <a:t>Part I – Core Commands </a:t>
+            </a:r>
+            <a:endParaRPr b="0" lang="en-GB" sz="3200" spc="-1" strike="noStrike">
               <a:latin typeface="Arial"/>
             </a:endParaRPr>
           </a:p>
@@ -3734,8 +3693,8 @@
         </p:nvSpPr>
         <p:spPr>
           <a:xfrm>
-            <a:off x="360000" y="360000"/>
-            <a:ext cx="9357840" cy="897840"/>
+            <a:off x="360000" y="1980000"/>
+            <a:ext cx="9177480" cy="4677480"/>
           </a:xfrm>
           <a:prstGeom prst="rect">
             <a:avLst/>
@@ -3752,7 +3711,7 @@
           <a:fontRef idx="minor"/>
         </p:style>
         <p:txBody>
-          <a:bodyPr lIns="0" rIns="0" tIns="0" bIns="0" anchor="b">
+          <a:bodyPr lIns="0" rIns="0" tIns="0" bIns="0">
             <a:noAutofit/>
           </a:bodyPr>
           <a:p>
@@ -3761,17 +3720,264 @@
                 <a:spcPct val="100000"/>
               </a:lnSpc>
             </a:pPr>
-            <a:r>
-              <a:rPr b="1" lang="en-GB" sz="3200" spc="-1" strike="noStrike">
-                <a:solidFill>
-                  <a:srgbClr val="ffffff"/>
-                </a:solidFill>
-                <a:latin typeface="Source Sans Pro Black"/>
-                <a:ea typeface="DejaVu Sans"/>
-              </a:rPr>
-              <a:t>Materials</a:t>
-            </a:r>
-            <a:endParaRPr b="0" lang="en-GB" sz="3200" spc="-1" strike="noStrike">
+            <a:endParaRPr b="0" lang="en-GB" sz="1800" spc="-1" strike="noStrike">
+              <a:latin typeface="Arial"/>
+            </a:endParaRPr>
+          </a:p>
+          <a:p>
+            <a:pPr>
+              <a:lnSpc>
+                <a:spcPct val="100000"/>
+              </a:lnSpc>
+            </a:pPr>
+            <a:endParaRPr b="0" lang="en-GB" sz="1800" spc="-1" strike="noStrike">
+              <a:latin typeface="Arial"/>
+            </a:endParaRPr>
+          </a:p>
+        </p:txBody>
+      </p:sp>
+      <p:sp>
+        <p:nvSpPr>
+          <p:cNvPr id="102" name="CustomShape 3"/>
+          <p:cNvSpPr/>
+          <p:nvPr/>
+        </p:nvSpPr>
+        <p:spPr>
+          <a:xfrm>
+            <a:off x="432000" y="1866240"/>
+            <a:ext cx="8813880" cy="4699440"/>
+          </a:xfrm>
+          <a:prstGeom prst="rect">
+            <a:avLst/>
+          </a:prstGeom>
+          <a:noFill/>
+          <a:ln>
+            <a:noFill/>
+          </a:ln>
+        </p:spPr>
+        <p:style>
+          <a:lnRef idx="0"/>
+          <a:fillRef idx="0"/>
+          <a:effectRef idx="0"/>
+          <a:fontRef idx="minor"/>
+        </p:style>
+        <p:txBody>
+          <a:bodyPr lIns="90000" rIns="90000" tIns="45000" bIns="45000">
+            <a:noAutofit/>
+          </a:bodyPr>
+          <a:p>
+            <a:pPr marL="216000" indent="-215640">
+              <a:lnSpc>
+                <a:spcPct val="100000"/>
+              </a:lnSpc>
+              <a:buClr>
+                <a:srgbClr val="000000"/>
+              </a:buClr>
+              <a:buSzPct val="45000"/>
+              <a:buFont typeface="Wingdings" charset="2"/>
+              <a:buChar char=""/>
+            </a:pPr>
+            <a:r>
+              <a:rPr b="1" lang="en-GB" sz="2600" spc="-1" strike="noStrike">
+                <a:solidFill>
+                  <a:srgbClr val="1c1c1c"/>
+                </a:solidFill>
+                <a:latin typeface="Source Sans Pro Semibold"/>
+                <a:ea typeface="DejaVu Sans"/>
+              </a:rPr>
+              <a:t>cd</a:t>
+            </a:r>
+            <a:endParaRPr b="0" lang="en-GB" sz="2600" spc="-1" strike="noStrike">
+              <a:latin typeface="Arial"/>
+            </a:endParaRPr>
+          </a:p>
+          <a:p>
+            <a:pPr>
+              <a:lnSpc>
+                <a:spcPct val="100000"/>
+              </a:lnSpc>
+            </a:pPr>
+            <a:endParaRPr b="0" lang="en-GB" sz="2600" spc="-1" strike="noStrike">
+              <a:latin typeface="Arial"/>
+            </a:endParaRPr>
+          </a:p>
+          <a:p>
+            <a:pPr marL="216000" indent="-215640">
+              <a:lnSpc>
+                <a:spcPct val="100000"/>
+              </a:lnSpc>
+              <a:buClr>
+                <a:srgbClr val="000000"/>
+              </a:buClr>
+              <a:buSzPct val="45000"/>
+              <a:buFont typeface="Wingdings" charset="2"/>
+              <a:buChar char=""/>
+            </a:pPr>
+            <a:r>
+              <a:rPr b="1" lang="en-GB" sz="2600" spc="-1" strike="noStrike">
+                <a:solidFill>
+                  <a:srgbClr val="1c1c1c"/>
+                </a:solidFill>
+                <a:latin typeface="Source Sans Pro Semibold"/>
+                <a:ea typeface="DejaVu Sans"/>
+              </a:rPr>
+              <a:t>mkdir</a:t>
+            </a:r>
+            <a:endParaRPr b="0" lang="en-GB" sz="2600" spc="-1" strike="noStrike">
+              <a:latin typeface="Arial"/>
+            </a:endParaRPr>
+          </a:p>
+          <a:p>
+            <a:pPr>
+              <a:lnSpc>
+                <a:spcPct val="100000"/>
+              </a:lnSpc>
+            </a:pPr>
+            <a:endParaRPr b="0" lang="en-GB" sz="2600" spc="-1" strike="noStrike">
+              <a:latin typeface="Arial"/>
+            </a:endParaRPr>
+          </a:p>
+          <a:p>
+            <a:pPr marL="216000" indent="-215640">
+              <a:lnSpc>
+                <a:spcPct val="100000"/>
+              </a:lnSpc>
+              <a:buClr>
+                <a:srgbClr val="000000"/>
+              </a:buClr>
+              <a:buSzPct val="45000"/>
+              <a:buFont typeface="Wingdings" charset="2"/>
+              <a:buChar char=""/>
+            </a:pPr>
+            <a:r>
+              <a:rPr b="1" lang="en-GB" sz="2600" spc="-1" strike="noStrike">
+                <a:solidFill>
+                  <a:srgbClr val="1c1c1c"/>
+                </a:solidFill>
+                <a:latin typeface="Source Sans Pro Semibold"/>
+                <a:ea typeface="DejaVu Sans"/>
+              </a:rPr>
+              <a:t>rm</a:t>
+            </a:r>
+            <a:endParaRPr b="0" lang="en-GB" sz="2600" spc="-1" strike="noStrike">
+              <a:latin typeface="Arial"/>
+            </a:endParaRPr>
+          </a:p>
+          <a:p>
+            <a:pPr>
+              <a:lnSpc>
+                <a:spcPct val="100000"/>
+              </a:lnSpc>
+            </a:pPr>
+            <a:endParaRPr b="0" lang="en-GB" sz="2600" spc="-1" strike="noStrike">
+              <a:latin typeface="Arial"/>
+            </a:endParaRPr>
+          </a:p>
+          <a:p>
+            <a:pPr marL="216000" indent="-215640">
+              <a:lnSpc>
+                <a:spcPct val="100000"/>
+              </a:lnSpc>
+              <a:buClr>
+                <a:srgbClr val="000000"/>
+              </a:buClr>
+              <a:buSzPct val="45000"/>
+              <a:buFont typeface="Wingdings" charset="2"/>
+              <a:buChar char=""/>
+            </a:pPr>
+            <a:r>
+              <a:rPr b="1" lang="en-GB" sz="2600" spc="-1" strike="noStrike">
+                <a:solidFill>
+                  <a:srgbClr val="1c1c1c"/>
+                </a:solidFill>
+                <a:latin typeface="Source Sans Pro Semibold"/>
+                <a:ea typeface="DejaVu Sans"/>
+              </a:rPr>
+              <a:t>ls</a:t>
+            </a:r>
+            <a:endParaRPr b="0" lang="en-GB" sz="2600" spc="-1" strike="noStrike">
+              <a:latin typeface="Arial"/>
+            </a:endParaRPr>
+          </a:p>
+          <a:p>
+            <a:pPr>
+              <a:lnSpc>
+                <a:spcPct val="100000"/>
+              </a:lnSpc>
+            </a:pPr>
+            <a:endParaRPr b="0" lang="en-GB" sz="2600" spc="-1" strike="noStrike">
+              <a:latin typeface="Arial"/>
+            </a:endParaRPr>
+          </a:p>
+          <a:p>
+            <a:pPr marL="216000" indent="-215640">
+              <a:lnSpc>
+                <a:spcPct val="100000"/>
+              </a:lnSpc>
+              <a:buClr>
+                <a:srgbClr val="000000"/>
+              </a:buClr>
+              <a:buSzPct val="45000"/>
+              <a:buFont typeface="Wingdings" charset="2"/>
+              <a:buChar char=""/>
+            </a:pPr>
+            <a:r>
+              <a:rPr b="1" lang="en-GB" sz="2600" spc="-1" strike="noStrike">
+                <a:solidFill>
+                  <a:srgbClr val="1c1c1c"/>
+                </a:solidFill>
+                <a:latin typeface="Source Sans Pro Semibold"/>
+                <a:ea typeface="DejaVu Sans"/>
+              </a:rPr>
+              <a:t>cat</a:t>
+            </a:r>
+            <a:endParaRPr b="0" lang="en-GB" sz="2600" spc="-1" strike="noStrike">
+              <a:latin typeface="Arial"/>
+            </a:endParaRPr>
+          </a:p>
+          <a:p>
+            <a:pPr>
+              <a:lnSpc>
+                <a:spcPct val="100000"/>
+              </a:lnSpc>
+            </a:pPr>
+            <a:endParaRPr b="0" lang="en-GB" sz="2600" spc="-1" strike="noStrike">
+              <a:latin typeface="Arial"/>
+            </a:endParaRPr>
+          </a:p>
+          <a:p>
+            <a:pPr marL="216000" indent="-215640">
+              <a:lnSpc>
+                <a:spcPct val="100000"/>
+              </a:lnSpc>
+              <a:buClr>
+                <a:srgbClr val="000000"/>
+              </a:buClr>
+              <a:buSzPct val="45000"/>
+              <a:buFont typeface="Wingdings" charset="2"/>
+              <a:buChar char=""/>
+            </a:pPr>
+            <a:r>
+              <a:rPr b="1" lang="en-GB" sz="2600" spc="-1" strike="noStrike">
+                <a:solidFill>
+                  <a:srgbClr val="1c1c1c"/>
+                </a:solidFill>
+                <a:latin typeface="Source Sans Pro Semibold"/>
+                <a:ea typeface="DejaVu Sans"/>
+              </a:rPr>
+              <a:t>echo</a:t>
+            </a:r>
+            <a:endParaRPr b="0" lang="en-GB" sz="2600" spc="-1" strike="noStrike">
+              <a:latin typeface="Arial"/>
+            </a:endParaRPr>
+          </a:p>
+          <a:p>
+            <a:pPr>
+              <a:lnSpc>
+                <a:spcPct val="100000"/>
+              </a:lnSpc>
+            </a:pPr>
+            <a:endParaRPr b="0" lang="en-GB" sz="2600" spc="-1" strike="noStrike">
               <a:latin typeface="Arial"/>
             </a:endParaRPr>
           </a:p>
@@ -3809,14 +4015,14 @@
       </p:grpSpPr>
       <p:sp>
         <p:nvSpPr>
-          <p:cNvPr id="102" name="CustomShape 1"/>
+          <p:cNvPr id="103" name="CustomShape 1"/>
           <p:cNvSpPr/>
           <p:nvPr/>
         </p:nvSpPr>
         <p:spPr>
           <a:xfrm>
             <a:off x="360000" y="360000"/>
-            <a:ext cx="9357840" cy="897840"/>
+            <a:ext cx="9357480" cy="897480"/>
           </a:xfrm>
           <a:prstGeom prst="rect">
             <a:avLst/>
@@ -3860,14 +4066,14 @@
       </p:sp>
       <p:sp>
         <p:nvSpPr>
-          <p:cNvPr id="103" name="CustomShape 2"/>
+          <p:cNvPr id="104" name="CustomShape 2"/>
           <p:cNvSpPr/>
           <p:nvPr/>
         </p:nvSpPr>
         <p:spPr>
           <a:xfrm>
             <a:off x="360000" y="1980000"/>
-            <a:ext cx="9177840" cy="4677840"/>
+            <a:ext cx="9177480" cy="4677480"/>
           </a:xfrm>
           <a:prstGeom prst="rect">
             <a:avLst/>
@@ -3911,14 +4117,14 @@
       </p:sp>
       <p:sp>
         <p:nvSpPr>
-          <p:cNvPr id="104" name="TextShape 3"/>
-          <p:cNvSpPr txBox="1"/>
+          <p:cNvPr id="105" name="CustomShape 3"/>
+          <p:cNvSpPr/>
           <p:nvPr/>
         </p:nvSpPr>
         <p:spPr>
           <a:xfrm>
             <a:off x="432000" y="1866240"/>
-            <a:ext cx="8814240" cy="4699800"/>
+            <a:ext cx="8813880" cy="4541400"/>
           </a:xfrm>
           <a:prstGeom prst="rect">
             <a:avLst/>
@@ -3928,12 +4134,21 @@
             <a:noFill/>
           </a:ln>
         </p:spPr>
+        <p:style>
+          <a:lnRef idx="0"/>
+          <a:fillRef idx="0"/>
+          <a:effectRef idx="0"/>
+          <a:fontRef idx="minor"/>
+        </p:style>
         <p:txBody>
           <a:bodyPr lIns="90000" rIns="90000" tIns="45000" bIns="45000">
             <a:noAutofit/>
           </a:bodyPr>
           <a:p>
-            <a:pPr marL="216000" indent="-216000">
+            <a:pPr marL="216000" indent="-215640">
+              <a:lnSpc>
+                <a:spcPct val="100000"/>
+              </a:lnSpc>
               <a:buClr>
                 <a:srgbClr val="000000"/>
               </a:buClr>
@@ -3949,14 +4164,27 @@
                 <a:latin typeface="Source Sans Pro Semibold"/>
                 <a:ea typeface="DejaVu Sans"/>
               </a:rPr>
-              <a:t>cd</a:t>
-            </a:r>
-            <a:endParaRPr b="0" lang="en-GB" sz="2600" spc="-1" strike="noStrike">
-              <a:latin typeface="Arial"/>
-            </a:endParaRPr>
-          </a:p>
-          <a:p>
-            <a:pPr marL="216000" indent="-216000">
+              <a:t>less</a:t>
+            </a:r>
+            <a:endParaRPr b="0" lang="en-GB" sz="2600" spc="-1" strike="noStrike">
+              <a:latin typeface="Arial"/>
+            </a:endParaRPr>
+          </a:p>
+          <a:p>
+            <a:pPr>
+              <a:lnSpc>
+                <a:spcPct val="100000"/>
+              </a:lnSpc>
+            </a:pPr>
+            <a:endParaRPr b="0" lang="en-GB" sz="2600" spc="-1" strike="noStrike">
+              <a:latin typeface="Arial"/>
+            </a:endParaRPr>
+          </a:p>
+          <a:p>
+            <a:pPr lvl="1" marL="432000" indent="-215640">
+              <a:lnSpc>
+                <a:spcPct val="100000"/>
+              </a:lnSpc>
               <a:buClr>
                 <a:srgbClr val="000000"/>
               </a:buClr>
@@ -3964,12 +4192,35 @@
               <a:buFont typeface="Wingdings" charset="2"/>
               <a:buChar char=""/>
             </a:pPr>
-            <a:endParaRPr b="0" lang="en-GB" sz="2600" spc="-1" strike="noStrike">
-              <a:latin typeface="Arial"/>
-            </a:endParaRPr>
-          </a:p>
-          <a:p>
-            <a:pPr marL="216000" indent="-216000">
+            <a:r>
+              <a:rPr b="1" lang="en-GB" sz="2600" spc="-1" strike="noStrike">
+                <a:solidFill>
+                  <a:srgbClr val="1c1c1c"/>
+                </a:solidFill>
+                <a:latin typeface="Source Sans Pro Semibold"/>
+                <a:ea typeface="DejaVu Sans"/>
+              </a:rPr>
+              <a:t>How to use + tips</a:t>
+            </a:r>
+            <a:endParaRPr b="0" lang="en-GB" sz="2600" spc="-1" strike="noStrike">
+              <a:latin typeface="Arial"/>
+            </a:endParaRPr>
+          </a:p>
+          <a:p>
+            <a:pPr>
+              <a:lnSpc>
+                <a:spcPct val="100000"/>
+              </a:lnSpc>
+            </a:pPr>
+            <a:endParaRPr b="0" lang="en-GB" sz="2600" spc="-1" strike="noStrike">
+              <a:latin typeface="Arial"/>
+            </a:endParaRPr>
+          </a:p>
+          <a:p>
+            <a:pPr marL="216000" indent="-215640">
+              <a:lnSpc>
+                <a:spcPct val="100000"/>
+              </a:lnSpc>
               <a:buClr>
                 <a:srgbClr val="000000"/>
               </a:buClr>
@@ -3985,14 +4236,27 @@
                 <a:latin typeface="Source Sans Pro Semibold"/>
                 <a:ea typeface="DejaVu Sans"/>
               </a:rPr>
-              <a:t>mkdir</a:t>
-            </a:r>
-            <a:endParaRPr b="0" lang="en-GB" sz="2600" spc="-1" strike="noStrike">
-              <a:latin typeface="Arial"/>
-            </a:endParaRPr>
-          </a:p>
-          <a:p>
-            <a:pPr marL="216000" indent="-216000">
+              <a:t>man</a:t>
+            </a:r>
+            <a:endParaRPr b="0" lang="en-GB" sz="2600" spc="-1" strike="noStrike">
+              <a:latin typeface="Arial"/>
+            </a:endParaRPr>
+          </a:p>
+          <a:p>
+            <a:pPr>
+              <a:lnSpc>
+                <a:spcPct val="100000"/>
+              </a:lnSpc>
+            </a:pPr>
+            <a:endParaRPr b="0" lang="en-GB" sz="2600" spc="-1" strike="noStrike">
+              <a:latin typeface="Arial"/>
+            </a:endParaRPr>
+          </a:p>
+          <a:p>
+            <a:pPr lvl="1" marL="432000" indent="-215640">
+              <a:lnSpc>
+                <a:spcPct val="100000"/>
+              </a:lnSpc>
               <a:buClr>
                 <a:srgbClr val="000000"/>
               </a:buClr>
@@ -4000,19 +4264,6 @@
               <a:buFont typeface="Wingdings" charset="2"/>
               <a:buChar char=""/>
             </a:pPr>
-            <a:endParaRPr b="0" lang="en-GB" sz="2600" spc="-1" strike="noStrike">
-              <a:latin typeface="Arial"/>
-            </a:endParaRPr>
-          </a:p>
-          <a:p>
-            <a:pPr marL="216000" indent="-216000">
-              <a:buClr>
-                <a:srgbClr val="000000"/>
-              </a:buClr>
-              <a:buSzPct val="45000"/>
-              <a:buFont typeface="Wingdings" charset="2"/>
-              <a:buChar char=""/>
-            </a:pPr>
             <a:r>
               <a:rPr b="1" lang="en-GB" sz="2600" spc="-1" strike="noStrike">
                 <a:solidFill>
@@ -4021,121 +4272,18 @@
                 <a:latin typeface="Source Sans Pro Semibold"/>
                 <a:ea typeface="DejaVu Sans"/>
               </a:rPr>
-              <a:t>rm</a:t>
-            </a:r>
-            <a:endParaRPr b="0" lang="en-GB" sz="2600" spc="-1" strike="noStrike">
-              <a:latin typeface="Arial"/>
-            </a:endParaRPr>
-          </a:p>
-          <a:p>
-            <a:pPr marL="216000" indent="-216000">
-              <a:buClr>
-                <a:srgbClr val="000000"/>
-              </a:buClr>
-              <a:buSzPct val="45000"/>
-              <a:buFont typeface="Wingdings" charset="2"/>
-              <a:buChar char=""/>
-            </a:pPr>
-            <a:endParaRPr b="0" lang="en-GB" sz="2600" spc="-1" strike="noStrike">
-              <a:latin typeface="Arial"/>
-            </a:endParaRPr>
-          </a:p>
-          <a:p>
-            <a:pPr marL="216000" indent="-216000">
-              <a:buClr>
-                <a:srgbClr val="000000"/>
-              </a:buClr>
-              <a:buSzPct val="45000"/>
-              <a:buFont typeface="Wingdings" charset="2"/>
-              <a:buChar char=""/>
-            </a:pPr>
-            <a:r>
-              <a:rPr b="1" lang="en-GB" sz="2600" spc="-1" strike="noStrike">
-                <a:solidFill>
-                  <a:srgbClr val="1c1c1c"/>
-                </a:solidFill>
-                <a:latin typeface="Source Sans Pro Semibold"/>
-                <a:ea typeface="DejaVu Sans"/>
-              </a:rPr>
-              <a:t>ls</a:t>
-            </a:r>
-            <a:endParaRPr b="0" lang="en-GB" sz="2600" spc="-1" strike="noStrike">
-              <a:latin typeface="Arial"/>
-            </a:endParaRPr>
-          </a:p>
-          <a:p>
-            <a:pPr marL="216000" indent="-216000">
-              <a:buClr>
-                <a:srgbClr val="000000"/>
-              </a:buClr>
-              <a:buSzPct val="45000"/>
-              <a:buFont typeface="Wingdings" charset="2"/>
-              <a:buChar char=""/>
-            </a:pPr>
-            <a:endParaRPr b="0" lang="en-GB" sz="2600" spc="-1" strike="noStrike">
-              <a:latin typeface="Arial"/>
-            </a:endParaRPr>
-          </a:p>
-          <a:p>
-            <a:pPr marL="216000" indent="-216000">
-              <a:buClr>
-                <a:srgbClr val="000000"/>
-              </a:buClr>
-              <a:buSzPct val="45000"/>
-              <a:buFont typeface="Wingdings" charset="2"/>
-              <a:buChar char=""/>
-            </a:pPr>
-            <a:r>
-              <a:rPr b="1" lang="en-GB" sz="2600" spc="-1" strike="noStrike">
-                <a:solidFill>
-                  <a:srgbClr val="1c1c1c"/>
-                </a:solidFill>
-                <a:latin typeface="Source Sans Pro Semibold"/>
-                <a:ea typeface="DejaVu Sans"/>
-              </a:rPr>
-              <a:t>cat</a:t>
-            </a:r>
-            <a:endParaRPr b="0" lang="en-GB" sz="2600" spc="-1" strike="noStrike">
-              <a:latin typeface="Arial"/>
-            </a:endParaRPr>
-          </a:p>
-          <a:p>
-            <a:pPr marL="216000" indent="-216000">
-              <a:buClr>
-                <a:srgbClr val="000000"/>
-              </a:buClr>
-              <a:buSzPct val="45000"/>
-              <a:buFont typeface="Wingdings" charset="2"/>
-              <a:buChar char=""/>
-            </a:pPr>
-            <a:endParaRPr b="0" lang="en-GB" sz="2600" spc="-1" strike="noStrike">
-              <a:latin typeface="Arial"/>
-            </a:endParaRPr>
-          </a:p>
-          <a:p>
-            <a:pPr marL="216000" indent="-216000">
-              <a:buClr>
-                <a:srgbClr val="000000"/>
-              </a:buClr>
-              <a:buSzPct val="45000"/>
-              <a:buFont typeface="Wingdings" charset="2"/>
-              <a:buChar char=""/>
-            </a:pPr>
-            <a:r>
-              <a:rPr b="1" lang="en-GB" sz="2600" spc="-1" strike="noStrike">
-                <a:solidFill>
-                  <a:srgbClr val="1c1c1c"/>
-                </a:solidFill>
-                <a:latin typeface="Source Sans Pro Semibold"/>
-                <a:ea typeface="DejaVu Sans"/>
-              </a:rPr>
-              <a:t>echo</a:t>
-            </a:r>
-            <a:endParaRPr b="0" lang="en-GB" sz="2600" spc="-1" strike="noStrike">
-              <a:latin typeface="Arial"/>
-            </a:endParaRPr>
-          </a:p>
-          <a:p>
+              <a:t>How to use + tips</a:t>
+            </a:r>
+            <a:endParaRPr b="0" lang="en-GB" sz="2600" spc="-1" strike="noStrike">
+              <a:latin typeface="Arial"/>
+            </a:endParaRPr>
+          </a:p>
+          <a:p>
+            <a:pPr>
+              <a:lnSpc>
+                <a:spcPct val="100000"/>
+              </a:lnSpc>
+            </a:pPr>
             <a:endParaRPr b="0" lang="en-GB" sz="2600" spc="-1" strike="noStrike">
               <a:latin typeface="Arial"/>
             </a:endParaRPr>
@@ -4174,14 +4322,14 @@
       </p:grpSpPr>
       <p:sp>
         <p:nvSpPr>
-          <p:cNvPr id="105" name="CustomShape 1"/>
+          <p:cNvPr id="106" name="CustomShape 1"/>
           <p:cNvSpPr/>
           <p:nvPr/>
         </p:nvSpPr>
         <p:spPr>
           <a:xfrm>
             <a:off x="360000" y="360000"/>
-            <a:ext cx="9357840" cy="897840"/>
+            <a:ext cx="9357480" cy="897480"/>
           </a:xfrm>
           <a:prstGeom prst="rect">
             <a:avLst/>
@@ -4215,7 +4363,7 @@
                 <a:latin typeface="Source Sans Pro Black"/>
                 <a:ea typeface="DejaVu Sans"/>
               </a:rPr>
-              <a:t>Part I – Core Commands </a:t>
+              <a:t>Part I – Exercise / Break </a:t>
             </a:r>
             <a:endParaRPr b="0" lang="en-GB" sz="3200" spc="-1" strike="noStrike">
               <a:latin typeface="Arial"/>
@@ -4225,14 +4373,14 @@
       </p:sp>
       <p:sp>
         <p:nvSpPr>
-          <p:cNvPr id="106" name="CustomShape 2"/>
+          <p:cNvPr id="107" name="CustomShape 2"/>
           <p:cNvSpPr/>
           <p:nvPr/>
         </p:nvSpPr>
         <p:spPr>
           <a:xfrm>
             <a:off x="360000" y="1980000"/>
-            <a:ext cx="9177840" cy="4677840"/>
+            <a:ext cx="9177480" cy="4677480"/>
           </a:xfrm>
           <a:prstGeom prst="rect">
             <a:avLst/>
@@ -4269,167 +4417,6 @@
               </a:lnSpc>
             </a:pPr>
             <a:endParaRPr b="0" lang="en-GB" sz="1800" spc="-1" strike="noStrike">
-              <a:latin typeface="Arial"/>
-            </a:endParaRPr>
-          </a:p>
-        </p:txBody>
-      </p:sp>
-      <p:sp>
-        <p:nvSpPr>
-          <p:cNvPr id="107" name="TextShape 3"/>
-          <p:cNvSpPr txBox="1"/>
-          <p:nvPr/>
-        </p:nvSpPr>
-        <p:spPr>
-          <a:xfrm>
-            <a:off x="432000" y="1866240"/>
-            <a:ext cx="8814240" cy="4541760"/>
-          </a:xfrm>
-          <a:prstGeom prst="rect">
-            <a:avLst/>
-          </a:prstGeom>
-          <a:noFill/>
-          <a:ln>
-            <a:noFill/>
-          </a:ln>
-        </p:spPr>
-        <p:txBody>
-          <a:bodyPr lIns="90000" rIns="90000" tIns="45000" bIns="45000">
-            <a:noAutofit/>
-          </a:bodyPr>
-          <a:p>
-            <a:pPr marL="216000" indent="-216000">
-              <a:buClr>
-                <a:srgbClr val="000000"/>
-              </a:buClr>
-              <a:buSzPct val="45000"/>
-              <a:buFont typeface="Wingdings" charset="2"/>
-              <a:buChar char=""/>
-            </a:pPr>
-            <a:r>
-              <a:rPr b="1" lang="en-GB" sz="2600" spc="-1" strike="noStrike">
-                <a:solidFill>
-                  <a:srgbClr val="1c1c1c"/>
-                </a:solidFill>
-                <a:latin typeface="Source Sans Pro Semibold"/>
-                <a:ea typeface="DejaVu Sans"/>
-              </a:rPr>
-              <a:t>less</a:t>
-            </a:r>
-            <a:endParaRPr b="0" lang="en-GB" sz="2600" spc="-1" strike="noStrike">
-              <a:latin typeface="Arial"/>
-            </a:endParaRPr>
-          </a:p>
-          <a:p>
-            <a:pPr lvl="1" marL="432000" indent="-216000">
-              <a:buClr>
-                <a:srgbClr val="000000"/>
-              </a:buClr>
-              <a:buSzPct val="45000"/>
-              <a:buFont typeface="Wingdings" charset="2"/>
-              <a:buChar char=""/>
-            </a:pPr>
-            <a:endParaRPr b="0" lang="en-GB" sz="2600" spc="-1" strike="noStrike">
-              <a:latin typeface="Arial"/>
-            </a:endParaRPr>
-          </a:p>
-          <a:p>
-            <a:pPr lvl="1" marL="432000" indent="-216000">
-              <a:buClr>
-                <a:srgbClr val="000000"/>
-              </a:buClr>
-              <a:buSzPct val="45000"/>
-              <a:buFont typeface="Wingdings" charset="2"/>
-              <a:buChar char=""/>
-            </a:pPr>
-            <a:r>
-              <a:rPr b="1" lang="en-GB" sz="2600" spc="-1" strike="noStrike">
-                <a:solidFill>
-                  <a:srgbClr val="1c1c1c"/>
-                </a:solidFill>
-                <a:latin typeface="Source Sans Pro Semibold"/>
-                <a:ea typeface="DejaVu Sans"/>
-              </a:rPr>
-              <a:t>How to use + tips</a:t>
-            </a:r>
-            <a:endParaRPr b="0" lang="en-GB" sz="2600" spc="-1" strike="noStrike">
-              <a:latin typeface="Arial"/>
-            </a:endParaRPr>
-          </a:p>
-          <a:p>
-            <a:pPr marL="216000" indent="-216000">
-              <a:buClr>
-                <a:srgbClr val="000000"/>
-              </a:buClr>
-              <a:buSzPct val="45000"/>
-              <a:buFont typeface="Wingdings" charset="2"/>
-              <a:buChar char=""/>
-            </a:pPr>
-            <a:endParaRPr b="0" lang="en-GB" sz="2600" spc="-1" strike="noStrike">
-              <a:latin typeface="Arial"/>
-            </a:endParaRPr>
-          </a:p>
-          <a:p>
-            <a:pPr marL="216000" indent="-216000">
-              <a:buClr>
-                <a:srgbClr val="000000"/>
-              </a:buClr>
-              <a:buSzPct val="45000"/>
-              <a:buFont typeface="Wingdings" charset="2"/>
-              <a:buChar char=""/>
-            </a:pPr>
-            <a:r>
-              <a:rPr b="1" lang="en-GB" sz="2600" spc="-1" strike="noStrike">
-                <a:solidFill>
-                  <a:srgbClr val="1c1c1c"/>
-                </a:solidFill>
-                <a:latin typeface="Source Sans Pro Semibold"/>
-                <a:ea typeface="DejaVu Sans"/>
-              </a:rPr>
-              <a:t>man</a:t>
-            </a:r>
-            <a:endParaRPr b="0" lang="en-GB" sz="2600" spc="-1" strike="noStrike">
-              <a:latin typeface="Arial"/>
-            </a:endParaRPr>
-          </a:p>
-          <a:p>
-            <a:pPr marL="216000" indent="-216000">
-              <a:buClr>
-                <a:srgbClr val="000000"/>
-              </a:buClr>
-              <a:buSzPct val="45000"/>
-              <a:buFont typeface="Wingdings" charset="2"/>
-              <a:buChar char=""/>
-            </a:pPr>
-            <a:endParaRPr b="0" lang="en-GB" sz="2600" spc="-1" strike="noStrike">
-              <a:latin typeface="Arial"/>
-            </a:endParaRPr>
-          </a:p>
-          <a:p>
-            <a:pPr lvl="1" marL="432000" indent="-216000">
-              <a:buClr>
-                <a:srgbClr val="000000"/>
-              </a:buClr>
-              <a:buSzPct val="45000"/>
-              <a:buFont typeface="Wingdings" charset="2"/>
-              <a:buChar char=""/>
-            </a:pPr>
-            <a:r>
-              <a:rPr b="1" lang="en-GB" sz="2600" spc="-1" strike="noStrike">
-                <a:solidFill>
-                  <a:srgbClr val="1c1c1c"/>
-                </a:solidFill>
-                <a:latin typeface="Source Sans Pro Semibold"/>
-                <a:ea typeface="DejaVu Sans"/>
-              </a:rPr>
-              <a:t>How to use + tips</a:t>
-            </a:r>
-            <a:endParaRPr b="0" lang="en-GB" sz="2600" spc="-1" strike="noStrike">
-              <a:latin typeface="Arial"/>
-            </a:endParaRPr>
-          </a:p>
-          <a:p>
-            <a:endParaRPr b="0" lang="en-GB" sz="2600" spc="-1" strike="noStrike">
               <a:latin typeface="Arial"/>
             </a:endParaRPr>
           </a:p>
@@ -4474,7 +4461,7 @@
         <p:spPr>
           <a:xfrm>
             <a:off x="360000" y="360000"/>
-            <a:ext cx="9357840" cy="897840"/>
+            <a:ext cx="9357480" cy="897480"/>
           </a:xfrm>
           <a:prstGeom prst="rect">
             <a:avLst/>
@@ -4508,7 +4495,7 @@
                 <a:latin typeface="Source Sans Pro Black"/>
                 <a:ea typeface="DejaVu Sans"/>
               </a:rPr>
-              <a:t>Part I – Core Commands </a:t>
+              <a:t>Part II – Globs vs Regexps</a:t>
             </a:r>
             <a:endParaRPr b="0" lang="en-GB" sz="3200" spc="-1" strike="noStrike">
               <a:latin typeface="Arial"/>
@@ -4525,7 +4512,7 @@
         <p:spPr>
           <a:xfrm>
             <a:off x="360000" y="1980000"/>
-            <a:ext cx="9177840" cy="4677840"/>
+            <a:ext cx="9177480" cy="4677480"/>
           </a:xfrm>
           <a:prstGeom prst="rect">
             <a:avLst/>
@@ -4569,14 +4556,14 @@
       </p:sp>
       <p:sp>
         <p:nvSpPr>
-          <p:cNvPr id="110" name="TextShape 3"/>
-          <p:cNvSpPr txBox="1"/>
+          <p:cNvPr id="110" name="CustomShape 3"/>
+          <p:cNvSpPr/>
           <p:nvPr/>
         </p:nvSpPr>
         <p:spPr>
           <a:xfrm>
             <a:off x="432000" y="1866240"/>
-            <a:ext cx="8814240" cy="4541760"/>
+            <a:ext cx="8813880" cy="4541400"/>
           </a:xfrm>
           <a:prstGeom prst="rect">
             <a:avLst/>
@@ -4586,12 +4573,21 @@
             <a:noFill/>
           </a:ln>
         </p:spPr>
+        <p:style>
+          <a:lnRef idx="0"/>
+          <a:fillRef idx="0"/>
+          <a:effectRef idx="0"/>
+          <a:fontRef idx="minor"/>
+        </p:style>
         <p:txBody>
           <a:bodyPr lIns="90000" rIns="90000" tIns="45000" bIns="45000">
             <a:noAutofit/>
           </a:bodyPr>
           <a:p>
-            <a:pPr marL="216000" indent="-216000">
+            <a:pPr marL="216000" indent="-215640">
+              <a:lnSpc>
+                <a:spcPct val="100000"/>
+              </a:lnSpc>
               <a:buClr>
                 <a:srgbClr val="000000"/>
               </a:buClr>
@@ -4607,14 +4603,17 @@
                 <a:latin typeface="Source Sans Pro Semibold"/>
                 <a:ea typeface="DejaVu Sans"/>
               </a:rPr>
-              <a:t>cd</a:t>
-            </a:r>
-            <a:endParaRPr b="0" lang="en-GB" sz="2600" spc="-1" strike="noStrike">
-              <a:latin typeface="Arial"/>
-            </a:endParaRPr>
-          </a:p>
-          <a:p>
-            <a:pPr marL="216000" indent="-216000">
+              <a:t>Globs vs Regexps</a:t>
+            </a:r>
+            <a:endParaRPr b="0" lang="en-GB" sz="2600" spc="-1" strike="noStrike">
+              <a:latin typeface="Arial"/>
+            </a:endParaRPr>
+          </a:p>
+          <a:p>
+            <a:pPr lvl="1" marL="432000" indent="-215640">
+              <a:lnSpc>
+                <a:spcPct val="100000"/>
+              </a:lnSpc>
               <a:buClr>
                 <a:srgbClr val="000000"/>
               </a:buClr>
@@ -4630,14 +4629,17 @@
                 <a:latin typeface="Source Sans Pro Semibold"/>
                 <a:ea typeface="DejaVu Sans"/>
               </a:rPr>
-              <a:t>mkdir</a:t>
-            </a:r>
-            <a:endParaRPr b="0" lang="en-GB" sz="2600" spc="-1" strike="noStrike">
-              <a:latin typeface="Arial"/>
-            </a:endParaRPr>
-          </a:p>
-          <a:p>
-            <a:pPr marL="216000" indent="-216000">
+              <a:t>Commonly confused – similar but different</a:t>
+            </a:r>
+            <a:endParaRPr b="0" lang="en-GB" sz="2600" spc="-1" strike="noStrike">
+              <a:latin typeface="Arial"/>
+            </a:endParaRPr>
+          </a:p>
+          <a:p>
+            <a:pPr lvl="1" marL="432000" indent="-215640">
+              <a:lnSpc>
+                <a:spcPct val="100000"/>
+              </a:lnSpc>
               <a:buClr>
                 <a:srgbClr val="000000"/>
               </a:buClr>
@@ -4645,22 +4647,15 @@
               <a:buFont typeface="Wingdings" charset="2"/>
               <a:buChar char=""/>
             </a:pPr>
-            <a:r>
-              <a:rPr b="1" lang="en-GB" sz="2600" spc="-1" strike="noStrike">
-                <a:solidFill>
-                  <a:srgbClr val="1c1c1c"/>
-                </a:solidFill>
-                <a:latin typeface="Source Sans Pro Semibold"/>
-                <a:ea typeface="DejaVu Sans"/>
-              </a:rPr>
-              <a:t>rm</a:t>
-            </a:r>
-            <a:endParaRPr b="0" lang="en-GB" sz="2600" spc="-1" strike="noStrike">
-              <a:latin typeface="Arial"/>
-            </a:endParaRPr>
-          </a:p>
-          <a:p>
-            <a:pPr marL="216000" indent="-216000">
+            <a:endParaRPr b="0" lang="en-GB" sz="2600" spc="-1" strike="noStrike">
+              <a:latin typeface="Arial"/>
+            </a:endParaRPr>
+          </a:p>
+          <a:p>
+            <a:pPr marL="216000" indent="-215640">
+              <a:lnSpc>
+                <a:spcPct val="100000"/>
+              </a:lnSpc>
               <a:buClr>
                 <a:srgbClr val="000000"/>
               </a:buClr>
@@ -4676,14 +4671,17 @@
                 <a:latin typeface="Source Sans Pro Semibold"/>
                 <a:ea typeface="DejaVu Sans"/>
               </a:rPr>
-              <a:t>ls</a:t>
-            </a:r>
-            <a:endParaRPr b="0" lang="en-GB" sz="2600" spc="-1" strike="noStrike">
-              <a:latin typeface="Arial"/>
-            </a:endParaRPr>
-          </a:p>
-          <a:p>
-            <a:pPr marL="216000" indent="-216000">
+              <a:t>Both used to select things:</a:t>
+            </a:r>
+            <a:endParaRPr b="0" lang="en-GB" sz="2600" spc="-1" strike="noStrike">
+              <a:latin typeface="Arial"/>
+            </a:endParaRPr>
+          </a:p>
+          <a:p>
+            <a:pPr lvl="2" marL="648000" indent="-216000">
+              <a:lnSpc>
+                <a:spcPct val="100000"/>
+              </a:lnSpc>
               <a:buClr>
                 <a:srgbClr val="000000"/>
               </a:buClr>
@@ -4699,14 +4697,27 @@
                 <a:latin typeface="Source Sans Pro Semibold"/>
                 <a:ea typeface="DejaVu Sans"/>
               </a:rPr>
-              <a:t>cat</a:t>
-            </a:r>
-            <a:endParaRPr b="0" lang="en-GB" sz="2600" spc="-1" strike="noStrike">
-              <a:latin typeface="Arial"/>
-            </a:endParaRPr>
-          </a:p>
-          <a:p>
-            <a:pPr marL="216000" indent="-216000">
+              <a:t>Eg glob wildcard, eg </a:t>
+            </a:r>
+            <a:r>
+              <a:rPr b="1" lang="en-GB" sz="2600" spc="-1" strike="noStrike">
+                <a:solidFill>
+                  <a:srgbClr val="1c1c1c"/>
+                </a:solidFill>
+                <a:latin typeface="Source Sans Pro Semibold"/>
+                <a:ea typeface="DejaVu Sans"/>
+              </a:rPr>
+              <a:t>select all files with:</a:t>
+            </a:r>
+            <a:endParaRPr b="0" lang="en-GB" sz="2600" spc="-1" strike="noStrike">
+              <a:latin typeface="Arial"/>
+            </a:endParaRPr>
+          </a:p>
+          <a:p>
+            <a:pPr lvl="3" marL="864000" indent="-216000">
+              <a:lnSpc>
+                <a:spcPct val="100000"/>
+              </a:lnSpc>
               <a:buClr>
                 <a:srgbClr val="000000"/>
               </a:buClr>
@@ -4719,16 +4730,131 @@
                 <a:solidFill>
                   <a:srgbClr val="1c1c1c"/>
                 </a:solidFill>
+                <a:latin typeface="Courier New"/>
+                <a:ea typeface="DejaVu Sans"/>
+              </a:rPr>
+              <a:t>ls *</a:t>
+            </a:r>
+            <a:endParaRPr b="0" lang="en-GB" sz="2600" spc="-1" strike="noStrike">
+              <a:latin typeface="Arial"/>
+            </a:endParaRPr>
+          </a:p>
+          <a:p>
+            <a:pPr lvl="2" marL="648000" indent="-216000">
+              <a:lnSpc>
+                <a:spcPct val="100000"/>
+              </a:lnSpc>
+              <a:buClr>
+                <a:srgbClr val="000000"/>
+              </a:buClr>
+              <a:buSzPct val="45000"/>
+              <a:buFont typeface="Wingdings" charset="2"/>
+              <a:buChar char=""/>
+            </a:pPr>
+            <a:r>
+              <a:rPr b="1" lang="en-GB" sz="2600" spc="-1" strike="noStrike">
+                <a:solidFill>
+                  <a:srgbClr val="1c1c1c"/>
+                </a:solidFill>
                 <a:latin typeface="Source Sans Pro Semibold"/>
                 <a:ea typeface="DejaVu Sans"/>
               </a:rPr>
-              <a:t>echo -n</a:t>
-            </a:r>
-            <a:endParaRPr b="0" lang="en-GB" sz="2600" spc="-1" strike="noStrike">
-              <a:latin typeface="Arial"/>
-            </a:endParaRPr>
-          </a:p>
-          <a:p>
+              <a:t>Regexp wildcard is ‘.*’, eg:</a:t>
+            </a:r>
+            <a:endParaRPr b="0" lang="en-GB" sz="2600" spc="-1" strike="noStrike">
+              <a:latin typeface="Arial"/>
+            </a:endParaRPr>
+          </a:p>
+          <a:p>
+            <a:pPr lvl="3" marL="864000" indent="-216000">
+              <a:lnSpc>
+                <a:spcPct val="100000"/>
+              </a:lnSpc>
+              <a:buClr>
+                <a:srgbClr val="000000"/>
+              </a:buClr>
+              <a:buSzPct val="45000"/>
+              <a:buFont typeface="Wingdings" charset="2"/>
+              <a:buChar char=""/>
+            </a:pPr>
+            <a:r>
+              <a:rPr b="1" lang="en-GB" sz="2600" spc="-1" strike="noStrike">
+                <a:solidFill>
+                  <a:srgbClr val="1c1c1c"/>
+                </a:solidFill>
+                <a:latin typeface="Courier New"/>
+                <a:ea typeface="DejaVu Sans"/>
+              </a:rPr>
+              <a:t>grep “before.*after” *</a:t>
+            </a:r>
+            <a:endParaRPr b="0" lang="en-GB" sz="2600" spc="-1" strike="noStrike">
+              <a:latin typeface="Arial"/>
+            </a:endParaRPr>
+          </a:p>
+          <a:p>
+            <a:pPr marL="216000" indent="-215640">
+              <a:lnSpc>
+                <a:spcPct val="100000"/>
+              </a:lnSpc>
+              <a:buClr>
+                <a:srgbClr val="000000"/>
+              </a:buClr>
+              <a:buSzPct val="45000"/>
+              <a:buFont typeface="Wingdings" charset="2"/>
+              <a:buChar char=""/>
+            </a:pPr>
+            <a:endParaRPr b="0" lang="en-GB" sz="2600" spc="-1" strike="noStrike">
+              <a:latin typeface="Arial"/>
+            </a:endParaRPr>
+          </a:p>
+          <a:p>
+            <a:pPr marL="216000" indent="-215640">
+              <a:lnSpc>
+                <a:spcPct val="100000"/>
+              </a:lnSpc>
+              <a:buClr>
+                <a:srgbClr val="000000"/>
+              </a:buClr>
+              <a:buSzPct val="45000"/>
+              <a:buFont typeface="Wingdings" charset="2"/>
+              <a:buChar char=""/>
+            </a:pPr>
+            <a:r>
+              <a:rPr b="1" lang="en-GB" sz="2600" spc="-1" strike="noStrike">
+                <a:solidFill>
+                  <a:srgbClr val="1c1c1c"/>
+                </a:solidFill>
+                <a:latin typeface="Source Sans Pro Semibold"/>
+                <a:ea typeface="DejaVu Sans"/>
+              </a:rPr>
+              <a:t>Shells use globs, programs use regexps.</a:t>
+            </a:r>
+            <a:endParaRPr b="0" lang="en-GB" sz="2600" spc="-1" strike="noStrike">
+              <a:latin typeface="Arial"/>
+            </a:endParaRPr>
+          </a:p>
+          <a:p>
+            <a:pPr marL="216000" indent="-215640">
+              <a:lnSpc>
+                <a:spcPct val="100000"/>
+              </a:lnSpc>
+              <a:buClr>
+                <a:srgbClr val="000000"/>
+              </a:buClr>
+              <a:buSzPct val="45000"/>
+              <a:buFont typeface="Wingdings" charset="2"/>
+              <a:buChar char=""/>
+            </a:pPr>
+            <a:r>
+              <a:rPr b="1" lang="en-GB" sz="2600" spc="-1" strike="noStrike">
+                <a:solidFill>
+                  <a:srgbClr val="1c1c1c"/>
+                </a:solidFill>
+                <a:latin typeface="Source Sans Pro Semibold"/>
+                <a:ea typeface="DejaVu Sans"/>
+              </a:rPr>
+              <a:t>If it’s in quotes, the program uses it.</a:t>
+            </a:r>
             <a:endParaRPr b="0" lang="en-GB" sz="2600" spc="-1" strike="noStrike">
               <a:latin typeface="Arial"/>
             </a:endParaRPr>
@@ -4774,7 +4900,7 @@
         <p:spPr>
           <a:xfrm>
             <a:off x="360000" y="360000"/>
-            <a:ext cx="9357840" cy="897840"/>
+            <a:ext cx="9357480" cy="897480"/>
           </a:xfrm>
           <a:prstGeom prst="rect">
             <a:avLst/>
@@ -4808,7 +4934,7 @@
                 <a:latin typeface="Source Sans Pro Black"/>
                 <a:ea typeface="DejaVu Sans"/>
               </a:rPr>
-              <a:t>Part I – Exercise / Break </a:t>
+              <a:t>Part II – Text and File Manipulation</a:t>
             </a:r>
             <a:endParaRPr b="0" lang="en-GB" sz="3200" spc="-1" strike="noStrike">
               <a:latin typeface="Arial"/>
@@ -4825,7 +4951,7 @@
         <p:spPr>
           <a:xfrm>
             <a:off x="360000" y="1980000"/>
-            <a:ext cx="9177840" cy="4677840"/>
+            <a:ext cx="9177480" cy="4677480"/>
           </a:xfrm>
           <a:prstGeom prst="rect">
             <a:avLst/>
@@ -4862,6 +4988,219 @@
               </a:lnSpc>
             </a:pPr>
             <a:endParaRPr b="0" lang="en-GB" sz="1800" spc="-1" strike="noStrike">
+              <a:latin typeface="Arial"/>
+            </a:endParaRPr>
+          </a:p>
+        </p:txBody>
+      </p:sp>
+      <p:sp>
+        <p:nvSpPr>
+          <p:cNvPr id="113" name="CustomShape 3"/>
+          <p:cNvSpPr/>
+          <p:nvPr/>
+        </p:nvSpPr>
+        <p:spPr>
+          <a:xfrm>
+            <a:off x="432000" y="1866240"/>
+            <a:ext cx="8813880" cy="4541400"/>
+          </a:xfrm>
+          <a:prstGeom prst="rect">
+            <a:avLst/>
+          </a:prstGeom>
+          <a:noFill/>
+          <a:ln>
+            <a:noFill/>
+          </a:ln>
+        </p:spPr>
+        <p:style>
+          <a:lnRef idx="0"/>
+          <a:fillRef idx="0"/>
+          <a:effectRef idx="0"/>
+          <a:fontRef idx="minor"/>
+        </p:style>
+        <p:txBody>
+          <a:bodyPr lIns="90000" rIns="90000" tIns="45000" bIns="45000">
+            <a:noAutofit/>
+          </a:bodyPr>
+          <a:p>
+            <a:pPr marL="216000" indent="-215640">
+              <a:lnSpc>
+                <a:spcPct val="100000"/>
+              </a:lnSpc>
+              <a:buClr>
+                <a:srgbClr val="000000"/>
+              </a:buClr>
+              <a:buSzPct val="45000"/>
+              <a:buFont typeface="Wingdings" charset="2"/>
+              <a:buChar char=""/>
+            </a:pPr>
+            <a:endParaRPr b="0" lang="en-GB" sz="1800" spc="-1" strike="noStrike">
+              <a:latin typeface="Arial"/>
+            </a:endParaRPr>
+          </a:p>
+          <a:p>
+            <a:pPr marL="216000" indent="-215640">
+              <a:lnSpc>
+                <a:spcPct val="100000"/>
+              </a:lnSpc>
+              <a:buClr>
+                <a:srgbClr val="000000"/>
+              </a:buClr>
+              <a:buSzPct val="45000"/>
+              <a:buFont typeface="Wingdings" charset="2"/>
+              <a:buChar char=""/>
+            </a:pPr>
+            <a:r>
+              <a:rPr b="1" lang="en-GB" sz="2600" spc="-1" strike="noStrike">
+                <a:solidFill>
+                  <a:srgbClr val="1c1c1c"/>
+                </a:solidFill>
+                <a:latin typeface="Source Sans Pro Semibold"/>
+                <a:ea typeface="DejaVu Sans"/>
+              </a:rPr>
+              <a:t>grep</a:t>
+            </a:r>
+            <a:endParaRPr b="0" lang="en-GB" sz="2600" spc="-1" strike="noStrike">
+              <a:latin typeface="Arial"/>
+            </a:endParaRPr>
+          </a:p>
+          <a:p>
+            <a:pPr marL="216000" indent="-215640">
+              <a:lnSpc>
+                <a:spcPct val="100000"/>
+              </a:lnSpc>
+              <a:buClr>
+                <a:srgbClr val="000000"/>
+              </a:buClr>
+              <a:buSzPct val="45000"/>
+              <a:buFont typeface="Wingdings" charset="2"/>
+              <a:buChar char=""/>
+            </a:pPr>
+            <a:r>
+              <a:rPr b="1" lang="en-GB" sz="2600" spc="-1" strike="noStrike">
+                <a:solidFill>
+                  <a:srgbClr val="1c1c1c"/>
+                </a:solidFill>
+                <a:latin typeface="Source Sans Pro Semibold"/>
+                <a:ea typeface="DejaVu Sans"/>
+              </a:rPr>
+              <a:t>tr</a:t>
+            </a:r>
+            <a:endParaRPr b="0" lang="en-GB" sz="2600" spc="-1" strike="noStrike">
+              <a:latin typeface="Arial"/>
+            </a:endParaRPr>
+          </a:p>
+          <a:p>
+            <a:pPr marL="216000" indent="-215640">
+              <a:lnSpc>
+                <a:spcPct val="100000"/>
+              </a:lnSpc>
+              <a:buClr>
+                <a:srgbClr val="000000"/>
+              </a:buClr>
+              <a:buSzPct val="45000"/>
+              <a:buFont typeface="Wingdings" charset="2"/>
+              <a:buChar char=""/>
+            </a:pPr>
+            <a:r>
+              <a:rPr b="1" lang="en-GB" sz="2600" spc="-1" strike="noStrike">
+                <a:solidFill>
+                  <a:srgbClr val="1c1c1c"/>
+                </a:solidFill>
+                <a:latin typeface="Source Sans Pro Semibold"/>
+                <a:ea typeface="DejaVu Sans"/>
+              </a:rPr>
+              <a:t>sed</a:t>
+            </a:r>
+            <a:endParaRPr b="0" lang="en-GB" sz="2600" spc="-1" strike="noStrike">
+              <a:latin typeface="Arial"/>
+            </a:endParaRPr>
+          </a:p>
+          <a:p>
+            <a:pPr marL="216000" indent="-215640">
+              <a:lnSpc>
+                <a:spcPct val="100000"/>
+              </a:lnSpc>
+              <a:buClr>
+                <a:srgbClr val="000000"/>
+              </a:buClr>
+              <a:buSzPct val="45000"/>
+              <a:buFont typeface="Wingdings" charset="2"/>
+              <a:buChar char=""/>
+            </a:pPr>
+            <a:r>
+              <a:rPr b="1" lang="en-GB" sz="2600" spc="-1" strike="noStrike">
+                <a:solidFill>
+                  <a:srgbClr val="1c1c1c"/>
+                </a:solidFill>
+                <a:latin typeface="Source Sans Pro Semibold"/>
+                <a:ea typeface="DejaVu Sans"/>
+              </a:rPr>
+              <a:t>sort / uniq</a:t>
+            </a:r>
+            <a:endParaRPr b="0" lang="en-GB" sz="2600" spc="-1" strike="noStrike">
+              <a:latin typeface="Arial"/>
+            </a:endParaRPr>
+          </a:p>
+          <a:p>
+            <a:pPr marL="216000" indent="-215640">
+              <a:lnSpc>
+                <a:spcPct val="100000"/>
+              </a:lnSpc>
+              <a:buClr>
+                <a:srgbClr val="000000"/>
+              </a:buClr>
+              <a:buSzPct val="45000"/>
+              <a:buFont typeface="Wingdings" charset="2"/>
+              <a:buChar char=""/>
+            </a:pPr>
+            <a:r>
+              <a:rPr b="1" lang="en-GB" sz="2600" spc="-1" strike="noStrike">
+                <a:solidFill>
+                  <a:srgbClr val="1c1c1c"/>
+                </a:solidFill>
+                <a:latin typeface="Source Sans Pro Semibold"/>
+                <a:ea typeface="DejaVu Sans"/>
+              </a:rPr>
+              <a:t>tail</a:t>
+            </a:r>
+            <a:endParaRPr b="0" lang="en-GB" sz="2600" spc="-1" strike="noStrike">
+              <a:latin typeface="Arial"/>
+            </a:endParaRPr>
+          </a:p>
+          <a:p>
+            <a:pPr marL="216000" indent="-215640">
+              <a:lnSpc>
+                <a:spcPct val="100000"/>
+              </a:lnSpc>
+              <a:buClr>
+                <a:srgbClr val="000000"/>
+              </a:buClr>
+              <a:buSzPct val="45000"/>
+              <a:buFont typeface="Wingdings" charset="2"/>
+              <a:buChar char=""/>
+            </a:pPr>
+            <a:r>
+              <a:rPr b="1" lang="en-GB" sz="2600" spc="-1" strike="noStrike">
+                <a:solidFill>
+                  <a:srgbClr val="1c1c1c"/>
+                </a:solidFill>
+                <a:latin typeface="Source Sans Pro Semibold"/>
+                <a:ea typeface="DejaVu Sans"/>
+              </a:rPr>
+              <a:t>diff / sdiff</a:t>
+            </a:r>
+            <a:endParaRPr b="0" lang="en-GB" sz="2600" spc="-1" strike="noStrike">
+              <a:latin typeface="Arial"/>
+            </a:endParaRPr>
+          </a:p>
+          <a:p>
+            <a:pPr>
+              <a:lnSpc>
+                <a:spcPct val="100000"/>
+              </a:lnSpc>
+            </a:pPr>
+            <a:endParaRPr b="0" lang="en-GB" sz="2600" spc="-1" strike="noStrike">
               <a:latin typeface="Arial"/>
             </a:endParaRPr>
           </a:p>
@@ -4899,14 +5238,14 @@
       </p:grpSpPr>
       <p:sp>
         <p:nvSpPr>
-          <p:cNvPr id="113" name="CustomShape 1"/>
+          <p:cNvPr id="114" name="CustomShape 1"/>
           <p:cNvSpPr/>
           <p:nvPr/>
         </p:nvSpPr>
         <p:spPr>
           <a:xfrm>
             <a:off x="360000" y="360000"/>
-            <a:ext cx="9357840" cy="897840"/>
+            <a:ext cx="9357480" cy="897480"/>
           </a:xfrm>
           <a:prstGeom prst="rect">
             <a:avLst/>
@@ -4940,7 +5279,7 @@
                 <a:latin typeface="Source Sans Pro Black"/>
                 <a:ea typeface="DejaVu Sans"/>
               </a:rPr>
-              <a:t>Part II – Text and File Manipulation</a:t>
+              <a:t>Part II – Readline Shortcuts</a:t>
             </a:r>
             <a:endParaRPr b="0" lang="en-GB" sz="3200" spc="-1" strike="noStrike">
               <a:latin typeface="Arial"/>
@@ -4950,14 +5289,14 @@
       </p:sp>
       <p:sp>
         <p:nvSpPr>
-          <p:cNvPr id="114" name="CustomShape 2"/>
+          <p:cNvPr id="115" name="CustomShape 2"/>
           <p:cNvSpPr/>
           <p:nvPr/>
         </p:nvSpPr>
         <p:spPr>
           <a:xfrm>
             <a:off x="360000" y="1980000"/>
-            <a:ext cx="9177840" cy="4677840"/>
+            <a:ext cx="9177480" cy="4677480"/>
           </a:xfrm>
           <a:prstGeom prst="rect">
             <a:avLst/>
@@ -5001,14 +5340,14 @@
       </p:sp>
       <p:sp>
         <p:nvSpPr>
-          <p:cNvPr id="115" name="TextShape 3"/>
-          <p:cNvSpPr txBox="1"/>
+          <p:cNvPr id="116" name="CustomShape 3"/>
+          <p:cNvSpPr/>
           <p:nvPr/>
         </p:nvSpPr>
         <p:spPr>
           <a:xfrm>
             <a:off x="432000" y="1866240"/>
-            <a:ext cx="8814240" cy="4541760"/>
+            <a:ext cx="8813880" cy="4541400"/>
           </a:xfrm>
           <a:prstGeom prst="rect">
             <a:avLst/>
@@ -5018,12 +5357,21 @@
             <a:noFill/>
           </a:ln>
         </p:spPr>
+        <p:style>
+          <a:lnRef idx="0"/>
+          <a:fillRef idx="0"/>
+          <a:effectRef idx="0"/>
+          <a:fontRef idx="minor"/>
+        </p:style>
         <p:txBody>
           <a:bodyPr lIns="90000" rIns="90000" tIns="45000" bIns="45000">
             <a:noAutofit/>
           </a:bodyPr>
           <a:p>
-            <a:pPr marL="216000" indent="-216000">
+            <a:pPr marL="216000" indent="-215640">
+              <a:lnSpc>
+                <a:spcPct val="100000"/>
+              </a:lnSpc>
               <a:buClr>
                 <a:srgbClr val="000000"/>
               </a:buClr>
@@ -5031,22 +5379,15 @@
               <a:buFont typeface="Wingdings" charset="2"/>
               <a:buChar char=""/>
             </a:pPr>
-            <a:r>
-              <a:rPr b="1" lang="en-GB" sz="2600" spc="-1" strike="noStrike">
-                <a:solidFill>
-                  <a:srgbClr val="1c1c1c"/>
-                </a:solidFill>
-                <a:latin typeface="Source Sans Pro Semibold"/>
-                <a:ea typeface="DejaVu Sans"/>
-              </a:rPr>
-              <a:t>Regular Expressions</a:t>
-            </a:r>
-            <a:endParaRPr b="0" lang="en-GB" sz="2600" spc="-1" strike="noStrike">
-              <a:latin typeface="Arial"/>
-            </a:endParaRPr>
-          </a:p>
-          <a:p>
-            <a:pPr marL="216000" indent="-216000">
+            <a:endParaRPr b="0" lang="en-GB" sz="1800" spc="-1" strike="noStrike">
+              <a:latin typeface="Arial"/>
+            </a:endParaRPr>
+          </a:p>
+          <a:p>
+            <a:pPr marL="216000" indent="-215640">
+              <a:lnSpc>
+                <a:spcPct val="100000"/>
+              </a:lnSpc>
               <a:buClr>
                 <a:srgbClr val="000000"/>
               </a:buClr>
@@ -5054,12 +5395,25 @@
               <a:buFont typeface="Wingdings" charset="2"/>
               <a:buChar char=""/>
             </a:pPr>
-            <a:endParaRPr b="0" lang="en-GB" sz="2600" spc="-1" strike="noStrike">
-              <a:latin typeface="Arial"/>
-            </a:endParaRPr>
-          </a:p>
-          <a:p>
-            <a:pPr marL="216000" indent="-216000">
+            <a:r>
+              <a:rPr b="1" lang="en-GB" sz="2600" spc="-1" strike="noStrike">
+                <a:solidFill>
+                  <a:srgbClr val="1c1c1c"/>
+                </a:solidFill>
+                <a:latin typeface="Source Sans Pro Semibold"/>
+                <a:ea typeface="DejaVu Sans"/>
+              </a:rPr>
+              <a:t>Readline</a:t>
+            </a:r>
+            <a:endParaRPr b="0" lang="en-GB" sz="2600" spc="-1" strike="noStrike">
+              <a:latin typeface="Arial"/>
+            </a:endParaRPr>
+          </a:p>
+          <a:p>
+            <a:pPr lvl="1" marL="432000" indent="-216000">
+              <a:lnSpc>
+                <a:spcPct val="100000"/>
+              </a:lnSpc>
               <a:buClr>
                 <a:srgbClr val="000000"/>
               </a:buClr>
@@ -5067,22 +5421,15 @@
               <a:buFont typeface="Wingdings" charset="2"/>
               <a:buChar char=""/>
             </a:pPr>
-            <a:r>
-              <a:rPr b="1" lang="en-GB" sz="2600" spc="-1" strike="noStrike">
-                <a:solidFill>
-                  <a:srgbClr val="1c1c1c"/>
-                </a:solidFill>
-                <a:latin typeface="Source Sans Pro Semibold"/>
-                <a:ea typeface="DejaVu Sans"/>
-              </a:rPr>
-              <a:t>grep</a:t>
-            </a:r>
-            <a:endParaRPr b="0" lang="en-GB" sz="2600" spc="-1" strike="noStrike">
-              <a:latin typeface="Arial"/>
-            </a:endParaRPr>
-          </a:p>
-          <a:p>
-            <a:pPr marL="216000" indent="-216000">
+            <a:endParaRPr b="0" lang="en-GB" sz="2600" spc="-1" strike="noStrike">
+              <a:latin typeface="Arial"/>
+            </a:endParaRPr>
+          </a:p>
+          <a:p>
+            <a:pPr lvl="1" marL="432000" indent="-216000">
+              <a:lnSpc>
+                <a:spcPct val="100000"/>
+              </a:lnSpc>
               <a:buClr>
                 <a:srgbClr val="000000"/>
               </a:buClr>
@@ -5098,14 +5445,17 @@
                 <a:latin typeface="Source Sans Pro Semibold"/>
                 <a:ea typeface="DejaVu Sans"/>
               </a:rPr>
-              <a:t>tr</a:t>
-            </a:r>
-            <a:endParaRPr b="0" lang="en-GB" sz="2600" spc="-1" strike="noStrike">
-              <a:latin typeface="Arial"/>
-            </a:endParaRPr>
-          </a:p>
-          <a:p>
-            <a:pPr marL="216000" indent="-216000">
+              <a:t>CTRL + a</a:t>
+            </a:r>
+            <a:endParaRPr b="0" lang="en-GB" sz="2600" spc="-1" strike="noStrike">
+              <a:latin typeface="Arial"/>
+            </a:endParaRPr>
+          </a:p>
+          <a:p>
+            <a:pPr lvl="1" marL="432000" indent="-216000">
+              <a:lnSpc>
+                <a:spcPct val="100000"/>
+              </a:lnSpc>
               <a:buClr>
                 <a:srgbClr val="000000"/>
               </a:buClr>
@@ -5121,14 +5471,17 @@
                 <a:latin typeface="Source Sans Pro Semibold"/>
                 <a:ea typeface="DejaVu Sans"/>
               </a:rPr>
-              <a:t>sed</a:t>
-            </a:r>
-            <a:endParaRPr b="0" lang="en-GB" sz="2600" spc="-1" strike="noStrike">
-              <a:latin typeface="Arial"/>
-            </a:endParaRPr>
-          </a:p>
-          <a:p>
-            <a:pPr marL="216000" indent="-216000">
+              <a:t>CTRL + e</a:t>
+            </a:r>
+            <a:endParaRPr b="0" lang="en-GB" sz="2600" spc="-1" strike="noStrike">
+              <a:latin typeface="Arial"/>
+            </a:endParaRPr>
+          </a:p>
+          <a:p>
+            <a:pPr lvl="1" marL="432000" indent="-216000">
+              <a:lnSpc>
+                <a:spcPct val="100000"/>
+              </a:lnSpc>
               <a:buClr>
                 <a:srgbClr val="000000"/>
               </a:buClr>
@@ -5144,95 +5497,18 @@
                 <a:latin typeface="Source Sans Pro Semibold"/>
                 <a:ea typeface="DejaVu Sans"/>
               </a:rPr>
-              <a:t>sort / uniq</a:t>
-            </a:r>
-            <a:endParaRPr b="0" lang="en-GB" sz="2600" spc="-1" strike="noStrike">
-              <a:latin typeface="Arial"/>
-            </a:endParaRPr>
-          </a:p>
-          <a:p>
-            <a:pPr marL="216000" indent="-216000">
-              <a:buClr>
-                <a:srgbClr val="000000"/>
-              </a:buClr>
-              <a:buSzPct val="45000"/>
-              <a:buFont typeface="Wingdings" charset="2"/>
-              <a:buChar char=""/>
-            </a:pPr>
-            <a:r>
-              <a:rPr b="1" lang="en-GB" sz="2600" spc="-1" strike="noStrike">
-                <a:solidFill>
-                  <a:srgbClr val="1c1c1c"/>
-                </a:solidFill>
-                <a:latin typeface="Source Sans Pro Semibold"/>
-                <a:ea typeface="DejaVu Sans"/>
-              </a:rPr>
-              <a:t>tail</a:t>
-            </a:r>
-            <a:endParaRPr b="0" lang="en-GB" sz="2600" spc="-1" strike="noStrike">
-              <a:latin typeface="Arial"/>
-            </a:endParaRPr>
-          </a:p>
-          <a:p>
-            <a:pPr marL="216000" indent="-216000">
-              <a:buClr>
-                <a:srgbClr val="000000"/>
-              </a:buClr>
-              <a:buSzPct val="45000"/>
-              <a:buFont typeface="Wingdings" charset="2"/>
-              <a:buChar char=""/>
-            </a:pPr>
-            <a:r>
-              <a:rPr b="1" lang="en-GB" sz="2600" spc="-1" strike="noStrike">
-                <a:solidFill>
-                  <a:srgbClr val="1c1c1c"/>
-                </a:solidFill>
-                <a:latin typeface="Source Sans Pro Semibold"/>
-                <a:ea typeface="DejaVu Sans"/>
-              </a:rPr>
-              <a:t>diff / sdiff</a:t>
-            </a:r>
-            <a:endParaRPr b="0" lang="en-GB" sz="2600" spc="-1" strike="noStrike">
-              <a:latin typeface="Arial"/>
-            </a:endParaRPr>
-          </a:p>
-          <a:p>
-            <a:pPr marL="216000" indent="-216000">
-              <a:buClr>
-                <a:srgbClr val="000000"/>
-              </a:buClr>
-              <a:buSzPct val="45000"/>
-              <a:buFont typeface="Wingdings" charset="2"/>
-              <a:buChar char=""/>
-            </a:pPr>
-            <a:endParaRPr b="0" lang="en-GB" sz="2600" spc="-1" strike="noStrike">
-              <a:latin typeface="Arial"/>
-            </a:endParaRPr>
-          </a:p>
-          <a:p>
-            <a:pPr marL="216000" indent="-216000">
-              <a:buClr>
-                <a:srgbClr val="000000"/>
-              </a:buClr>
-              <a:buSzPct val="45000"/>
-              <a:buFont typeface="Wingdings" charset="2"/>
-              <a:buChar char=""/>
-            </a:pPr>
-            <a:r>
-              <a:rPr b="1" lang="en-GB" sz="2600" spc="-1" strike="noStrike">
-                <a:solidFill>
-                  <a:srgbClr val="1c1c1c"/>
-                </a:solidFill>
-                <a:latin typeface="Source Sans Pro Semibold"/>
-                <a:ea typeface="DejaVu Sans"/>
-              </a:rPr>
-              <a:t>Readline</a:t>
-            </a:r>
-            <a:endParaRPr b="0" lang="en-GB" sz="2600" spc="-1" strike="noStrike">
-              <a:latin typeface="Arial"/>
-            </a:endParaRPr>
-          </a:p>
-          <a:p>
+              <a:t>CTRL + r</a:t>
+            </a:r>
+            <a:endParaRPr b="0" lang="en-GB" sz="2600" spc="-1" strike="noStrike">
+              <a:latin typeface="Arial"/>
+            </a:endParaRPr>
+          </a:p>
+          <a:p>
+            <a:pPr>
+              <a:lnSpc>
+                <a:spcPct val="100000"/>
+              </a:lnSpc>
+            </a:pPr>
             <a:endParaRPr b="0" lang="en-GB" sz="2600" spc="-1" strike="noStrike">
               <a:latin typeface="Arial"/>
             </a:endParaRPr>
@@ -5271,14 +5547,14 @@
       </p:grpSpPr>
       <p:sp>
         <p:nvSpPr>
-          <p:cNvPr id="116" name="CustomShape 1"/>
+          <p:cNvPr id="117" name="CustomShape 1"/>
           <p:cNvSpPr/>
           <p:nvPr/>
         </p:nvSpPr>
         <p:spPr>
           <a:xfrm>
             <a:off x="360000" y="360000"/>
-            <a:ext cx="9357840" cy="897840"/>
+            <a:ext cx="9357480" cy="897480"/>
           </a:xfrm>
           <a:prstGeom prst="rect">
             <a:avLst/>
@@ -5322,14 +5598,14 @@
       </p:sp>
       <p:sp>
         <p:nvSpPr>
-          <p:cNvPr id="117" name="CustomShape 2"/>
+          <p:cNvPr id="118" name="CustomShape 2"/>
           <p:cNvSpPr/>
           <p:nvPr/>
         </p:nvSpPr>
         <p:spPr>
           <a:xfrm>
             <a:off x="360000" y="1980000"/>
-            <a:ext cx="9177840" cy="4677840"/>
+            <a:ext cx="9177480" cy="4677480"/>
           </a:xfrm>
           <a:prstGeom prst="rect">
             <a:avLst/>
@@ -5403,14 +5679,14 @@
       </p:grpSpPr>
       <p:sp>
         <p:nvSpPr>
-          <p:cNvPr id="118" name="CustomShape 1"/>
+          <p:cNvPr id="119" name="CustomShape 1"/>
           <p:cNvSpPr/>
           <p:nvPr/>
         </p:nvSpPr>
         <p:spPr>
           <a:xfrm>
             <a:off x="360000" y="360000"/>
-            <a:ext cx="9357840" cy="897840"/>
+            <a:ext cx="9357480" cy="897480"/>
           </a:xfrm>
           <a:prstGeom prst="rect">
             <a:avLst/>
@@ -5454,14 +5730,14 @@
       </p:sp>
       <p:sp>
         <p:nvSpPr>
-          <p:cNvPr id="119" name="CustomShape 2"/>
+          <p:cNvPr id="120" name="CustomShape 2"/>
           <p:cNvSpPr/>
           <p:nvPr/>
         </p:nvSpPr>
         <p:spPr>
           <a:xfrm>
             <a:off x="360000" y="1980000"/>
-            <a:ext cx="9177840" cy="4677840"/>
+            <a:ext cx="9177480" cy="4677480"/>
           </a:xfrm>
           <a:prstGeom prst="rect">
             <a:avLst/>
@@ -5505,14 +5781,14 @@
       </p:sp>
       <p:sp>
         <p:nvSpPr>
-          <p:cNvPr id="120" name="TextShape 3"/>
-          <p:cNvSpPr txBox="1"/>
+          <p:cNvPr id="121" name="CustomShape 3"/>
+          <p:cNvSpPr/>
           <p:nvPr/>
         </p:nvSpPr>
         <p:spPr>
           <a:xfrm>
             <a:off x="432000" y="1866240"/>
-            <a:ext cx="8814240" cy="4541760"/>
+            <a:ext cx="8813880" cy="4541400"/>
           </a:xfrm>
           <a:prstGeom prst="rect">
             <a:avLst/>
@@ -5522,12 +5798,21 @@
             <a:noFill/>
           </a:ln>
         </p:spPr>
+        <p:style>
+          <a:lnRef idx="0"/>
+          <a:fillRef idx="0"/>
+          <a:effectRef idx="0"/>
+          <a:fontRef idx="minor"/>
+        </p:style>
         <p:txBody>
           <a:bodyPr lIns="90000" rIns="90000" tIns="45000" bIns="45000">
             <a:noAutofit/>
           </a:bodyPr>
           <a:p>
-            <a:pPr marL="216000" indent="-216000">
+            <a:pPr marL="216000" indent="-215640">
+              <a:lnSpc>
+                <a:spcPct val="100000"/>
+              </a:lnSpc>
               <a:buClr>
                 <a:srgbClr val="000000"/>
               </a:buClr>
@@ -5550,7 +5835,20 @@
             </a:endParaRPr>
           </a:p>
           <a:p>
-            <a:pPr marL="216000" indent="-216000">
+            <a:pPr>
+              <a:lnSpc>
+                <a:spcPct val="100000"/>
+              </a:lnSpc>
+            </a:pPr>
+            <a:endParaRPr b="0" lang="en-GB" sz="2600" spc="-1" strike="noStrike">
+              <a:latin typeface="Arial"/>
+            </a:endParaRPr>
+          </a:p>
+          <a:p>
+            <a:pPr lvl="1" marL="432000" indent="-215640">
+              <a:lnSpc>
+                <a:spcPct val="100000"/>
+              </a:lnSpc>
               <a:buClr>
                 <a:srgbClr val="000000"/>
               </a:buClr>
@@ -5558,12 +5856,25 @@
               <a:buFont typeface="Wingdings" charset="2"/>
               <a:buChar char=""/>
             </a:pPr>
-            <a:endParaRPr b="0" lang="en-GB" sz="2600" spc="-1" strike="noStrike">
-              <a:latin typeface="Arial"/>
-            </a:endParaRPr>
-          </a:p>
-          <a:p>
-            <a:pPr lvl="1" marL="432000" indent="-216000">
+            <a:r>
+              <a:rPr b="1" lang="en-GB" sz="2600" spc="-1" strike="noStrike">
+                <a:solidFill>
+                  <a:srgbClr val="1c1c1c"/>
+                </a:solidFill>
+                <a:latin typeface="Source Sans Pro Semibold"/>
+                <a:ea typeface="DejaVu Sans"/>
+              </a:rPr>
+              <a:t>Web requests</a:t>
+            </a:r>
+            <a:endParaRPr b="0" lang="en-GB" sz="2600" spc="-1" strike="noStrike">
+              <a:latin typeface="Arial"/>
+            </a:endParaRPr>
+          </a:p>
+          <a:p>
+            <a:pPr lvl="1" marL="432000" indent="-215640">
+              <a:lnSpc>
+                <a:spcPct val="100000"/>
+              </a:lnSpc>
               <a:buClr>
                 <a:srgbClr val="000000"/>
               </a:buClr>
@@ -5579,14 +5890,17 @@
                 <a:latin typeface="Source Sans Pro Semibold"/>
                 <a:ea typeface="DejaVu Sans"/>
               </a:rPr>
-              <a:t>wget vs curl</a:t>
-            </a:r>
-            <a:endParaRPr b="0" lang="en-GB" sz="2600" spc="-1" strike="noStrike">
-              <a:latin typeface="Arial"/>
-            </a:endParaRPr>
-          </a:p>
-          <a:p>
-            <a:pPr lvl="1" marL="432000" indent="-216000">
+              <a:t>TCP connections</a:t>
+            </a:r>
+            <a:endParaRPr b="0" lang="en-GB" sz="2600" spc="-1" strike="noStrike">
+              <a:latin typeface="Arial"/>
+            </a:endParaRPr>
+          </a:p>
+          <a:p>
+            <a:pPr lvl="1" marL="432000" indent="-215640">
+              <a:lnSpc>
+                <a:spcPct val="100000"/>
+              </a:lnSpc>
               <a:buClr>
                 <a:srgbClr val="000000"/>
               </a:buClr>
@@ -5602,14 +5916,17 @@
                 <a:latin typeface="Source Sans Pro Semibold"/>
                 <a:ea typeface="DejaVu Sans"/>
               </a:rPr>
-              <a:t>nc</a:t>
-            </a:r>
-            <a:endParaRPr b="0" lang="en-GB" sz="2600" spc="-1" strike="noStrike">
-              <a:latin typeface="Arial"/>
-            </a:endParaRPr>
-          </a:p>
-          <a:p>
-            <a:pPr lvl="1" marL="432000" indent="-216000">
+              <a:t>ICMP connections</a:t>
+            </a:r>
+            <a:endParaRPr b="0" lang="en-GB" sz="2600" spc="-1" strike="noStrike">
+              <a:latin typeface="Arial"/>
+            </a:endParaRPr>
+          </a:p>
+          <a:p>
+            <a:pPr lvl="1" marL="432000" indent="-215640">
+              <a:lnSpc>
+                <a:spcPct val="100000"/>
+              </a:lnSpc>
               <a:buClr>
                 <a:srgbClr val="000000"/>
               </a:buClr>
@@ -5625,59 +5942,8 @@
                 <a:latin typeface="Source Sans Pro Semibold"/>
                 <a:ea typeface="DejaVu Sans"/>
               </a:rPr>
-              <a:t>ip</a:t>
-            </a:r>
-            <a:endParaRPr b="0" lang="en-GB" sz="2600" spc="-1" strike="noStrike">
-              <a:latin typeface="Arial"/>
-            </a:endParaRPr>
-          </a:p>
-          <a:p>
-            <a:pPr lvl="1" marL="432000" indent="-216000">
-              <a:buClr>
-                <a:srgbClr val="000000"/>
-              </a:buClr>
-              <a:buSzPct val="45000"/>
-              <a:buFont typeface="Wingdings" charset="2"/>
-              <a:buChar char=""/>
-            </a:pPr>
-            <a:r>
-              <a:rPr b="1" lang="en-GB" sz="2600" spc="-1" strike="noStrike">
-                <a:solidFill>
-                  <a:srgbClr val="1c1c1c"/>
-                </a:solidFill>
-                <a:latin typeface="Source Sans Pro Semibold"/>
-                <a:ea typeface="DejaVu Sans"/>
-              </a:rPr>
-              <a:t>dig</a:t>
-            </a:r>
-            <a:endParaRPr b="0" lang="en-GB" sz="2600" spc="-1" strike="noStrike">
-              <a:latin typeface="Arial"/>
-            </a:endParaRPr>
-          </a:p>
-          <a:p>
-            <a:pPr lvl="1" marL="432000" indent="-216000">
-              <a:buClr>
-                <a:srgbClr val="000000"/>
-              </a:buClr>
-              <a:buSzPct val="45000"/>
-              <a:buFont typeface="Wingdings" charset="2"/>
-              <a:buChar char=""/>
-            </a:pPr>
-            <a:r>
-              <a:rPr b="1" lang="en-GB" sz="2600" spc="-1" strike="noStrike">
-                <a:solidFill>
-                  <a:srgbClr val="1c1c1c"/>
-                </a:solidFill>
-                <a:latin typeface="Source Sans Pro Semibold"/>
-                <a:ea typeface="DejaVu Sans"/>
-              </a:rPr>
-              <a:t>ping</a:t>
-            </a:r>
-            <a:endParaRPr b="0" lang="en-GB" sz="2600" spc="-1" strike="noStrike">
-              <a:latin typeface="Arial"/>
-            </a:endParaRPr>
-          </a:p>
-          <a:p>
+              <a:t>DNS</a:t>
+            </a:r>
             <a:endParaRPr b="0" lang="en-GB" sz="2600" spc="-1" strike="noStrike">
               <a:latin typeface="Arial"/>
             </a:endParaRPr>
@@ -5716,14 +5982,14 @@
       </p:grpSpPr>
       <p:sp>
         <p:nvSpPr>
-          <p:cNvPr id="121" name="CustomShape 1"/>
+          <p:cNvPr id="122" name="CustomShape 1"/>
           <p:cNvSpPr/>
           <p:nvPr/>
         </p:nvSpPr>
         <p:spPr>
           <a:xfrm>
             <a:off x="360000" y="360000"/>
-            <a:ext cx="9357840" cy="897840"/>
+            <a:ext cx="9357480" cy="897480"/>
           </a:xfrm>
           <a:prstGeom prst="rect">
             <a:avLst/>
@@ -5767,14 +6033,14 @@
       </p:sp>
       <p:sp>
         <p:nvSpPr>
-          <p:cNvPr id="122" name="CustomShape 2"/>
+          <p:cNvPr id="123" name="CustomShape 2"/>
           <p:cNvSpPr/>
           <p:nvPr/>
         </p:nvSpPr>
         <p:spPr>
           <a:xfrm>
             <a:off x="360000" y="1980000"/>
-            <a:ext cx="9177840" cy="4677840"/>
+            <a:ext cx="9177480" cy="4677480"/>
           </a:xfrm>
           <a:prstGeom prst="rect">
             <a:avLst/>
@@ -5818,14 +6084,14 @@
       </p:sp>
       <p:sp>
         <p:nvSpPr>
-          <p:cNvPr id="123" name="TextShape 3"/>
-          <p:cNvSpPr txBox="1"/>
+          <p:cNvPr id="124" name="CustomShape 3"/>
+          <p:cNvSpPr/>
           <p:nvPr/>
         </p:nvSpPr>
         <p:spPr>
           <a:xfrm>
             <a:off x="432000" y="1866240"/>
-            <a:ext cx="8814240" cy="4541760"/>
+            <a:ext cx="8813880" cy="4541400"/>
           </a:xfrm>
           <a:prstGeom prst="rect">
             <a:avLst/>
@@ -5835,12 +6101,21 @@
             <a:noFill/>
           </a:ln>
         </p:spPr>
+        <p:style>
+          <a:lnRef idx="0"/>
+          <a:fillRef idx="0"/>
+          <a:effectRef idx="0"/>
+          <a:fontRef idx="minor"/>
+        </p:style>
         <p:txBody>
           <a:bodyPr lIns="90000" rIns="90000" tIns="45000" bIns="45000">
             <a:noAutofit/>
           </a:bodyPr>
           <a:p>
-            <a:pPr marL="216000" indent="-216000">
+            <a:pPr marL="216000" indent="-215640">
+              <a:lnSpc>
+                <a:spcPct val="100000"/>
+              </a:lnSpc>
               <a:buClr>
                 <a:srgbClr val="000000"/>
               </a:buClr>
@@ -5863,7 +6138,20 @@
             </a:endParaRPr>
           </a:p>
           <a:p>
-            <a:pPr marL="216000" indent="-216000">
+            <a:pPr>
+              <a:lnSpc>
+                <a:spcPct val="100000"/>
+              </a:lnSpc>
+            </a:pPr>
+            <a:endParaRPr b="0" lang="en-GB" sz="2600" spc="-1" strike="noStrike">
+              <a:latin typeface="Arial"/>
+            </a:endParaRPr>
+          </a:p>
+          <a:p>
+            <a:pPr lvl="1" marL="432000" indent="-215640">
+              <a:lnSpc>
+                <a:spcPct val="100000"/>
+              </a:lnSpc>
               <a:buClr>
                 <a:srgbClr val="000000"/>
               </a:buClr>
@@ -5871,12 +6159,25 @@
               <a:buFont typeface="Wingdings" charset="2"/>
               <a:buChar char=""/>
             </a:pPr>
-            <a:endParaRPr b="0" lang="en-GB" sz="2600" spc="-1" strike="noStrike">
-              <a:latin typeface="Arial"/>
-            </a:endParaRPr>
-          </a:p>
-          <a:p>
-            <a:pPr lvl="1" marL="432000" indent="-216000">
+            <a:r>
+              <a:rPr b="1" lang="en-GB" sz="2600" spc="-1" strike="noStrike">
+                <a:solidFill>
+                  <a:srgbClr val="1c1c1c"/>
+                </a:solidFill>
+                <a:latin typeface="Source Sans Pro Semibold"/>
+                <a:ea typeface="DejaVu Sans"/>
+              </a:rPr>
+              <a:t>top</a:t>
+            </a:r>
+            <a:endParaRPr b="0" lang="en-GB" sz="2600" spc="-1" strike="noStrike">
+              <a:latin typeface="Arial"/>
+            </a:endParaRPr>
+          </a:p>
+          <a:p>
+            <a:pPr lvl="1" marL="432000" indent="-215640">
+              <a:lnSpc>
+                <a:spcPct val="100000"/>
+              </a:lnSpc>
               <a:buClr>
                 <a:srgbClr val="000000"/>
               </a:buClr>
@@ -5892,14 +6193,17 @@
                 <a:latin typeface="Source Sans Pro Semibold"/>
                 <a:ea typeface="DejaVu Sans"/>
               </a:rPr>
-              <a:t>systemctl</a:t>
-            </a:r>
-            <a:endParaRPr b="0" lang="en-GB" sz="2600" spc="-1" strike="noStrike">
-              <a:latin typeface="Arial"/>
-            </a:endParaRPr>
-          </a:p>
-          <a:p>
-            <a:pPr lvl="1" marL="432000" indent="-216000">
+              <a:t>ps</a:t>
+            </a:r>
+            <a:endParaRPr b="0" lang="en-GB" sz="2600" spc="-1" strike="noStrike">
+              <a:latin typeface="Arial"/>
+            </a:endParaRPr>
+          </a:p>
+          <a:p>
+            <a:pPr lvl="1" marL="432000" indent="-215640">
+              <a:lnSpc>
+                <a:spcPct val="100000"/>
+              </a:lnSpc>
               <a:buClr>
                 <a:srgbClr val="000000"/>
               </a:buClr>
@@ -5915,52 +6219,6 @@
                 <a:latin typeface="Source Sans Pro Semibold"/>
                 <a:ea typeface="DejaVu Sans"/>
               </a:rPr>
-              <a:t>top</a:t>
-            </a:r>
-            <a:endParaRPr b="0" lang="en-GB" sz="2600" spc="-1" strike="noStrike">
-              <a:latin typeface="Arial"/>
-            </a:endParaRPr>
-          </a:p>
-          <a:p>
-            <a:pPr lvl="1" marL="432000" indent="-216000">
-              <a:buClr>
-                <a:srgbClr val="000000"/>
-              </a:buClr>
-              <a:buSzPct val="45000"/>
-              <a:buFont typeface="Wingdings" charset="2"/>
-              <a:buChar char=""/>
-            </a:pPr>
-            <a:r>
-              <a:rPr b="1" lang="en-GB" sz="2600" spc="-1" strike="noStrike">
-                <a:solidFill>
-                  <a:srgbClr val="1c1c1c"/>
-                </a:solidFill>
-                <a:latin typeface="Source Sans Pro Semibold"/>
-                <a:ea typeface="DejaVu Sans"/>
-              </a:rPr>
-              <a:t>ps</a:t>
-            </a:r>
-            <a:endParaRPr b="0" lang="en-GB" sz="2600" spc="-1" strike="noStrike">
-              <a:latin typeface="Arial"/>
-            </a:endParaRPr>
-          </a:p>
-          <a:p>
-            <a:pPr lvl="1" marL="432000" indent="-216000">
-              <a:buClr>
-                <a:srgbClr val="000000"/>
-              </a:buClr>
-              <a:buSzPct val="45000"/>
-              <a:buFont typeface="Wingdings" charset="2"/>
-              <a:buChar char=""/>
-            </a:pPr>
-            <a:r>
-              <a:rPr b="1" lang="en-GB" sz="2600" spc="-1" strike="noStrike">
-                <a:solidFill>
-                  <a:srgbClr val="1c1c1c"/>
-                </a:solidFill>
-                <a:latin typeface="Source Sans Pro Semibold"/>
-                <a:ea typeface="DejaVu Sans"/>
-              </a:rPr>
               <a:t>kill</a:t>
             </a:r>
             <a:endParaRPr b="0" lang="en-GB" sz="2600" spc="-1" strike="noStrike">
@@ -5968,75 +6226,11 @@
             </a:endParaRPr>
           </a:p>
           <a:p>
-            <a:pPr lvl="1" marL="432000" indent="-216000">
-              <a:buClr>
-                <a:srgbClr val="000000"/>
-              </a:buClr>
-              <a:buSzPct val="45000"/>
-              <a:buFont typeface="Wingdings" charset="2"/>
-              <a:buChar char=""/>
-            </a:pPr>
-            <a:r>
-              <a:rPr b="1" lang="en-GB" sz="2600" spc="-1" strike="noStrike">
-                <a:solidFill>
-                  <a:srgbClr val="1c1c1c"/>
-                </a:solidFill>
-                <a:latin typeface="Source Sans Pro Semibold"/>
-                <a:ea typeface="DejaVu Sans"/>
-              </a:rPr>
-              <a:t>lsof</a:t>
-            </a:r>
-            <a:endParaRPr b="0" lang="en-GB" sz="2600" spc="-1" strike="noStrike">
-              <a:latin typeface="Arial"/>
-            </a:endParaRPr>
-          </a:p>
-          <a:p>
-            <a:pPr lvl="1" marL="432000" indent="-216000">
-              <a:buClr>
-                <a:srgbClr val="000000"/>
-              </a:buClr>
-              <a:buSzPct val="45000"/>
-              <a:buFont typeface="Wingdings" charset="2"/>
-              <a:buChar char=""/>
-            </a:pPr>
-            <a:r>
-              <a:rPr b="1" lang="en-GB" sz="2600" spc="-1" strike="noStrike">
-                <a:solidFill>
-                  <a:srgbClr val="1c1c1c"/>
-                </a:solidFill>
-                <a:latin typeface="Source Sans Pro Semibold"/>
-                <a:ea typeface="DejaVu Sans"/>
-              </a:rPr>
-              <a:t>free</a:t>
-            </a:r>
-            <a:endParaRPr b="0" lang="en-GB" sz="2600" spc="-1" strike="noStrike">
-              <a:latin typeface="Arial"/>
-            </a:endParaRPr>
-          </a:p>
-          <a:p>
-            <a:pPr lvl="1" marL="432000" indent="-216000">
-              <a:buClr>
-                <a:srgbClr val="000000"/>
-              </a:buClr>
-              <a:buSzPct val="45000"/>
-              <a:buFont typeface="Wingdings" charset="2"/>
-              <a:buChar char=""/>
-            </a:pPr>
-            <a:r>
-              <a:rPr b="1" lang="en-GB" sz="2600" spc="-1" strike="noStrike">
-                <a:solidFill>
-                  <a:srgbClr val="1c1c1c"/>
-                </a:solidFill>
-                <a:latin typeface="Source Sans Pro Semibold"/>
-                <a:ea typeface="DejaVu Sans"/>
-              </a:rPr>
-              <a:t>strace</a:t>
-            </a:r>
-            <a:endParaRPr b="0" lang="en-GB" sz="2600" spc="-1" strike="noStrike">
-              <a:latin typeface="Arial"/>
-            </a:endParaRPr>
-          </a:p>
-          <a:p>
+            <a:pPr>
+              <a:lnSpc>
+                <a:spcPct val="100000"/>
+              </a:lnSpc>
+            </a:pPr>
             <a:endParaRPr b="0" lang="en-GB" sz="2600" spc="-1" strike="noStrike">
               <a:latin typeface="Arial"/>
             </a:endParaRPr>
@@ -6075,14 +6269,14 @@
       </p:grpSpPr>
       <p:sp>
         <p:nvSpPr>
-          <p:cNvPr id="124" name="CustomShape 1"/>
+          <p:cNvPr id="125" name="CustomShape 1"/>
           <p:cNvSpPr/>
           <p:nvPr/>
         </p:nvSpPr>
         <p:spPr>
           <a:xfrm>
             <a:off x="360000" y="360000"/>
-            <a:ext cx="9357840" cy="897840"/>
+            <a:ext cx="9357480" cy="897480"/>
           </a:xfrm>
           <a:prstGeom prst="rect">
             <a:avLst/>
@@ -6126,14 +6320,14 @@
       </p:sp>
       <p:sp>
         <p:nvSpPr>
-          <p:cNvPr id="125" name="CustomShape 2"/>
+          <p:cNvPr id="126" name="CustomShape 2"/>
           <p:cNvSpPr/>
           <p:nvPr/>
         </p:nvSpPr>
         <p:spPr>
           <a:xfrm>
             <a:off x="360000" y="1980000"/>
-            <a:ext cx="9177840" cy="4677840"/>
+            <a:ext cx="9177480" cy="4677480"/>
           </a:xfrm>
           <a:prstGeom prst="rect">
             <a:avLst/>
@@ -6177,14 +6371,14 @@
       </p:sp>
       <p:sp>
         <p:nvSpPr>
-          <p:cNvPr id="126" name="TextShape 3"/>
-          <p:cNvSpPr txBox="1"/>
+          <p:cNvPr id="127" name="CustomShape 3"/>
+          <p:cNvSpPr/>
           <p:nvPr/>
         </p:nvSpPr>
         <p:spPr>
           <a:xfrm>
             <a:off x="432000" y="1866240"/>
-            <a:ext cx="8814240" cy="4541760"/>
+            <a:ext cx="8813880" cy="4541400"/>
           </a:xfrm>
           <a:prstGeom prst="rect">
             <a:avLst/>
@@ -6194,24 +6388,32 @@
             <a:noFill/>
           </a:ln>
         </p:spPr>
+        <p:style>
+          <a:lnRef idx="0"/>
+          <a:fillRef idx="0"/>
+          <a:effectRef idx="0"/>
+          <a:fontRef idx="minor"/>
+        </p:style>
         <p:txBody>
           <a:bodyPr lIns="90000" rIns="90000" tIns="45000" bIns="45000">
             <a:noAutofit/>
           </a:bodyPr>
           <a:p>
-            <a:pPr marL="216000" indent="-216000">
-              <a:buClr>
-                <a:srgbClr val="000000"/>
-              </a:buClr>
-              <a:buSzPct val="45000"/>
-              <a:buFont typeface="Wingdings" charset="2"/>
-              <a:buChar char=""/>
+            <a:pPr>
+              <a:lnSpc>
+                <a:spcPct val="100000"/>
+              </a:lnSpc>
             </a:pPr>
             <a:endParaRPr b="0" lang="en-GB" sz="1800" spc="-1" strike="noStrike">
               <a:latin typeface="Arial"/>
             </a:endParaRPr>
           </a:p>
           <a:p>
+            <a:pPr>
+              <a:lnSpc>
+                <a:spcPct val="100000"/>
+              </a:lnSpc>
+            </a:pPr>
             <a:endParaRPr b="0" lang="en-GB" sz="1800" spc="-1" strike="noStrike">
               <a:latin typeface="Arial"/>
             </a:endParaRPr>
@@ -6257,7 +6459,7 @@
         <p:spPr>
           <a:xfrm>
             <a:off x="360000" y="360000"/>
-            <a:ext cx="9357840" cy="897840"/>
+            <a:ext cx="9357480" cy="897480"/>
           </a:xfrm>
           <a:prstGeom prst="rect">
             <a:avLst/>
@@ -6308,7 +6510,7 @@
         <p:spPr>
           <a:xfrm>
             <a:off x="360000" y="1440000"/>
-            <a:ext cx="9177840" cy="5255280"/>
+            <a:ext cx="9177480" cy="5254920"/>
           </a:xfrm>
           <a:prstGeom prst="rect">
             <a:avLst/>
@@ -6339,7 +6541,7 @@
             </a:endParaRPr>
           </a:p>
           <a:p>
-            <a:pPr marL="216000" indent="-213840">
+            <a:pPr marL="216000" indent="-213480">
               <a:lnSpc>
                 <a:spcPct val="100000"/>
               </a:lnSpc>
@@ -6375,7 +6577,7 @@
             </a:endParaRPr>
           </a:p>
           <a:p>
-            <a:pPr marL="216000" indent="-213840">
+            <a:pPr marL="216000" indent="-213480">
               <a:lnSpc>
                 <a:spcPct val="100000"/>
               </a:lnSpc>
@@ -6411,7 +6613,7 @@
             </a:endParaRPr>
           </a:p>
           <a:p>
-            <a:pPr marL="216000" indent="-213840">
+            <a:pPr marL="216000" indent="-213480">
               <a:lnSpc>
                 <a:spcPct val="100000"/>
               </a:lnSpc>
@@ -6447,7 +6649,7 @@
             </a:endParaRPr>
           </a:p>
           <a:p>
-            <a:pPr marL="216000" indent="-213840">
+            <a:pPr marL="216000" indent="-213480">
               <a:lnSpc>
                 <a:spcPct val="100000"/>
               </a:lnSpc>
@@ -6483,7 +6685,7 @@
             </a:endParaRPr>
           </a:p>
           <a:p>
-            <a:pPr marL="216000" indent="-213840">
+            <a:pPr marL="216000" indent="-213480">
               <a:lnSpc>
                 <a:spcPct val="100000"/>
               </a:lnSpc>
@@ -6552,14 +6754,14 @@
       </p:grpSpPr>
       <p:sp>
         <p:nvSpPr>
-          <p:cNvPr id="127" name="CustomShape 1"/>
+          <p:cNvPr id="128" name="CustomShape 1"/>
           <p:cNvSpPr/>
           <p:nvPr/>
         </p:nvSpPr>
         <p:spPr>
           <a:xfrm>
             <a:off x="360000" y="3330000"/>
-            <a:ext cx="9357840" cy="897840"/>
+            <a:ext cx="9357480" cy="897480"/>
           </a:xfrm>
           <a:prstGeom prst="rect">
             <a:avLst/>
@@ -6603,14 +6805,14 @@
       </p:sp>
       <p:sp>
         <p:nvSpPr>
-          <p:cNvPr id="128" name="CustomShape 2"/>
+          <p:cNvPr id="129" name="CustomShape 2"/>
           <p:cNvSpPr/>
           <p:nvPr/>
         </p:nvSpPr>
         <p:spPr>
           <a:xfrm>
             <a:off x="540000" y="4680000"/>
-            <a:ext cx="9177840" cy="2517840"/>
+            <a:ext cx="9177480" cy="2517480"/>
           </a:xfrm>
           <a:prstGeom prst="rect">
             <a:avLst/>
@@ -6674,7 +6876,7 @@
       </p:sp>
       <p:pic>
         <p:nvPicPr>
-          <p:cNvPr id="129" name="Picture 305" descr=""/>
+          <p:cNvPr id="130" name="Picture 305" descr=""/>
           <p:cNvPicPr/>
           <p:nvPr/>
         </p:nvPicPr>
@@ -6685,7 +6887,7 @@
         <p:spPr>
           <a:xfrm>
             <a:off x="7132320" y="4663440"/>
-            <a:ext cx="2466720" cy="2466720"/>
+            <a:ext cx="2466360" cy="2466360"/>
           </a:xfrm>
           <a:prstGeom prst="rect">
             <a:avLst/>
@@ -6974,7 +7176,7 @@
         <p:spPr>
           <a:xfrm>
             <a:off x="360000" y="360000"/>
-            <a:ext cx="9357840" cy="897840"/>
+            <a:ext cx="9357480" cy="897480"/>
           </a:xfrm>
           <a:prstGeom prst="rect">
             <a:avLst/>
@@ -7025,7 +7227,7 @@
         <p:spPr>
           <a:xfrm>
             <a:off x="360000" y="1440000"/>
-            <a:ext cx="9177840" cy="5255280"/>
+            <a:ext cx="9177480" cy="5254920"/>
           </a:xfrm>
           <a:prstGeom prst="rect">
             <a:avLst/>
@@ -7056,7 +7258,7 @@
             </a:endParaRPr>
           </a:p>
           <a:p>
-            <a:pPr marL="216000" indent="-213840">
+            <a:pPr marL="216000" indent="-213480">
               <a:lnSpc>
                 <a:spcPct val="100000"/>
               </a:lnSpc>
@@ -7092,7 +7294,7 @@
             </a:endParaRPr>
           </a:p>
           <a:p>
-            <a:pPr marL="216000" indent="-213840">
+            <a:pPr marL="216000" indent="-213480">
               <a:lnSpc>
                 <a:spcPct val="100000"/>
               </a:lnSpc>
@@ -7128,7 +7330,7 @@
             </a:endParaRPr>
           </a:p>
           <a:p>
-            <a:pPr marL="216000" indent="-213840">
+            <a:pPr marL="216000" indent="-213480">
               <a:lnSpc>
                 <a:spcPct val="100000"/>
               </a:lnSpc>
@@ -7164,7 +7366,7 @@
             </a:endParaRPr>
           </a:p>
           <a:p>
-            <a:pPr lvl="1" marL="432000" indent="-215640">
+            <a:pPr lvl="1" marL="432000" indent="-215280">
               <a:lnSpc>
                 <a:spcPct val="100000"/>
               </a:lnSpc>
@@ -7200,7 +7402,7 @@
             </a:endParaRPr>
           </a:p>
           <a:p>
-            <a:pPr lvl="1" marL="432000" indent="-215640">
+            <a:pPr lvl="1" marL="432000" indent="-215280">
               <a:lnSpc>
                 <a:spcPct val="100000"/>
               </a:lnSpc>
@@ -7286,7 +7488,7 @@
         <p:spPr>
           <a:xfrm>
             <a:off x="360000" y="360000"/>
-            <a:ext cx="9357840" cy="897840"/>
+            <a:ext cx="9357480" cy="897480"/>
           </a:xfrm>
           <a:prstGeom prst="rect">
             <a:avLst/>
@@ -7337,7 +7539,7 @@
         <p:spPr>
           <a:xfrm>
             <a:off x="360000" y="1440000"/>
-            <a:ext cx="9177840" cy="5255280"/>
+            <a:ext cx="9177480" cy="5254920"/>
           </a:xfrm>
           <a:prstGeom prst="rect">
             <a:avLst/>
@@ -7368,7 +7570,7 @@
             </a:endParaRPr>
           </a:p>
           <a:p>
-            <a:pPr marL="216000" indent="-213840">
+            <a:pPr marL="216000" indent="-213480">
               <a:lnSpc>
                 <a:spcPct val="100000"/>
               </a:lnSpc>
@@ -7404,7 +7606,7 @@
             </a:endParaRPr>
           </a:p>
           <a:p>
-            <a:pPr marL="216000" indent="-213840">
+            <a:pPr marL="216000" indent="-213480">
               <a:lnSpc>
                 <a:spcPct val="100000"/>
               </a:lnSpc>
@@ -7430,7 +7632,7 @@
             </a:endParaRPr>
           </a:p>
           <a:p>
-            <a:pPr lvl="1" marL="432000" indent="-215640">
+            <a:pPr lvl="1" marL="432000" indent="-215280">
               <a:lnSpc>
                 <a:spcPct val="100000"/>
               </a:lnSpc>
@@ -7456,7 +7658,7 @@
             </a:endParaRPr>
           </a:p>
           <a:p>
-            <a:pPr lvl="1" marL="432000" indent="-215640">
+            <a:pPr lvl="1" marL="432000" indent="-215280">
               <a:lnSpc>
                 <a:spcPct val="100000"/>
               </a:lnSpc>
@@ -7482,7 +7684,7 @@
             </a:endParaRPr>
           </a:p>
           <a:p>
-            <a:pPr lvl="1" marL="432000" indent="-215640">
+            <a:pPr lvl="1" marL="432000" indent="-215280">
               <a:lnSpc>
                 <a:spcPct val="100000"/>
               </a:lnSpc>
@@ -7518,7 +7720,7 @@
             </a:endParaRPr>
           </a:p>
           <a:p>
-            <a:pPr marL="216000" indent="-213840">
+            <a:pPr marL="216000" indent="-213480">
               <a:lnSpc>
                 <a:spcPct val="100000"/>
               </a:lnSpc>
@@ -7544,7 +7746,7 @@
             </a:endParaRPr>
           </a:p>
           <a:p>
-            <a:pPr lvl="1" marL="432000" indent="-215640">
+            <a:pPr lvl="1" marL="432000" indent="-215280">
               <a:lnSpc>
                 <a:spcPct val="100000"/>
               </a:lnSpc>
@@ -7570,7 +7772,7 @@
             </a:endParaRPr>
           </a:p>
           <a:p>
-            <a:pPr lvl="1" marL="432000" indent="-215640">
+            <a:pPr lvl="1" marL="432000" indent="-215280">
               <a:lnSpc>
                 <a:spcPct val="100000"/>
               </a:lnSpc>
@@ -7656,7 +7858,7 @@
         <p:spPr>
           <a:xfrm>
             <a:off x="360000" y="360000"/>
-            <a:ext cx="9357840" cy="897840"/>
+            <a:ext cx="9357480" cy="897480"/>
           </a:xfrm>
           <a:prstGeom prst="rect">
             <a:avLst/>
@@ -7707,7 +7909,7 @@
         <p:spPr>
           <a:xfrm>
             <a:off x="360000" y="1440000"/>
-            <a:ext cx="9177840" cy="5255280"/>
+            <a:ext cx="9177480" cy="5254920"/>
           </a:xfrm>
           <a:prstGeom prst="rect">
             <a:avLst/>
@@ -7738,7 +7940,7 @@
             </a:endParaRPr>
           </a:p>
           <a:p>
-            <a:pPr marL="216000" indent="-213840">
+            <a:pPr marL="216000" indent="-213480">
               <a:lnSpc>
                 <a:spcPct val="100000"/>
               </a:lnSpc>
@@ -7774,7 +7976,7 @@
             </a:endParaRPr>
           </a:p>
           <a:p>
-            <a:pPr marL="216000" indent="-213840">
+            <a:pPr marL="216000" indent="-213480">
               <a:lnSpc>
                 <a:spcPct val="100000"/>
               </a:lnSpc>
@@ -7810,7 +8012,7 @@
             </a:endParaRPr>
           </a:p>
           <a:p>
-            <a:pPr marL="216000" indent="-213840">
+            <a:pPr marL="216000" indent="-213480">
               <a:lnSpc>
                 <a:spcPct val="100000"/>
               </a:lnSpc>
@@ -7846,7 +8048,7 @@
             </a:endParaRPr>
           </a:p>
           <a:p>
-            <a:pPr lvl="1" marL="432000" indent="-215640">
+            <a:pPr lvl="1" marL="432000" indent="-215280">
               <a:lnSpc>
                 <a:spcPct val="100000"/>
               </a:lnSpc>
@@ -7872,7 +8074,7 @@
             </a:endParaRPr>
           </a:p>
           <a:p>
-            <a:pPr lvl="1" marL="432000" indent="-215640">
+            <a:pPr lvl="1" marL="432000" indent="-215280">
               <a:lnSpc>
                 <a:spcPct val="100000"/>
               </a:lnSpc>
@@ -7908,7 +8110,7 @@
             </a:endParaRPr>
           </a:p>
           <a:p>
-            <a:pPr marL="216000" indent="-213840">
+            <a:pPr marL="216000" indent="-213480">
               <a:lnSpc>
                 <a:spcPct val="100000"/>
               </a:lnSpc>
@@ -7984,7 +8186,7 @@
         <p:spPr>
           <a:xfrm>
             <a:off x="360000" y="360000"/>
-            <a:ext cx="9357840" cy="897840"/>
+            <a:ext cx="9357480" cy="897480"/>
           </a:xfrm>
           <a:prstGeom prst="rect">
             <a:avLst/>
@@ -8035,7 +8237,7 @@
         <p:spPr>
           <a:xfrm>
             <a:off x="432000" y="1440720"/>
-            <a:ext cx="9177840" cy="5255280"/>
+            <a:ext cx="9177480" cy="5254920"/>
           </a:xfrm>
           <a:prstGeom prst="rect">
             <a:avLst/>
@@ -8066,7 +8268,7 @@
             </a:endParaRPr>
           </a:p>
           <a:p>
-            <a:pPr marL="216000" indent="-213840">
+            <a:pPr marL="216000" indent="-213480">
               <a:lnSpc>
                 <a:spcPct val="100000"/>
               </a:lnSpc>
@@ -8092,7 +8294,7 @@
             </a:endParaRPr>
           </a:p>
           <a:p>
-            <a:pPr lvl="1" marL="432000" indent="-215640">
+            <a:pPr lvl="1" marL="432000" indent="-215280">
               <a:lnSpc>
                 <a:spcPct val="100000"/>
               </a:lnSpc>
@@ -8128,7 +8330,7 @@
             </a:endParaRPr>
           </a:p>
           <a:p>
-            <a:pPr marL="216000" indent="-213840">
+            <a:pPr marL="216000" indent="-213480">
               <a:lnSpc>
                 <a:spcPct val="100000"/>
               </a:lnSpc>
@@ -8154,7 +8356,7 @@
             </a:endParaRPr>
           </a:p>
           <a:p>
-            <a:pPr lvl="1" marL="432000" indent="-215640">
+            <a:pPr lvl="1" marL="432000" indent="-215280">
               <a:lnSpc>
                 <a:spcPct val="100000"/>
               </a:lnSpc>
@@ -8180,7 +8382,7 @@
             </a:endParaRPr>
           </a:p>
           <a:p>
-            <a:pPr lvl="1" marL="432000" indent="-215640">
+            <a:pPr lvl="1" marL="432000" indent="-215280">
               <a:lnSpc>
                 <a:spcPct val="100000"/>
               </a:lnSpc>
@@ -8216,7 +8418,7 @@
             </a:endParaRPr>
           </a:p>
           <a:p>
-            <a:pPr marL="216000" indent="-213840">
+            <a:pPr marL="216000" indent="-213480">
               <a:lnSpc>
                 <a:spcPct val="100000"/>
               </a:lnSpc>
@@ -8235,14 +8437,14 @@
                 <a:latin typeface="Source Sans Pro Semibold"/>
                 <a:ea typeface="DejaVu Sans"/>
               </a:rPr>
-              <a:t>Part III – Networking and System</a:t>
-            </a:r>
-            <a:endParaRPr b="0" lang="en-GB" sz="2600" spc="-1" strike="noStrike">
-              <a:latin typeface="Arial"/>
-            </a:endParaRPr>
-          </a:p>
-          <a:p>
-            <a:pPr lvl="1" marL="432000" indent="-215640">
+              <a:t>Part III – Networking and System (Time Permitting)</a:t>
+            </a:r>
+            <a:endParaRPr b="0" lang="en-GB" sz="2600" spc="-1" strike="noStrike">
+              <a:latin typeface="Arial"/>
+            </a:endParaRPr>
+          </a:p>
+          <a:p>
+            <a:pPr lvl="1" marL="432000" indent="-215280">
               <a:lnSpc>
                 <a:spcPct val="100000"/>
               </a:lnSpc>
@@ -8268,7 +8470,7 @@
             </a:endParaRPr>
           </a:p>
           <a:p>
-            <a:pPr lvl="1" marL="432000" indent="-215640">
+            <a:pPr lvl="1" marL="432000" indent="-215280">
               <a:lnSpc>
                 <a:spcPct val="100000"/>
               </a:lnSpc>
@@ -8294,7 +8496,7 @@
             </a:endParaRPr>
           </a:p>
           <a:p>
-            <a:pPr lvl="1" marL="432000" indent="-215640">
+            <a:pPr lvl="1" marL="432000" indent="-215280">
               <a:lnSpc>
                 <a:spcPct val="100000"/>
               </a:lnSpc>
@@ -8320,7 +8522,7 @@
             </a:endParaRPr>
           </a:p>
           <a:p>
-            <a:pPr lvl="1" marL="432000" indent="-215640">
+            <a:pPr lvl="1" marL="432000" indent="-215280">
               <a:lnSpc>
                 <a:spcPct val="100000"/>
               </a:lnSpc>
@@ -8396,7 +8598,7 @@
         <p:spPr>
           <a:xfrm>
             <a:off x="360000" y="360000"/>
-            <a:ext cx="9357840" cy="897840"/>
+            <a:ext cx="9357480" cy="897480"/>
           </a:xfrm>
           <a:prstGeom prst="rect">
             <a:avLst/>
@@ -8447,7 +8649,7 @@
         <p:spPr>
           <a:xfrm>
             <a:off x="360000" y="1980000"/>
-            <a:ext cx="9177840" cy="4677840"/>
+            <a:ext cx="9177480" cy="4677480"/>
           </a:xfrm>
           <a:prstGeom prst="rect">
             <a:avLst/>
@@ -8478,7 +8680,7 @@
             </a:endParaRPr>
           </a:p>
           <a:p>
-            <a:pPr marL="216000" indent="-213840">
+            <a:pPr marL="216000" indent="-213480">
               <a:lnSpc>
                 <a:spcPct val="100000"/>
               </a:lnSpc>
@@ -8514,7 +8716,7 @@
             </a:endParaRPr>
           </a:p>
           <a:p>
-            <a:pPr marL="216000" indent="-213840">
+            <a:pPr marL="216000" indent="-213480">
               <a:lnSpc>
                 <a:spcPct val="100000"/>
               </a:lnSpc>
@@ -8550,7 +8752,7 @@
             </a:endParaRPr>
           </a:p>
           <a:p>
-            <a:pPr marL="216000" indent="-213840">
+            <a:pPr marL="216000" indent="-213480">
               <a:lnSpc>
                 <a:spcPct val="100000"/>
               </a:lnSpc>
@@ -8586,7 +8788,7 @@
             </a:endParaRPr>
           </a:p>
           <a:p>
-            <a:pPr marL="216000" indent="-213840">
+            <a:pPr marL="216000" indent="-213480">
               <a:lnSpc>
                 <a:spcPct val="100000"/>
               </a:lnSpc>
@@ -8662,7 +8864,7 @@
         <p:spPr>
           <a:xfrm>
             <a:off x="360000" y="360000"/>
-            <a:ext cx="9357840" cy="897840"/>
+            <a:ext cx="9357480" cy="897480"/>
           </a:xfrm>
           <a:prstGeom prst="rect">
             <a:avLst/>
@@ -8713,7 +8915,7 @@
         <p:spPr>
           <a:xfrm>
             <a:off x="360000" y="1980000"/>
-            <a:ext cx="9177840" cy="4677840"/>
+            <a:ext cx="9177480" cy="4677480"/>
           </a:xfrm>
           <a:prstGeom prst="rect">
             <a:avLst/>
@@ -8744,7 +8946,7 @@
             </a:endParaRPr>
           </a:p>
           <a:p>
-            <a:pPr marL="216000" indent="-213840">
+            <a:pPr marL="216000" indent="-213480">
               <a:lnSpc>
                 <a:spcPct val="100000"/>
               </a:lnSpc>
@@ -8780,7 +8982,7 @@
             </a:endParaRPr>
           </a:p>
           <a:p>
-            <a:pPr marL="216000" indent="-213840">
+            <a:pPr marL="216000" indent="-213480">
               <a:lnSpc>
                 <a:spcPct val="100000"/>
               </a:lnSpc>
@@ -8855,8 +9057,8 @@
         </p:nvSpPr>
         <p:spPr>
           <a:xfrm>
-            <a:off x="360000" y="360000"/>
-            <a:ext cx="9357840" cy="897840"/>
+            <a:off x="360000" y="1980000"/>
+            <a:ext cx="9177480" cy="4677480"/>
           </a:xfrm>
           <a:prstGeom prst="rect">
             <a:avLst/>
@@ -8873,7 +9075,7 @@
           <a:fontRef idx="minor"/>
         </p:style>
         <p:txBody>
-          <a:bodyPr lIns="0" rIns="0" tIns="0" bIns="0" anchor="b">
+          <a:bodyPr lIns="0" rIns="0" tIns="0" bIns="0">
             <a:noAutofit/>
           </a:bodyPr>
           <a:p>
@@ -8882,17 +9084,59 @@
                 <a:spcPct val="100000"/>
               </a:lnSpc>
             </a:pPr>
-            <a:r>
-              <a:rPr b="1" lang="en-GB" sz="3200" spc="-1" strike="noStrike">
-                <a:solidFill>
-                  <a:srgbClr val="ffffff"/>
-                </a:solidFill>
-                <a:latin typeface="Source Sans Pro Black"/>
-                <a:ea typeface="DejaVu Sans"/>
-              </a:rPr>
-              <a:t>Structure of Course</a:t>
-            </a:r>
-            <a:endParaRPr b="0" lang="en-GB" sz="3200" spc="-1" strike="noStrike">
+            <a:endParaRPr b="0" lang="en-GB" sz="1800" spc="-1" strike="noStrike">
+              <a:latin typeface="Arial"/>
+            </a:endParaRPr>
+          </a:p>
+          <a:p>
+            <a:pPr>
+              <a:lnSpc>
+                <a:spcPct val="100000"/>
+              </a:lnSpc>
+            </a:pPr>
+            <a:r>
+              <a:rPr b="1" lang="en-GB" sz="2000" spc="-1" strike="noStrike" u="sng">
+                <a:solidFill>
+                  <a:srgbClr val="0000ff"/>
+                </a:solidFill>
+                <a:uFillTx/>
+                <a:latin typeface="Source Sans Pro Semibold"/>
+                <a:ea typeface="DejaVu Sans"/>
+                <a:hlinkClick r:id="rId1"/>
+              </a:rPr>
+              <a:t>https://github.com/ianmiell/introduction-to-the-command-line</a:t>
+            </a:r>
+            <a:endParaRPr b="0" lang="en-GB" sz="2000" spc="-1" strike="noStrike">
+              <a:latin typeface="Arial"/>
+            </a:endParaRPr>
+          </a:p>
+          <a:p>
+            <a:pPr>
+              <a:lnSpc>
+                <a:spcPct val="100000"/>
+              </a:lnSpc>
+            </a:pPr>
+            <a:endParaRPr b="0" lang="en-GB" sz="2000" spc="-1" strike="noStrike">
+              <a:latin typeface="Arial"/>
+            </a:endParaRPr>
+          </a:p>
+          <a:p>
+            <a:pPr>
+              <a:lnSpc>
+                <a:spcPct val="100000"/>
+              </a:lnSpc>
+            </a:pPr>
+            <a:endParaRPr b="0" lang="en-GB" sz="2000" spc="-1" strike="noStrike">
+              <a:latin typeface="Arial"/>
+            </a:endParaRPr>
+          </a:p>
+          <a:p>
+            <a:pPr>
+              <a:lnSpc>
+                <a:spcPct val="100000"/>
+              </a:lnSpc>
+            </a:pPr>
+            <a:endParaRPr b="0" lang="en-GB" sz="2000" spc="-1" strike="noStrike">
               <a:latin typeface="Arial"/>
             </a:endParaRPr>
           </a:p>
@@ -8906,8 +9150,8 @@
         </p:nvSpPr>
         <p:spPr>
           <a:xfrm>
-            <a:off x="360000" y="1980000"/>
-            <a:ext cx="9177840" cy="4677840"/>
+            <a:off x="360000" y="360000"/>
+            <a:ext cx="9357480" cy="897480"/>
           </a:xfrm>
           <a:prstGeom prst="rect">
             <a:avLst/>
@@ -8924,7 +9168,7 @@
           <a:fontRef idx="minor"/>
         </p:style>
         <p:txBody>
-          <a:bodyPr lIns="0" rIns="0" tIns="0" bIns="0">
+          <a:bodyPr lIns="0" rIns="0" tIns="0" bIns="0" anchor="b">
             <a:noAutofit/>
           </a:bodyPr>
           <a:p>
@@ -8933,221 +9177,17 @@
                 <a:spcPct val="100000"/>
               </a:lnSpc>
             </a:pPr>
-            <a:endParaRPr b="0" lang="en-GB" sz="1800" spc="-1" strike="noStrike">
-              <a:latin typeface="Arial"/>
-            </a:endParaRPr>
-          </a:p>
-          <a:p>
-            <a:pPr marL="216000" indent="-213840">
-              <a:lnSpc>
-                <a:spcPct val="100000"/>
-              </a:lnSpc>
-              <a:buClr>
-                <a:srgbClr val="000000"/>
-              </a:buClr>
-              <a:buSzPct val="45000"/>
-              <a:buFont typeface="Wingdings" charset="2"/>
-              <a:buChar char=""/>
-            </a:pPr>
-            <a:r>
-              <a:rPr b="1" lang="en-GB" sz="2600" spc="-1" strike="noStrike">
-                <a:solidFill>
-                  <a:srgbClr val="1c1c1c"/>
-                </a:solidFill>
-                <a:latin typeface="Source Sans Pro Semibold"/>
-                <a:ea typeface="DejaVu Sans"/>
-              </a:rPr>
-              <a:t>Part I - Core commands</a:t>
-            </a:r>
-            <a:endParaRPr b="0" lang="en-GB" sz="2600" spc="-1" strike="noStrike">
-              <a:latin typeface="Arial"/>
-            </a:endParaRPr>
-          </a:p>
-          <a:p>
-            <a:pPr lvl="2" marL="648000" indent="-216000">
-              <a:lnSpc>
-                <a:spcPct val="100000"/>
-              </a:lnSpc>
-              <a:buClr>
-                <a:srgbClr val="000000"/>
-              </a:buClr>
-              <a:buSzPct val="45000"/>
-              <a:buFont typeface="Wingdings" charset="2"/>
-              <a:buChar char=""/>
-            </a:pPr>
-            <a:endParaRPr b="0" lang="en-GB" sz="2600" spc="-1" strike="noStrike">
-              <a:latin typeface="Arial"/>
-            </a:endParaRPr>
-          </a:p>
-          <a:p>
-            <a:pPr lvl="2" marL="648000" indent="-216000">
-              <a:lnSpc>
-                <a:spcPct val="100000"/>
-              </a:lnSpc>
-              <a:buClr>
-                <a:srgbClr val="000000"/>
-              </a:buClr>
-              <a:buSzPct val="45000"/>
-              <a:buFont typeface="Wingdings" charset="2"/>
-              <a:buChar char=""/>
-            </a:pPr>
-            <a:r>
-              <a:rPr b="1" lang="en-GB" sz="2600" spc="-1" strike="noStrike">
-                <a:solidFill>
-                  <a:srgbClr val="1c1c1c"/>
-                </a:solidFill>
-                <a:latin typeface="Source Sans Pro Semibold"/>
-                <a:ea typeface="DejaVu Sans"/>
-              </a:rPr>
-              <a:t>Exercise / Break</a:t>
-            </a:r>
-            <a:endParaRPr b="0" lang="en-GB" sz="2600" spc="-1" strike="noStrike">
-              <a:latin typeface="Arial"/>
-            </a:endParaRPr>
-          </a:p>
-          <a:p>
-            <a:pPr marL="216000" indent="-213840">
-              <a:lnSpc>
-                <a:spcPct val="100000"/>
-              </a:lnSpc>
-              <a:buClr>
-                <a:srgbClr val="000000"/>
-              </a:buClr>
-              <a:buSzPct val="45000"/>
-              <a:buFont typeface="Wingdings" charset="2"/>
-              <a:buChar char=""/>
-            </a:pPr>
-            <a:endParaRPr b="0" lang="en-GB" sz="2600" spc="-1" strike="noStrike">
-              <a:latin typeface="Arial"/>
-            </a:endParaRPr>
-          </a:p>
-          <a:p>
-            <a:pPr marL="216000" indent="-213840">
-              <a:lnSpc>
-                <a:spcPct val="100000"/>
-              </a:lnSpc>
-              <a:buClr>
-                <a:srgbClr val="000000"/>
-              </a:buClr>
-              <a:buSzPct val="45000"/>
-              <a:buFont typeface="Wingdings" charset="2"/>
-              <a:buChar char=""/>
-            </a:pPr>
-            <a:r>
-              <a:rPr b="1" lang="en-GB" sz="2600" spc="-1" strike="noStrike">
-                <a:solidFill>
-                  <a:srgbClr val="1c1c1c"/>
-                </a:solidFill>
-                <a:latin typeface="Source Sans Pro Semibold"/>
-                <a:ea typeface="DejaVu Sans"/>
-              </a:rPr>
-              <a:t>Part II – Text and File Manipulation Commands</a:t>
-            </a:r>
-            <a:endParaRPr b="0" lang="en-GB" sz="2600" spc="-1" strike="noStrike">
-              <a:latin typeface="Arial"/>
-            </a:endParaRPr>
-          </a:p>
-          <a:p>
-            <a:pPr marL="216000" indent="-213840">
-              <a:lnSpc>
-                <a:spcPct val="100000"/>
-              </a:lnSpc>
-              <a:buClr>
-                <a:srgbClr val="000000"/>
-              </a:buClr>
-              <a:buSzPct val="45000"/>
-              <a:buFont typeface="Wingdings" charset="2"/>
-              <a:buChar char=""/>
-            </a:pPr>
-            <a:endParaRPr b="0" lang="en-GB" sz="2600" spc="-1" strike="noStrike">
-              <a:latin typeface="Arial"/>
-            </a:endParaRPr>
-          </a:p>
-          <a:p>
-            <a:pPr lvl="2" marL="648000" indent="-216000">
-              <a:lnSpc>
-                <a:spcPct val="100000"/>
-              </a:lnSpc>
-              <a:buClr>
-                <a:srgbClr val="000000"/>
-              </a:buClr>
-              <a:buSzPct val="45000"/>
-              <a:buFont typeface="Wingdings" charset="2"/>
-              <a:buChar char=""/>
-            </a:pPr>
-            <a:r>
-              <a:rPr b="1" lang="en-GB" sz="2600" spc="-1" strike="noStrike">
-                <a:solidFill>
-                  <a:srgbClr val="1c1c1c"/>
-                </a:solidFill>
-                <a:latin typeface="Source Sans Pro Semibold"/>
-                <a:ea typeface="DejaVu Sans"/>
-              </a:rPr>
-              <a:t>Exercise / Break</a:t>
-            </a:r>
-            <a:endParaRPr b="0" lang="en-GB" sz="2600" spc="-1" strike="noStrike">
-              <a:latin typeface="Arial"/>
-            </a:endParaRPr>
-          </a:p>
-          <a:p>
-            <a:pPr marL="216000" indent="-213840">
-              <a:lnSpc>
-                <a:spcPct val="100000"/>
-              </a:lnSpc>
-              <a:buClr>
-                <a:srgbClr val="000000"/>
-              </a:buClr>
-              <a:buSzPct val="45000"/>
-              <a:buFont typeface="Wingdings" charset="2"/>
-              <a:buChar char=""/>
-            </a:pPr>
-            <a:endParaRPr b="0" lang="en-GB" sz="2600" spc="-1" strike="noStrike">
-              <a:latin typeface="Arial"/>
-            </a:endParaRPr>
-          </a:p>
-          <a:p>
-            <a:pPr marL="216000" indent="-213840">
-              <a:lnSpc>
-                <a:spcPct val="100000"/>
-              </a:lnSpc>
-              <a:buClr>
-                <a:srgbClr val="000000"/>
-              </a:buClr>
-              <a:buSzPct val="45000"/>
-              <a:buFont typeface="Wingdings" charset="2"/>
-              <a:buChar char=""/>
-            </a:pPr>
-            <a:r>
-              <a:rPr b="1" lang="en-GB" sz="2600" spc="-1" strike="noStrike">
-                <a:solidFill>
-                  <a:srgbClr val="1c1c1c"/>
-                </a:solidFill>
-                <a:latin typeface="Source Sans Pro Semibold"/>
-                <a:ea typeface="DejaVu Sans"/>
-              </a:rPr>
-              <a:t>Part III – Networking and System Commands</a:t>
-            </a:r>
-            <a:endParaRPr b="0" lang="en-GB" sz="2600" spc="-1" strike="noStrike">
-              <a:latin typeface="Arial"/>
-            </a:endParaRPr>
-          </a:p>
-          <a:p>
-            <a:pPr>
-              <a:lnSpc>
-                <a:spcPct val="100000"/>
-              </a:lnSpc>
-            </a:pPr>
-            <a:endParaRPr b="0" lang="en-GB" sz="2600" spc="-1" strike="noStrike">
-              <a:latin typeface="Arial"/>
-            </a:endParaRPr>
-          </a:p>
-          <a:p>
-            <a:pPr>
-              <a:lnSpc>
-                <a:spcPct val="100000"/>
-              </a:lnSpc>
-            </a:pPr>
-            <a:endParaRPr b="0" lang="en-GB" sz="2600" spc="-1" strike="noStrike">
+            <a:r>
+              <a:rPr b="1" lang="en-GB" sz="3200" spc="-1" strike="noStrike">
+                <a:solidFill>
+                  <a:srgbClr val="ffffff"/>
+                </a:solidFill>
+                <a:latin typeface="Source Sans Pro Black"/>
+                <a:ea typeface="DejaVu Sans"/>
+              </a:rPr>
+              <a:t>Materials</a:t>
+            </a:r>
+            <a:endParaRPr b="0" lang="en-GB" sz="3200" spc="-1" strike="noStrike">
               <a:latin typeface="Arial"/>
             </a:endParaRPr>
           </a:p>
